--- a/ParkingBCNCKH.pptx
+++ b/ParkingBCNCKH.pptx
@@ -7,10 +7,16 @@
     <p:sldMasterId id="2147483673" r:id="rId3"/>
   </p:sldMasterIdLst>
   <p:sldIdLst>
-    <p:sldId id="347" r:id="rId4"/>
-    <p:sldId id="342" r:id="rId5"/>
-    <p:sldId id="312" r:id="rId6"/>
-    <p:sldId id="344" r:id="rId7"/>
+    <p:sldId id="256" r:id="rId4"/>
+    <p:sldId id="347" r:id="rId5"/>
+    <p:sldId id="342" r:id="rId6"/>
+    <p:sldId id="312" r:id="rId7"/>
+    <p:sldId id="344" r:id="rId8"/>
+    <p:sldId id="348" r:id="rId9"/>
+    <p:sldId id="350" r:id="rId10"/>
+    <p:sldId id="351" r:id="rId11"/>
+    <p:sldId id="353" r:id="rId12"/>
+    <p:sldId id="352" r:id="rId13"/>
   </p:sldIdLst>
   <p:sldSz cx="12192000" cy="6858000"/>
   <p:notesSz cx="6858000" cy="9144000"/>
@@ -110,6 +116,28 @@
     </a:lvl9pPr>
   </p:defaultTextStyle>
   <p:extLst>
+    <p:ext uri="{521415D9-36F7-43E2-AB2F-B90AF26B5E84}">
+      <p14:sectionLst xmlns:p14="http://schemas.microsoft.com/office/powerpoint/2010/main">
+        <p14:section name="Default Section" id="{F9C15125-A71A-4829-A9E2-D444141D51C7}">
+          <p14:sldIdLst>
+            <p14:sldId id="256"/>
+            <p14:sldId id="347"/>
+            <p14:sldId id="342"/>
+            <p14:sldId id="312"/>
+            <p14:sldId id="344"/>
+            <p14:sldId id="348"/>
+          </p14:sldIdLst>
+        </p14:section>
+        <p14:section name="Untitled Section" id="{FA97DA25-07F0-4E22-A2B7-445B883AA405}">
+          <p14:sldIdLst>
+            <p14:sldId id="350"/>
+            <p14:sldId id="351"/>
+            <p14:sldId id="353"/>
+            <p14:sldId id="352"/>
+          </p14:sldIdLst>
+        </p14:section>
+      </p14:sectionLst>
+    </p:ext>
     <p:ext uri="{EFAFB233-063F-42B5-8137-9DF3F51BA10A}">
       <p15:sldGuideLst xmlns:p15="http://schemas.microsoft.com/office/powerpoint/2012/main">
         <p15:guide id="1" orient="horz" pos="2208" userDrawn="1">
@@ -1673,6 +1701,291 @@
 </file>
 
 <file path=ppt/slideLayouts/slideLayout18.xml><?xml version="1.0" encoding="utf-8"?>
+<p:sldLayout xmlns:a="http://schemas.openxmlformats.org/drawingml/2006/main" xmlns:r="http://schemas.openxmlformats.org/officeDocument/2006/relationships" xmlns:p="http://schemas.openxmlformats.org/presentationml/2006/main" type="title">
+  <p:cSld name="Title Slide">
+    <p:spTree>
+      <p:nvGrpSpPr>
+        <p:cNvPr id="1" name=""/>
+        <p:cNvGrpSpPr/>
+        <p:nvPr/>
+      </p:nvGrpSpPr>
+      <p:grpSpPr>
+        <a:xfrm>
+          <a:off x="0" y="0"/>
+          <a:ext cx="0" cy="0"/>
+          <a:chOff x="0" y="0"/>
+          <a:chExt cx="0" cy="0"/>
+        </a:xfrm>
+      </p:grpSpPr>
+      <p:sp>
+        <p:nvSpPr>
+          <p:cNvPr id="2" name="Title 1"/>
+          <p:cNvSpPr>
+            <a:spLocks noGrp="1"/>
+          </p:cNvSpPr>
+          <p:nvPr>
+            <p:ph type="ctrTitle"/>
+          </p:nvPr>
+        </p:nvSpPr>
+        <p:spPr>
+          <a:xfrm>
+            <a:off x="914400" y="2130426"/>
+            <a:ext cx="10363200" cy="1470025"/>
+          </a:xfrm>
+        </p:spPr>
+        <p:txBody>
+          <a:bodyPr/>
+          <a:lstStyle/>
+          <a:p>
+            <a:r>
+              <a:rPr lang="en-US"/>
+              <a:t>Click to edit Master title style</a:t>
+            </a:r>
+            <a:endParaRPr lang="vi-VN"/>
+          </a:p>
+        </p:txBody>
+      </p:sp>
+      <p:sp>
+        <p:nvSpPr>
+          <p:cNvPr id="3" name="Subtitle 2"/>
+          <p:cNvSpPr>
+            <a:spLocks noGrp="1"/>
+          </p:cNvSpPr>
+          <p:nvPr>
+            <p:ph type="subTitle" idx="1"/>
+          </p:nvPr>
+        </p:nvSpPr>
+        <p:spPr>
+          <a:xfrm>
+            <a:off x="1828800" y="3886200"/>
+            <a:ext cx="8534400" cy="1752600"/>
+          </a:xfrm>
+        </p:spPr>
+        <p:txBody>
+          <a:bodyPr/>
+          <a:lstStyle>
+            <a:lvl1pPr marL="0" indent="0" algn="ctr">
+              <a:buNone/>
+              <a:defRPr>
+                <a:solidFill>
+                  <a:schemeClr val="tx1">
+                    <a:tint val="75000"/>
+                  </a:schemeClr>
+                </a:solidFill>
+              </a:defRPr>
+            </a:lvl1pPr>
+            <a:lvl2pPr marL="457200" indent="0" algn="ctr">
+              <a:buNone/>
+              <a:defRPr>
+                <a:solidFill>
+                  <a:schemeClr val="tx1">
+                    <a:tint val="75000"/>
+                  </a:schemeClr>
+                </a:solidFill>
+              </a:defRPr>
+            </a:lvl2pPr>
+            <a:lvl3pPr marL="914400" indent="0" algn="ctr">
+              <a:buNone/>
+              <a:defRPr>
+                <a:solidFill>
+                  <a:schemeClr val="tx1">
+                    <a:tint val="75000"/>
+                  </a:schemeClr>
+                </a:solidFill>
+              </a:defRPr>
+            </a:lvl3pPr>
+            <a:lvl4pPr marL="1371600" indent="0" algn="ctr">
+              <a:buNone/>
+              <a:defRPr>
+                <a:solidFill>
+                  <a:schemeClr val="tx1">
+                    <a:tint val="75000"/>
+                  </a:schemeClr>
+                </a:solidFill>
+              </a:defRPr>
+            </a:lvl4pPr>
+            <a:lvl5pPr marL="1828800" indent="0" algn="ctr">
+              <a:buNone/>
+              <a:defRPr>
+                <a:solidFill>
+                  <a:schemeClr val="tx1">
+                    <a:tint val="75000"/>
+                  </a:schemeClr>
+                </a:solidFill>
+              </a:defRPr>
+            </a:lvl5pPr>
+            <a:lvl6pPr marL="2286000" indent="0" algn="ctr">
+              <a:buNone/>
+              <a:defRPr>
+                <a:solidFill>
+                  <a:schemeClr val="tx1">
+                    <a:tint val="75000"/>
+                  </a:schemeClr>
+                </a:solidFill>
+              </a:defRPr>
+            </a:lvl6pPr>
+            <a:lvl7pPr marL="2743200" indent="0" algn="ctr">
+              <a:buNone/>
+              <a:defRPr>
+                <a:solidFill>
+                  <a:schemeClr val="tx1">
+                    <a:tint val="75000"/>
+                  </a:schemeClr>
+                </a:solidFill>
+              </a:defRPr>
+            </a:lvl7pPr>
+            <a:lvl8pPr marL="3200400" indent="0" algn="ctr">
+              <a:buNone/>
+              <a:defRPr>
+                <a:solidFill>
+                  <a:schemeClr val="tx1">
+                    <a:tint val="75000"/>
+                  </a:schemeClr>
+                </a:solidFill>
+              </a:defRPr>
+            </a:lvl8pPr>
+            <a:lvl9pPr marL="3657600" indent="0" algn="ctr">
+              <a:buNone/>
+              <a:defRPr>
+                <a:solidFill>
+                  <a:schemeClr val="tx1">
+                    <a:tint val="75000"/>
+                  </a:schemeClr>
+                </a:solidFill>
+              </a:defRPr>
+            </a:lvl9pPr>
+          </a:lstStyle>
+          <a:p>
+            <a:r>
+              <a:rPr lang="en-US"/>
+              <a:t>Click to edit Master subtitle style</a:t>
+            </a:r>
+            <a:endParaRPr lang="vi-VN"/>
+          </a:p>
+        </p:txBody>
+      </p:sp>
+      <p:sp>
+        <p:nvSpPr>
+          <p:cNvPr id="4" name="Date Placeholder 3">
+            <a:extLst>
+              <a:ext uri="{FF2B5EF4-FFF2-40B4-BE49-F238E27FC236}">
+                <a16:creationId xmlns:a16="http://schemas.microsoft.com/office/drawing/2014/main" id="{072E105E-E6F2-4C96-A317-33B5A791A260}"/>
+              </a:ext>
+            </a:extLst>
+          </p:cNvPr>
+          <p:cNvSpPr>
+            <a:spLocks noGrp="1"/>
+          </p:cNvSpPr>
+          <p:nvPr>
+            <p:ph type="dt" sz="half" idx="10"/>
+          </p:nvPr>
+        </p:nvSpPr>
+        <p:spPr/>
+        <p:txBody>
+          <a:bodyPr/>
+          <a:lstStyle>
+            <a:lvl1pPr>
+              <a:defRPr/>
+            </a:lvl1pPr>
+          </a:lstStyle>
+          <a:p>
+            <a:pPr>
+              <a:defRPr/>
+            </a:pPr>
+            <a:fld id="{A3799451-B34E-4C33-A083-EA2F3F2030DE}" type="datetime1">
+              <a:rPr lang="vi-VN"/>
+              <a:pPr>
+                <a:defRPr/>
+              </a:pPr>
+              <a:t>10/03/2021</a:t>
+            </a:fld>
+            <a:endParaRPr lang="vi-VN"/>
+          </a:p>
+        </p:txBody>
+      </p:sp>
+      <p:sp>
+        <p:nvSpPr>
+          <p:cNvPr id="5" name="Footer Placeholder 4">
+            <a:extLst>
+              <a:ext uri="{FF2B5EF4-FFF2-40B4-BE49-F238E27FC236}">
+                <a16:creationId xmlns:a16="http://schemas.microsoft.com/office/drawing/2014/main" id="{25DC9C7C-3302-48A2-8515-1473A6459AD0}"/>
+              </a:ext>
+            </a:extLst>
+          </p:cNvPr>
+          <p:cNvSpPr>
+            <a:spLocks noGrp="1"/>
+          </p:cNvSpPr>
+          <p:nvPr>
+            <p:ph type="ftr" sz="quarter" idx="11"/>
+          </p:nvPr>
+        </p:nvSpPr>
+        <p:spPr/>
+        <p:txBody>
+          <a:bodyPr/>
+          <a:lstStyle>
+            <a:lvl1pPr>
+              <a:defRPr/>
+            </a:lvl1pPr>
+          </a:lstStyle>
+          <a:p>
+            <a:pPr>
+              <a:defRPr/>
+            </a:pPr>
+            <a:r>
+              <a:rPr lang="en-US"/>
+              <a:t>www.siu.edu.vn</a:t>
+            </a:r>
+          </a:p>
+        </p:txBody>
+      </p:sp>
+      <p:sp>
+        <p:nvSpPr>
+          <p:cNvPr id="6" name="Slide Number Placeholder 5">
+            <a:extLst>
+              <a:ext uri="{FF2B5EF4-FFF2-40B4-BE49-F238E27FC236}">
+                <a16:creationId xmlns:a16="http://schemas.microsoft.com/office/drawing/2014/main" id="{45C87052-1D64-41B8-916A-115037074037}"/>
+              </a:ext>
+            </a:extLst>
+          </p:cNvPr>
+          <p:cNvSpPr>
+            <a:spLocks noGrp="1"/>
+          </p:cNvSpPr>
+          <p:nvPr>
+            <p:ph type="sldNum" sz="quarter" idx="12"/>
+          </p:nvPr>
+        </p:nvSpPr>
+        <p:spPr/>
+        <p:txBody>
+          <a:bodyPr/>
+          <a:lstStyle>
+            <a:lvl1pPr>
+              <a:defRPr/>
+            </a:lvl1pPr>
+          </a:lstStyle>
+          <a:p>
+            <a:fld id="{E6E36821-3B49-428D-ADDD-23D7D60F8A1A}" type="slidenum">
+              <a:rPr lang="vi-VN" altLang="en-US"/>
+              <a:pPr/>
+              <a:t>‹#›</a:t>
+            </a:fld>
+            <a:endParaRPr lang="vi-VN" altLang="en-US"/>
+          </a:p>
+        </p:txBody>
+      </p:sp>
+    </p:spTree>
+    <p:extLst>
+      <p:ext uri="{BB962C8B-B14F-4D97-AF65-F5344CB8AC3E}">
+        <p14:creationId xmlns:p14="http://schemas.microsoft.com/office/powerpoint/2010/main" val="2379002419"/>
+      </p:ext>
+    </p:extLst>
+  </p:cSld>
+  <p:clrMapOvr>
+    <a:masterClrMapping/>
+  </p:clrMapOvr>
+</p:sldLayout>
+</file>
+
+<file path=ppt/slideLayouts/slideLayout19.xml><?xml version="1.0" encoding="utf-8"?>
 <p:sldLayout xmlns:a="http://schemas.openxmlformats.org/drawingml/2006/main" xmlns:r="http://schemas.openxmlformats.org/officeDocument/2006/relationships" xmlns:p="http://schemas.openxmlformats.org/presentationml/2006/main" preserve="1" userDrawn="1">
   <p:cSld name="1_Section Break Slide layout">
     <p:bg>
@@ -2911,6 +3224,7 @@
     <p:sldLayoutId id="2147483671" r:id="rId13"/>
     <p:sldLayoutId id="2147483672" r:id="rId14"/>
     <p:sldLayoutId id="2147483700" r:id="rId15"/>
+    <p:sldLayoutId id="2147483701" r:id="rId16"/>
   </p:sldLayoutIdLst>
   <p:txStyles>
     <p:titleStyle>
@@ -3528,6 +3842,1853 @@
           <a:chExt cx="0" cy="0"/>
         </a:xfrm>
       </p:grpSpPr>
+      <p:pic>
+        <p:nvPicPr>
+          <p:cNvPr id="3074" name="Picture 3" descr="C:\Users\TIEU_YEN_TU\Desktop\tong ket..png">
+            <a:extLst>
+              <a:ext uri="{FF2B5EF4-FFF2-40B4-BE49-F238E27FC236}">
+                <a16:creationId xmlns:a16="http://schemas.microsoft.com/office/drawing/2014/main" id="{C53D016A-E987-4FC0-9603-0077F53536A8}"/>
+              </a:ext>
+            </a:extLst>
+          </p:cNvPr>
+          <p:cNvPicPr>
+            <a:picLocks noChangeAspect="1" noChangeArrowheads="1"/>
+          </p:cNvPicPr>
+          <p:nvPr/>
+        </p:nvPicPr>
+        <p:blipFill>
+          <a:blip r:embed="rId2">
+            <a:extLst>
+              <a:ext uri="{28A0092B-C50C-407E-A947-70E740481C1C}">
+                <a14:useLocalDpi xmlns:a14="http://schemas.microsoft.com/office/drawing/2010/main" val="0"/>
+              </a:ext>
+            </a:extLst>
+          </a:blip>
+          <a:srcRect/>
+          <a:stretch>
+            <a:fillRect/>
+          </a:stretch>
+        </p:blipFill>
+        <p:spPr bwMode="auto">
+          <a:xfrm>
+            <a:off x="0" y="1341438"/>
+            <a:ext cx="12192000" cy="647700"/>
+          </a:xfrm>
+          <a:prstGeom prst="rect">
+            <a:avLst/>
+          </a:prstGeom>
+          <a:noFill/>
+          <a:ln>
+            <a:noFill/>
+          </a:ln>
+          <a:extLst>
+            <a:ext uri="{909E8E84-426E-40DD-AFC4-6F175D3DCCD1}">
+              <a14:hiddenFill xmlns:a14="http://schemas.microsoft.com/office/drawing/2010/main">
+                <a:solidFill>
+                  <a:srgbClr val="FFFFFF"/>
+                </a:solidFill>
+              </a14:hiddenFill>
+            </a:ext>
+            <a:ext uri="{91240B29-F687-4F45-9708-019B960494DF}">
+              <a14:hiddenLine xmlns:a14="http://schemas.microsoft.com/office/drawing/2010/main" w="9525">
+                <a:solidFill>
+                  <a:srgbClr val="000000"/>
+                </a:solidFill>
+                <a:miter lim="800000"/>
+                <a:headEnd/>
+                <a:tailEnd/>
+              </a14:hiddenLine>
+            </a:ext>
+          </a:extLst>
+        </p:spPr>
+      </p:pic>
+      <p:sp>
+        <p:nvSpPr>
+          <p:cNvPr id="14" name="Title 3">
+            <a:extLst>
+              <a:ext uri="{FF2B5EF4-FFF2-40B4-BE49-F238E27FC236}">
+                <a16:creationId xmlns:a16="http://schemas.microsoft.com/office/drawing/2014/main" id="{5F7DD171-AE99-432A-805F-95530B56A8FA}"/>
+              </a:ext>
+            </a:extLst>
+          </p:cNvPr>
+          <p:cNvSpPr txBox="1">
+            <a:spLocks/>
+          </p:cNvSpPr>
+          <p:nvPr/>
+        </p:nvSpPr>
+        <p:spPr>
+          <a:xfrm>
+            <a:off x="1137082" y="1395352"/>
+            <a:ext cx="2677535" cy="396288"/>
+          </a:xfrm>
+          <a:prstGeom prst="rect">
+            <a:avLst/>
+          </a:prstGeom>
+        </p:spPr>
+        <p:txBody>
+          <a:bodyPr anchor="ctr"/>
+          <a:lstStyle/>
+          <a:p>
+            <a:pPr algn="ctr">
+              <a:defRPr/>
+            </a:pPr>
+            <a:r>
+              <a:rPr lang="en-US" sz="2500" b="1" dirty="0">
+                <a:solidFill>
+                  <a:schemeClr val="tx1">
+                    <a:lumMod val="50000"/>
+                    <a:lumOff val="50000"/>
+                  </a:schemeClr>
+                </a:solidFill>
+                <a:latin typeface="Times New Roman" panose="02020603050405020304" pitchFamily="18" charset="0"/>
+                <a:ea typeface="+mj-ea"/>
+                <a:cs typeface="Times New Roman" panose="02020603050405020304" pitchFamily="18" charset="0"/>
+              </a:rPr>
+              <a:t>www.siu.edu.vn</a:t>
+            </a:r>
+          </a:p>
+        </p:txBody>
+      </p:sp>
+      <p:sp>
+        <p:nvSpPr>
+          <p:cNvPr id="16" name="Rectangle 15">
+            <a:extLst>
+              <a:ext uri="{FF2B5EF4-FFF2-40B4-BE49-F238E27FC236}">
+                <a16:creationId xmlns:a16="http://schemas.microsoft.com/office/drawing/2014/main" id="{8A328899-EFD2-4A5C-A196-B1ADB5FF2532}"/>
+              </a:ext>
+            </a:extLst>
+          </p:cNvPr>
+          <p:cNvSpPr/>
+          <p:nvPr/>
+        </p:nvSpPr>
+        <p:spPr>
+          <a:xfrm>
+            <a:off x="0" y="6524626"/>
+            <a:ext cx="12192000" cy="333375"/>
+          </a:xfrm>
+          <a:prstGeom prst="rect">
+            <a:avLst/>
+          </a:prstGeom>
+          <a:solidFill>
+            <a:srgbClr val="C00000"/>
+          </a:solidFill>
+          <a:ln>
+            <a:noFill/>
+          </a:ln>
+        </p:spPr>
+        <p:style>
+          <a:lnRef idx="2">
+            <a:schemeClr val="accent1">
+              <a:shade val="50000"/>
+            </a:schemeClr>
+          </a:lnRef>
+          <a:fillRef idx="1">
+            <a:schemeClr val="accent1"/>
+          </a:fillRef>
+          <a:effectRef idx="0">
+            <a:schemeClr val="accent1"/>
+          </a:effectRef>
+          <a:fontRef idx="minor">
+            <a:schemeClr val="lt1"/>
+          </a:fontRef>
+        </p:style>
+        <p:txBody>
+          <a:bodyPr anchor="ctr"/>
+          <a:lstStyle/>
+          <a:p>
+            <a:pPr algn="ctr" eaLnBrk="1" hangingPunct="1">
+              <a:defRPr/>
+            </a:pPr>
+            <a:endParaRPr lang="en-US">
+              <a:solidFill>
+                <a:srgbClr val="FFFFFF"/>
+              </a:solidFill>
+              <a:latin typeface="Arial" charset="0"/>
+              <a:cs typeface="Arial" charset="0"/>
+            </a:endParaRPr>
+          </a:p>
+        </p:txBody>
+      </p:sp>
+      <p:pic>
+        <p:nvPicPr>
+          <p:cNvPr id="3077" name="Picture 5" descr="C:\Users\TIEU_YEN_TU\Desktop\siu.png">
+            <a:extLst>
+              <a:ext uri="{FF2B5EF4-FFF2-40B4-BE49-F238E27FC236}">
+                <a16:creationId xmlns:a16="http://schemas.microsoft.com/office/drawing/2014/main" id="{B82F3B1B-62FD-4A2C-9D52-F2F2808C741E}"/>
+              </a:ext>
+            </a:extLst>
+          </p:cNvPr>
+          <p:cNvPicPr>
+            <a:picLocks noChangeAspect="1" noChangeArrowheads="1"/>
+          </p:cNvPicPr>
+          <p:nvPr/>
+        </p:nvPicPr>
+        <p:blipFill>
+          <a:blip r:embed="rId3">
+            <a:extLst>
+              <a:ext uri="{BEBA8EAE-BF5A-486C-A8C5-ECC9F3942E4B}">
+                <a14:imgProps xmlns:a14="http://schemas.microsoft.com/office/drawing/2010/main">
+                  <a14:imgLayer r:embed="rId4">
+                    <a14:imgEffect>
+                      <a14:saturation sat="300000"/>
+                    </a14:imgEffect>
+                  </a14:imgLayer>
+                </a14:imgProps>
+              </a:ext>
+              <a:ext uri="{28A0092B-C50C-407E-A947-70E740481C1C}">
+                <a14:useLocalDpi xmlns:a14="http://schemas.microsoft.com/office/drawing/2010/main" val="0"/>
+              </a:ext>
+            </a:extLst>
+          </a:blip>
+          <a:srcRect/>
+          <a:stretch>
+            <a:fillRect/>
+          </a:stretch>
+        </p:blipFill>
+        <p:spPr bwMode="auto">
+          <a:xfrm>
+            <a:off x="4295776" y="123826"/>
+            <a:ext cx="3186113" cy="981075"/>
+          </a:xfrm>
+          <a:prstGeom prst="rect">
+            <a:avLst/>
+          </a:prstGeom>
+          <a:noFill/>
+          <a:ln>
+            <a:noFill/>
+          </a:ln>
+          <a:extLst>
+            <a:ext uri="{909E8E84-426E-40DD-AFC4-6F175D3DCCD1}">
+              <a14:hiddenFill xmlns:a14="http://schemas.microsoft.com/office/drawing/2010/main">
+                <a:solidFill>
+                  <a:srgbClr val="FFFFFF"/>
+                </a:solidFill>
+              </a14:hiddenFill>
+            </a:ext>
+            <a:ext uri="{91240B29-F687-4F45-9708-019B960494DF}">
+              <a14:hiddenLine xmlns:a14="http://schemas.microsoft.com/office/drawing/2010/main" w="9525">
+                <a:solidFill>
+                  <a:srgbClr val="000000"/>
+                </a:solidFill>
+                <a:miter lim="800000"/>
+                <a:headEnd/>
+                <a:tailEnd/>
+              </a14:hiddenLine>
+            </a:ext>
+          </a:extLst>
+        </p:spPr>
+      </p:pic>
+      <p:sp>
+        <p:nvSpPr>
+          <p:cNvPr id="3078" name="TextBox 1">
+            <a:extLst>
+              <a:ext uri="{FF2B5EF4-FFF2-40B4-BE49-F238E27FC236}">
+                <a16:creationId xmlns:a16="http://schemas.microsoft.com/office/drawing/2014/main" id="{DCA5485C-4655-4746-8CC5-149A359560CE}"/>
+              </a:ext>
+            </a:extLst>
+          </p:cNvPr>
+          <p:cNvSpPr txBox="1">
+            <a:spLocks noChangeArrowheads="1"/>
+          </p:cNvSpPr>
+          <p:nvPr/>
+        </p:nvSpPr>
+        <p:spPr bwMode="auto">
+          <a:xfrm>
+            <a:off x="1644073" y="2060575"/>
+            <a:ext cx="9023927" cy="4462760"/>
+          </a:xfrm>
+          <a:prstGeom prst="rect">
+            <a:avLst/>
+          </a:prstGeom>
+          <a:noFill/>
+          <a:ln>
+            <a:noFill/>
+          </a:ln>
+          <a:extLst>
+            <a:ext uri="{909E8E84-426E-40DD-AFC4-6F175D3DCCD1}">
+              <a14:hiddenFill xmlns:a14="http://schemas.microsoft.com/office/drawing/2010/main">
+                <a:solidFill>
+                  <a:srgbClr val="FFFFFF"/>
+                </a:solidFill>
+              </a14:hiddenFill>
+            </a:ext>
+            <a:ext uri="{91240B29-F687-4F45-9708-019B960494DF}">
+              <a14:hiddenLine xmlns:a14="http://schemas.microsoft.com/office/drawing/2010/main" w="9525">
+                <a:solidFill>
+                  <a:srgbClr val="000000"/>
+                </a:solidFill>
+                <a:miter lim="800000"/>
+                <a:headEnd/>
+                <a:tailEnd/>
+              </a14:hiddenLine>
+            </a:ext>
+          </a:extLst>
+        </p:spPr>
+        <p:txBody>
+          <a:bodyPr wrap="square">
+            <a:spAutoFit/>
+          </a:bodyPr>
+          <a:lstStyle>
+            <a:lvl1pPr>
+              <a:spcBef>
+                <a:spcPct val="20000"/>
+              </a:spcBef>
+              <a:buFont typeface="Arial" panose="020B0604020202020204" pitchFamily="34" charset="0"/>
+              <a:buChar char="•"/>
+              <a:defRPr sz="3200">
+                <a:solidFill>
+                  <a:schemeClr val="tx1"/>
+                </a:solidFill>
+                <a:latin typeface="Arial" panose="020B0604020202020204" pitchFamily="34" charset="0"/>
+              </a:defRPr>
+            </a:lvl1pPr>
+            <a:lvl2pPr marL="742950" indent="-285750">
+              <a:spcBef>
+                <a:spcPct val="20000"/>
+              </a:spcBef>
+              <a:buFont typeface="Arial" panose="020B0604020202020204" pitchFamily="34" charset="0"/>
+              <a:buChar char="–"/>
+              <a:defRPr sz="2800">
+                <a:solidFill>
+                  <a:schemeClr val="tx1"/>
+                </a:solidFill>
+                <a:latin typeface="Arial" panose="020B0604020202020204" pitchFamily="34" charset="0"/>
+              </a:defRPr>
+            </a:lvl2pPr>
+            <a:lvl3pPr marL="1143000" indent="-228600">
+              <a:spcBef>
+                <a:spcPct val="20000"/>
+              </a:spcBef>
+              <a:buFont typeface="Arial" panose="020B0604020202020204" pitchFamily="34" charset="0"/>
+              <a:buChar char="•"/>
+              <a:defRPr sz="2400">
+                <a:solidFill>
+                  <a:schemeClr val="tx1"/>
+                </a:solidFill>
+                <a:latin typeface="Arial" panose="020B0604020202020204" pitchFamily="34" charset="0"/>
+              </a:defRPr>
+            </a:lvl3pPr>
+            <a:lvl4pPr marL="1600200" indent="-228600">
+              <a:spcBef>
+                <a:spcPct val="20000"/>
+              </a:spcBef>
+              <a:buFont typeface="Arial" panose="020B0604020202020204" pitchFamily="34" charset="0"/>
+              <a:buChar char="–"/>
+              <a:defRPr sz="2000">
+                <a:solidFill>
+                  <a:schemeClr val="tx1"/>
+                </a:solidFill>
+                <a:latin typeface="Arial" panose="020B0604020202020204" pitchFamily="34" charset="0"/>
+              </a:defRPr>
+            </a:lvl4pPr>
+            <a:lvl5pPr marL="2057400" indent="-228600">
+              <a:spcBef>
+                <a:spcPct val="20000"/>
+              </a:spcBef>
+              <a:buFont typeface="Arial" panose="020B0604020202020204" pitchFamily="34" charset="0"/>
+              <a:buChar char="»"/>
+              <a:defRPr sz="2000">
+                <a:solidFill>
+                  <a:schemeClr val="tx1"/>
+                </a:solidFill>
+                <a:latin typeface="Arial" panose="020B0604020202020204" pitchFamily="34" charset="0"/>
+              </a:defRPr>
+            </a:lvl5pPr>
+            <a:lvl6pPr marL="2514600" indent="-228600" eaLnBrk="0" fontAlgn="base" hangingPunct="0">
+              <a:spcBef>
+                <a:spcPct val="20000"/>
+              </a:spcBef>
+              <a:spcAft>
+                <a:spcPct val="0"/>
+              </a:spcAft>
+              <a:buFont typeface="Arial" panose="020B0604020202020204" pitchFamily="34" charset="0"/>
+              <a:buChar char="»"/>
+              <a:defRPr sz="2000">
+                <a:solidFill>
+                  <a:schemeClr val="tx1"/>
+                </a:solidFill>
+                <a:latin typeface="Arial" panose="020B0604020202020204" pitchFamily="34" charset="0"/>
+              </a:defRPr>
+            </a:lvl6pPr>
+            <a:lvl7pPr marL="2971800" indent="-228600" eaLnBrk="0" fontAlgn="base" hangingPunct="0">
+              <a:spcBef>
+                <a:spcPct val="20000"/>
+              </a:spcBef>
+              <a:spcAft>
+                <a:spcPct val="0"/>
+              </a:spcAft>
+              <a:buFont typeface="Arial" panose="020B0604020202020204" pitchFamily="34" charset="0"/>
+              <a:buChar char="»"/>
+              <a:defRPr sz="2000">
+                <a:solidFill>
+                  <a:schemeClr val="tx1"/>
+                </a:solidFill>
+                <a:latin typeface="Arial" panose="020B0604020202020204" pitchFamily="34" charset="0"/>
+              </a:defRPr>
+            </a:lvl7pPr>
+            <a:lvl8pPr marL="3429000" indent="-228600" eaLnBrk="0" fontAlgn="base" hangingPunct="0">
+              <a:spcBef>
+                <a:spcPct val="20000"/>
+              </a:spcBef>
+              <a:spcAft>
+                <a:spcPct val="0"/>
+              </a:spcAft>
+              <a:buFont typeface="Arial" panose="020B0604020202020204" pitchFamily="34" charset="0"/>
+              <a:buChar char="»"/>
+              <a:defRPr sz="2000">
+                <a:solidFill>
+                  <a:schemeClr val="tx1"/>
+                </a:solidFill>
+                <a:latin typeface="Arial" panose="020B0604020202020204" pitchFamily="34" charset="0"/>
+              </a:defRPr>
+            </a:lvl8pPr>
+            <a:lvl9pPr marL="3886200" indent="-228600" eaLnBrk="0" fontAlgn="base" hangingPunct="0">
+              <a:spcBef>
+                <a:spcPct val="20000"/>
+              </a:spcBef>
+              <a:spcAft>
+                <a:spcPct val="0"/>
+              </a:spcAft>
+              <a:buFont typeface="Arial" panose="020B0604020202020204" pitchFamily="34" charset="0"/>
+              <a:buChar char="»"/>
+              <a:defRPr sz="2000">
+                <a:solidFill>
+                  <a:schemeClr val="tx1"/>
+                </a:solidFill>
+                <a:latin typeface="Arial" panose="020B0604020202020204" pitchFamily="34" charset="0"/>
+              </a:defRPr>
+            </a:lvl9pPr>
+          </a:lstStyle>
+          <a:p>
+            <a:pPr algn="ctr">
+              <a:spcBef>
+                <a:spcPts val="600"/>
+              </a:spcBef>
+              <a:spcAft>
+                <a:spcPts val="600"/>
+              </a:spcAft>
+              <a:buNone/>
+            </a:pPr>
+            <a:r>
+              <a:rPr lang="en-US" altLang="en-US" sz="2000" b="1" dirty="0">
+                <a:solidFill>
+                  <a:srgbClr val="FF0000"/>
+                </a:solidFill>
+              </a:rPr>
+              <a:t>CUỘC THI SINH VIÊN NGHIÊN CỨU KHOA HỌC </a:t>
+            </a:r>
+          </a:p>
+          <a:p>
+            <a:pPr algn="ctr">
+              <a:spcBef>
+                <a:spcPts val="600"/>
+              </a:spcBef>
+              <a:spcAft>
+                <a:spcPts val="600"/>
+              </a:spcAft>
+              <a:buNone/>
+            </a:pPr>
+            <a:r>
+              <a:rPr lang="en-US" altLang="en-US" sz="2000" b="1" dirty="0">
+                <a:solidFill>
+                  <a:srgbClr val="FF0000"/>
+                </a:solidFill>
+              </a:rPr>
+              <a:t>LẦN … NĂM HỌC 2020-2021</a:t>
+            </a:r>
+          </a:p>
+          <a:p>
+            <a:pPr algn="ctr">
+              <a:spcBef>
+                <a:spcPts val="600"/>
+              </a:spcBef>
+              <a:spcAft>
+                <a:spcPts val="600"/>
+              </a:spcAft>
+              <a:buNone/>
+            </a:pPr>
+            <a:r>
+              <a:rPr lang="en-US" altLang="en-US" sz="2400" b="1" dirty="0">
+                <a:solidFill>
+                  <a:srgbClr val="0070C0"/>
+                </a:solidFill>
+              </a:rPr>
+              <a:t> </a:t>
+            </a:r>
+          </a:p>
+          <a:p>
+            <a:pPr algn="ctr">
+              <a:spcBef>
+                <a:spcPts val="600"/>
+              </a:spcBef>
+              <a:spcAft>
+                <a:spcPts val="600"/>
+              </a:spcAft>
+              <a:buNone/>
+            </a:pPr>
+            <a:r>
+              <a:rPr lang="en-US" altLang="en-US" sz="1800" b="1" u="sng" dirty="0"/>
+              <a:t>CHỦ ĐỀ</a:t>
+            </a:r>
+          </a:p>
+          <a:p>
+            <a:pPr algn="ctr">
+              <a:spcBef>
+                <a:spcPts val="600"/>
+              </a:spcBef>
+              <a:spcAft>
+                <a:spcPts val="600"/>
+              </a:spcAft>
+              <a:buNone/>
+            </a:pPr>
+            <a:r>
+              <a:rPr lang="en-US" altLang="en-US" sz="2400" b="1" dirty="0">
+                <a:solidFill>
+                  <a:srgbClr val="00B0F0"/>
+                </a:solidFill>
+              </a:rPr>
+              <a:t>PHẦN MỀM HỆ THỐNG GIỮ XE THÔNG MINH</a:t>
+            </a:r>
+          </a:p>
+          <a:p>
+            <a:pPr algn="ctr">
+              <a:spcBef>
+                <a:spcPts val="600"/>
+              </a:spcBef>
+              <a:spcAft>
+                <a:spcPts val="600"/>
+              </a:spcAft>
+              <a:buNone/>
+            </a:pPr>
+            <a:endParaRPr lang="en-US" altLang="en-US" sz="1600" b="1" dirty="0"/>
+          </a:p>
+          <a:p>
+            <a:pPr algn="ctr">
+              <a:spcBef>
+                <a:spcPts val="600"/>
+              </a:spcBef>
+              <a:spcAft>
+                <a:spcPts val="600"/>
+              </a:spcAft>
+              <a:buNone/>
+            </a:pPr>
+            <a:endParaRPr lang="en-US" altLang="en-US" sz="1600" b="1" dirty="0"/>
+          </a:p>
+          <a:p>
+            <a:pPr algn="ctr">
+              <a:spcBef>
+                <a:spcPts val="600"/>
+              </a:spcBef>
+              <a:spcAft>
+                <a:spcPts val="600"/>
+              </a:spcAft>
+              <a:buNone/>
+            </a:pPr>
+            <a:endParaRPr lang="en-US" altLang="en-US" sz="1600" b="1" dirty="0"/>
+          </a:p>
+          <a:p>
+            <a:pPr algn="ctr">
+              <a:spcBef>
+                <a:spcPts val="600"/>
+              </a:spcBef>
+              <a:spcAft>
+                <a:spcPts val="600"/>
+              </a:spcAft>
+              <a:buNone/>
+            </a:pPr>
+            <a:r>
+              <a:rPr lang="en-US" altLang="en-US" sz="1600" b="1" dirty="0" err="1"/>
+              <a:t>Ngày</a:t>
+            </a:r>
+            <a:r>
+              <a:rPr lang="en-US" altLang="en-US" sz="1600" b="1" dirty="0"/>
+              <a:t> 12 </a:t>
+            </a:r>
+            <a:r>
+              <a:rPr lang="en-US" altLang="en-US" sz="1600" b="1" dirty="0" err="1"/>
+              <a:t>tháng</a:t>
+            </a:r>
+            <a:r>
+              <a:rPr lang="en-US" altLang="en-US" sz="1600" b="1" dirty="0"/>
+              <a:t> 03, 2021</a:t>
+            </a:r>
+            <a:endParaRPr lang="en-US" altLang="en-US" sz="2400" b="1" dirty="0"/>
+          </a:p>
+          <a:p>
+            <a:pPr algn="ctr">
+              <a:spcBef>
+                <a:spcPts val="600"/>
+              </a:spcBef>
+              <a:spcAft>
+                <a:spcPts val="600"/>
+              </a:spcAft>
+              <a:buNone/>
+            </a:pPr>
+            <a:endParaRPr lang="en-US" altLang="en-US" sz="2400" b="1" dirty="0">
+              <a:solidFill>
+                <a:srgbClr val="002060"/>
+              </a:solidFill>
+            </a:endParaRPr>
+          </a:p>
+        </p:txBody>
+      </p:sp>
+      <p:sp>
+        <p:nvSpPr>
+          <p:cNvPr id="3079" name="Footer Placeholder 1">
+            <a:extLst>
+              <a:ext uri="{FF2B5EF4-FFF2-40B4-BE49-F238E27FC236}">
+                <a16:creationId xmlns:a16="http://schemas.microsoft.com/office/drawing/2014/main" id="{7B6DD73A-DF3E-4110-8FAC-5C362D35DF5B}"/>
+              </a:ext>
+            </a:extLst>
+          </p:cNvPr>
+          <p:cNvSpPr>
+            <a:spLocks noGrp="1"/>
+          </p:cNvSpPr>
+          <p:nvPr>
+            <p:ph type="ftr" sz="quarter" idx="11"/>
+          </p:nvPr>
+        </p:nvSpPr>
+        <p:spPr bwMode="auto">
+          <a:xfrm>
+            <a:off x="5202959" y="6492875"/>
+            <a:ext cx="2001982" cy="365125"/>
+          </a:xfrm>
+          <a:noFill/>
+          <a:extLst>
+            <a:ext uri="{909E8E84-426E-40DD-AFC4-6F175D3DCCD1}">
+              <a14:hiddenFill xmlns:a14="http://schemas.microsoft.com/office/drawing/2010/main">
+                <a:solidFill>
+                  <a:srgbClr val="FFFFFF"/>
+                </a:solidFill>
+              </a14:hiddenFill>
+            </a:ext>
+            <a:ext uri="{91240B29-F687-4F45-9708-019B960494DF}">
+              <a14:hiddenLine xmlns:a14="http://schemas.microsoft.com/office/drawing/2010/main" w="9525">
+                <a:solidFill>
+                  <a:srgbClr val="000000"/>
+                </a:solidFill>
+                <a:miter lim="800000"/>
+                <a:headEnd/>
+                <a:tailEnd/>
+              </a14:hiddenLine>
+            </a:ext>
+          </a:extLst>
+        </p:spPr>
+        <p:txBody>
+          <a:bodyPr/>
+          <a:lstStyle>
+            <a:lvl1pPr>
+              <a:spcBef>
+                <a:spcPct val="20000"/>
+              </a:spcBef>
+              <a:buFont typeface="Arial" panose="020B0604020202020204" pitchFamily="34" charset="0"/>
+              <a:buChar char="•"/>
+              <a:defRPr sz="3200">
+                <a:solidFill>
+                  <a:schemeClr val="tx1"/>
+                </a:solidFill>
+                <a:latin typeface="Arial" panose="020B0604020202020204" pitchFamily="34" charset="0"/>
+              </a:defRPr>
+            </a:lvl1pPr>
+            <a:lvl2pPr marL="742950" indent="-285750">
+              <a:spcBef>
+                <a:spcPct val="20000"/>
+              </a:spcBef>
+              <a:buFont typeface="Arial" panose="020B0604020202020204" pitchFamily="34" charset="0"/>
+              <a:buChar char="–"/>
+              <a:defRPr sz="2800">
+                <a:solidFill>
+                  <a:schemeClr val="tx1"/>
+                </a:solidFill>
+                <a:latin typeface="Arial" panose="020B0604020202020204" pitchFamily="34" charset="0"/>
+              </a:defRPr>
+            </a:lvl2pPr>
+            <a:lvl3pPr marL="1143000" indent="-228600">
+              <a:spcBef>
+                <a:spcPct val="20000"/>
+              </a:spcBef>
+              <a:buFont typeface="Arial" panose="020B0604020202020204" pitchFamily="34" charset="0"/>
+              <a:buChar char="•"/>
+              <a:defRPr sz="2400">
+                <a:solidFill>
+                  <a:schemeClr val="tx1"/>
+                </a:solidFill>
+                <a:latin typeface="Arial" panose="020B0604020202020204" pitchFamily="34" charset="0"/>
+              </a:defRPr>
+            </a:lvl3pPr>
+            <a:lvl4pPr marL="1600200" indent="-228600">
+              <a:spcBef>
+                <a:spcPct val="20000"/>
+              </a:spcBef>
+              <a:buFont typeface="Arial" panose="020B0604020202020204" pitchFamily="34" charset="0"/>
+              <a:buChar char="–"/>
+              <a:defRPr sz="2000">
+                <a:solidFill>
+                  <a:schemeClr val="tx1"/>
+                </a:solidFill>
+                <a:latin typeface="Arial" panose="020B0604020202020204" pitchFamily="34" charset="0"/>
+              </a:defRPr>
+            </a:lvl4pPr>
+            <a:lvl5pPr marL="2057400" indent="-228600">
+              <a:spcBef>
+                <a:spcPct val="20000"/>
+              </a:spcBef>
+              <a:buFont typeface="Arial" panose="020B0604020202020204" pitchFamily="34" charset="0"/>
+              <a:buChar char="»"/>
+              <a:defRPr sz="2000">
+                <a:solidFill>
+                  <a:schemeClr val="tx1"/>
+                </a:solidFill>
+                <a:latin typeface="Arial" panose="020B0604020202020204" pitchFamily="34" charset="0"/>
+              </a:defRPr>
+            </a:lvl5pPr>
+            <a:lvl6pPr marL="2514600" indent="-228600" eaLnBrk="0" fontAlgn="base" hangingPunct="0">
+              <a:spcBef>
+                <a:spcPct val="20000"/>
+              </a:spcBef>
+              <a:spcAft>
+                <a:spcPct val="0"/>
+              </a:spcAft>
+              <a:buFont typeface="Arial" panose="020B0604020202020204" pitchFamily="34" charset="0"/>
+              <a:buChar char="»"/>
+              <a:defRPr sz="2000">
+                <a:solidFill>
+                  <a:schemeClr val="tx1"/>
+                </a:solidFill>
+                <a:latin typeface="Arial" panose="020B0604020202020204" pitchFamily="34" charset="0"/>
+              </a:defRPr>
+            </a:lvl6pPr>
+            <a:lvl7pPr marL="2971800" indent="-228600" eaLnBrk="0" fontAlgn="base" hangingPunct="0">
+              <a:spcBef>
+                <a:spcPct val="20000"/>
+              </a:spcBef>
+              <a:spcAft>
+                <a:spcPct val="0"/>
+              </a:spcAft>
+              <a:buFont typeface="Arial" panose="020B0604020202020204" pitchFamily="34" charset="0"/>
+              <a:buChar char="»"/>
+              <a:defRPr sz="2000">
+                <a:solidFill>
+                  <a:schemeClr val="tx1"/>
+                </a:solidFill>
+                <a:latin typeface="Arial" panose="020B0604020202020204" pitchFamily="34" charset="0"/>
+              </a:defRPr>
+            </a:lvl7pPr>
+            <a:lvl8pPr marL="3429000" indent="-228600" eaLnBrk="0" fontAlgn="base" hangingPunct="0">
+              <a:spcBef>
+                <a:spcPct val="20000"/>
+              </a:spcBef>
+              <a:spcAft>
+                <a:spcPct val="0"/>
+              </a:spcAft>
+              <a:buFont typeface="Arial" panose="020B0604020202020204" pitchFamily="34" charset="0"/>
+              <a:buChar char="»"/>
+              <a:defRPr sz="2000">
+                <a:solidFill>
+                  <a:schemeClr val="tx1"/>
+                </a:solidFill>
+                <a:latin typeface="Arial" panose="020B0604020202020204" pitchFamily="34" charset="0"/>
+              </a:defRPr>
+            </a:lvl8pPr>
+            <a:lvl9pPr marL="3886200" indent="-228600" eaLnBrk="0" fontAlgn="base" hangingPunct="0">
+              <a:spcBef>
+                <a:spcPct val="20000"/>
+              </a:spcBef>
+              <a:spcAft>
+                <a:spcPct val="0"/>
+              </a:spcAft>
+              <a:buFont typeface="Arial" panose="020B0604020202020204" pitchFamily="34" charset="0"/>
+              <a:buChar char="»"/>
+              <a:defRPr sz="2000">
+                <a:solidFill>
+                  <a:schemeClr val="tx1"/>
+                </a:solidFill>
+                <a:latin typeface="Arial" panose="020B0604020202020204" pitchFamily="34" charset="0"/>
+              </a:defRPr>
+            </a:lvl9pPr>
+          </a:lstStyle>
+          <a:p>
+            <a:pPr>
+              <a:spcBef>
+                <a:spcPct val="0"/>
+              </a:spcBef>
+              <a:buFontTx/>
+              <a:buNone/>
+            </a:pPr>
+            <a:r>
+              <a:rPr lang="en-US" altLang="en-US" sz="2000" dirty="0">
+                <a:solidFill>
+                  <a:srgbClr val="00B0F0"/>
+                </a:solidFill>
+                <a:cs typeface="Arial" panose="020B0604020202020204" pitchFamily="34" charset="0"/>
+              </a:rPr>
+              <a:t>www.siu.edu.vn</a:t>
+            </a:r>
+          </a:p>
+        </p:txBody>
+      </p:sp>
+    </p:spTree>
+  </p:cSld>
+  <p:clrMapOvr>
+    <a:masterClrMapping/>
+  </p:clrMapOvr>
+</p:sld>
+</file>
+
+<file path=ppt/slides/slide10.xml><?xml version="1.0" encoding="utf-8"?>
+<p:sld xmlns:a="http://schemas.openxmlformats.org/drawingml/2006/main" xmlns:r="http://schemas.openxmlformats.org/officeDocument/2006/relationships" xmlns:p="http://schemas.openxmlformats.org/presentationml/2006/main">
+  <p:cSld>
+    <p:spTree>
+      <p:nvGrpSpPr>
+        <p:cNvPr id="1" name=""/>
+        <p:cNvGrpSpPr/>
+        <p:nvPr/>
+      </p:nvGrpSpPr>
+      <p:grpSpPr>
+        <a:xfrm>
+          <a:off x="0" y="0"/>
+          <a:ext cx="0" cy="0"/>
+          <a:chOff x="0" y="0"/>
+          <a:chExt cx="0" cy="0"/>
+        </a:xfrm>
+      </p:grpSpPr>
+      <p:pic>
+        <p:nvPicPr>
+          <p:cNvPr id="4" name="Picture 3">
+            <a:extLst>
+              <a:ext uri="{FF2B5EF4-FFF2-40B4-BE49-F238E27FC236}">
+                <a16:creationId xmlns:a16="http://schemas.microsoft.com/office/drawing/2014/main" id="{50285DE1-01E0-476A-9E5B-0C68A2667DCD}"/>
+              </a:ext>
+            </a:extLst>
+          </p:cNvPr>
+          <p:cNvPicPr>
+            <a:picLocks noChangeAspect="1"/>
+          </p:cNvPicPr>
+          <p:nvPr/>
+        </p:nvPicPr>
+        <p:blipFill>
+          <a:blip r:embed="rId2"/>
+          <a:stretch>
+            <a:fillRect/>
+          </a:stretch>
+        </p:blipFill>
+        <p:spPr>
+          <a:xfrm>
+            <a:off x="8915543" y="121371"/>
+            <a:ext cx="3190875" cy="981075"/>
+          </a:xfrm>
+          <a:prstGeom prst="rect">
+            <a:avLst/>
+          </a:prstGeom>
+        </p:spPr>
+      </p:pic>
+      <p:pic>
+        <p:nvPicPr>
+          <p:cNvPr id="6" name="Picture 5">
+            <a:extLst>
+              <a:ext uri="{FF2B5EF4-FFF2-40B4-BE49-F238E27FC236}">
+                <a16:creationId xmlns:a16="http://schemas.microsoft.com/office/drawing/2014/main" id="{63B29D3B-03A5-4378-8E1C-6B25EF93E3BB}"/>
+              </a:ext>
+            </a:extLst>
+          </p:cNvPr>
+          <p:cNvPicPr>
+            <a:picLocks noChangeAspect="1"/>
+          </p:cNvPicPr>
+          <p:nvPr/>
+        </p:nvPicPr>
+        <p:blipFill>
+          <a:blip r:embed="rId3"/>
+          <a:stretch>
+            <a:fillRect/>
+          </a:stretch>
+        </p:blipFill>
+        <p:spPr>
+          <a:xfrm>
+            <a:off x="0" y="6534150"/>
+            <a:ext cx="12192000" cy="323850"/>
+          </a:xfrm>
+          <a:prstGeom prst="rect">
+            <a:avLst/>
+          </a:prstGeom>
+        </p:spPr>
+      </p:pic>
+      <p:sp>
+        <p:nvSpPr>
+          <p:cNvPr id="9" name="TextBox 8">
+            <a:extLst>
+              <a:ext uri="{FF2B5EF4-FFF2-40B4-BE49-F238E27FC236}">
+                <a16:creationId xmlns:a16="http://schemas.microsoft.com/office/drawing/2014/main" id="{5AB942AA-C8B8-426F-9640-34F80ED7B4B3}"/>
+              </a:ext>
+            </a:extLst>
+          </p:cNvPr>
+          <p:cNvSpPr txBox="1"/>
+          <p:nvPr/>
+        </p:nvSpPr>
+        <p:spPr>
+          <a:xfrm>
+            <a:off x="471054" y="775801"/>
+            <a:ext cx="3094181" cy="4814651"/>
+          </a:xfrm>
+          <a:prstGeom prst="rect">
+            <a:avLst/>
+          </a:prstGeom>
+          <a:noFill/>
+        </p:spPr>
+        <p:txBody>
+          <a:bodyPr wrap="square" rtlCol="0">
+            <a:spAutoFit/>
+          </a:bodyPr>
+          <a:lstStyle/>
+          <a:p>
+            <a:pPr algn="ctr">
+              <a:lnSpc>
+                <a:spcPct val="200000"/>
+              </a:lnSpc>
+            </a:pPr>
+            <a:r>
+              <a:rPr lang="en-US" sz="4000" dirty="0" err="1">
+                <a:latin typeface="Bahnschrift" panose="020B0502040204020203" pitchFamily="34" charset="0"/>
+                <a:cs typeface="Times New Roman" panose="02020603050405020304" pitchFamily="18" charset="0"/>
+              </a:rPr>
+              <a:t>Kết</a:t>
+            </a:r>
+            <a:r>
+              <a:rPr lang="en-US" sz="4000" dirty="0">
+                <a:latin typeface="Bahnschrift" panose="020B0502040204020203" pitchFamily="34" charset="0"/>
+                <a:cs typeface="Times New Roman" panose="02020603050405020304" pitchFamily="18" charset="0"/>
+              </a:rPr>
+              <a:t> </a:t>
+            </a:r>
+            <a:r>
+              <a:rPr lang="en-US" sz="4000" dirty="0" err="1">
+                <a:latin typeface="Bahnschrift" panose="020B0502040204020203" pitchFamily="34" charset="0"/>
+                <a:cs typeface="Times New Roman" panose="02020603050405020304" pitchFamily="18" charset="0"/>
+              </a:rPr>
+              <a:t>Luận</a:t>
+            </a:r>
+            <a:endParaRPr lang="en-US" sz="4000" dirty="0">
+              <a:latin typeface="Bahnschrift" panose="020B0502040204020203" pitchFamily="34" charset="0"/>
+              <a:cs typeface="Times New Roman" panose="02020603050405020304" pitchFamily="18" charset="0"/>
+            </a:endParaRPr>
+          </a:p>
+          <a:p>
+            <a:pPr algn="ctr">
+              <a:lnSpc>
+                <a:spcPct val="200000"/>
+              </a:lnSpc>
+            </a:pPr>
+            <a:r>
+              <a:rPr lang="en-US" sz="4000" dirty="0">
+                <a:latin typeface="Bahnschrift" panose="020B0502040204020203" pitchFamily="34" charset="0"/>
+                <a:cs typeface="Times New Roman" panose="02020603050405020304" pitchFamily="18" charset="0"/>
+              </a:rPr>
+              <a:t>&amp; </a:t>
+            </a:r>
+          </a:p>
+          <a:p>
+            <a:pPr algn="ctr">
+              <a:lnSpc>
+                <a:spcPct val="200000"/>
+              </a:lnSpc>
+            </a:pPr>
+            <a:r>
+              <a:rPr lang="en-US" sz="4000" dirty="0" err="1">
+                <a:latin typeface="Bahnschrift" panose="020B0502040204020203" pitchFamily="34" charset="0"/>
+                <a:cs typeface="Times New Roman" panose="02020603050405020304" pitchFamily="18" charset="0"/>
+              </a:rPr>
+              <a:t>Hướng</a:t>
+            </a:r>
+            <a:r>
+              <a:rPr lang="en-US" sz="4000" dirty="0">
+                <a:latin typeface="Bahnschrift" panose="020B0502040204020203" pitchFamily="34" charset="0"/>
+                <a:cs typeface="Times New Roman" panose="02020603050405020304" pitchFamily="18" charset="0"/>
+              </a:rPr>
+              <a:t> </a:t>
+            </a:r>
+            <a:r>
+              <a:rPr lang="en-US" sz="4000" dirty="0" err="1">
+                <a:latin typeface="Bahnschrift" panose="020B0502040204020203" pitchFamily="34" charset="0"/>
+                <a:cs typeface="Times New Roman" panose="02020603050405020304" pitchFamily="18" charset="0"/>
+              </a:rPr>
+              <a:t>phát</a:t>
+            </a:r>
+            <a:r>
+              <a:rPr lang="en-US" sz="4000" dirty="0">
+                <a:latin typeface="Bahnschrift" panose="020B0502040204020203" pitchFamily="34" charset="0"/>
+                <a:cs typeface="Times New Roman" panose="02020603050405020304" pitchFamily="18" charset="0"/>
+              </a:rPr>
+              <a:t> </a:t>
+            </a:r>
+            <a:r>
+              <a:rPr lang="en-US" sz="4000" dirty="0" err="1">
+                <a:latin typeface="Bahnschrift" panose="020B0502040204020203" pitchFamily="34" charset="0"/>
+                <a:cs typeface="Times New Roman" panose="02020603050405020304" pitchFamily="18" charset="0"/>
+              </a:rPr>
+              <a:t>triển</a:t>
+            </a:r>
+            <a:endParaRPr lang="en-US" sz="4000" dirty="0">
+              <a:latin typeface="Bahnschrift" panose="020B0502040204020203" pitchFamily="34" charset="0"/>
+              <a:cs typeface="Times New Roman" panose="02020603050405020304" pitchFamily="18" charset="0"/>
+            </a:endParaRPr>
+          </a:p>
+        </p:txBody>
+      </p:sp>
+      <p:sp>
+        <p:nvSpPr>
+          <p:cNvPr id="10" name="TextBox 9">
+            <a:extLst>
+              <a:ext uri="{FF2B5EF4-FFF2-40B4-BE49-F238E27FC236}">
+                <a16:creationId xmlns:a16="http://schemas.microsoft.com/office/drawing/2014/main" id="{D813A6F7-8C8C-49DF-89E5-6413A7C74C3E}"/>
+              </a:ext>
+            </a:extLst>
+          </p:cNvPr>
+          <p:cNvSpPr txBox="1"/>
+          <p:nvPr/>
+        </p:nvSpPr>
+        <p:spPr>
+          <a:xfrm>
+            <a:off x="4045527" y="1102446"/>
+            <a:ext cx="6096000" cy="2258567"/>
+          </a:xfrm>
+          <a:prstGeom prst="rect">
+            <a:avLst/>
+          </a:prstGeom>
+          <a:noFill/>
+        </p:spPr>
+        <p:txBody>
+          <a:bodyPr wrap="square">
+            <a:spAutoFit/>
+          </a:bodyPr>
+          <a:lstStyle/>
+          <a:p>
+            <a:pPr marR="0" lvl="0" algn="ctr" fontAlgn="base">
+              <a:lnSpc>
+                <a:spcPct val="150000"/>
+              </a:lnSpc>
+              <a:spcBef>
+                <a:spcPct val="0"/>
+              </a:spcBef>
+              <a:spcAft>
+                <a:spcPct val="0"/>
+              </a:spcAft>
+              <a:buClrTx/>
+              <a:buSzTx/>
+              <a:tabLst/>
+            </a:pPr>
+            <a:r>
+              <a:rPr lang="en-US" altLang="en-US" sz="2400" b="1" dirty="0" err="1">
+                <a:latin typeface="Times New Roman" panose="02020603050405020304" pitchFamily="18" charset="0"/>
+                <a:cs typeface="Times New Roman" panose="02020603050405020304" pitchFamily="18" charset="0"/>
+              </a:rPr>
+              <a:t>Kết</a:t>
+            </a:r>
+            <a:r>
+              <a:rPr lang="en-US" altLang="en-US" sz="2400" b="1" dirty="0">
+                <a:latin typeface="Times New Roman" panose="02020603050405020304" pitchFamily="18" charset="0"/>
+                <a:cs typeface="Times New Roman" panose="02020603050405020304" pitchFamily="18" charset="0"/>
+              </a:rPr>
+              <a:t> </a:t>
+            </a:r>
+            <a:r>
+              <a:rPr lang="en-US" altLang="en-US" sz="2400" b="1" dirty="0" err="1">
+                <a:latin typeface="Times New Roman" panose="02020603050405020304" pitchFamily="18" charset="0"/>
+                <a:cs typeface="Times New Roman" panose="02020603050405020304" pitchFamily="18" charset="0"/>
+              </a:rPr>
+              <a:t>Luận</a:t>
+            </a:r>
+            <a:endParaRPr lang="en-US" altLang="en-US" sz="2400" b="1" dirty="0">
+              <a:latin typeface="Times New Roman" panose="02020603050405020304" pitchFamily="18" charset="0"/>
+              <a:cs typeface="Times New Roman" panose="02020603050405020304" pitchFamily="18" charset="0"/>
+            </a:endParaRPr>
+          </a:p>
+          <a:p>
+            <a:pPr marL="285750" marR="0" lvl="0" indent="-285750" algn="just" fontAlgn="base">
+              <a:lnSpc>
+                <a:spcPct val="150000"/>
+              </a:lnSpc>
+              <a:spcBef>
+                <a:spcPct val="0"/>
+              </a:spcBef>
+              <a:spcAft>
+                <a:spcPct val="0"/>
+              </a:spcAft>
+              <a:buClrTx/>
+              <a:buSzTx/>
+              <a:buFont typeface="Wingdings" panose="05000000000000000000" pitchFamily="2" charset="2"/>
+              <a:buChar char="§"/>
+              <a:tabLst/>
+            </a:pPr>
+            <a:r>
+              <a:rPr lang="vi-VN" altLang="en-US" dirty="0">
+                <a:latin typeface="Times New Roman" panose="02020603050405020304" pitchFamily="18" charset="0"/>
+                <a:cs typeface="Times New Roman" panose="02020603050405020304" pitchFamily="18" charset="0"/>
+              </a:rPr>
+              <a:t>Những lợi ích hệ thống của bãi đậu xe thông minh còn giúp bạn tránh lãng phí thời gian. </a:t>
+            </a:r>
+            <a:endParaRPr lang="en-US" altLang="en-US" dirty="0">
+              <a:latin typeface="Times New Roman" panose="02020603050405020304" pitchFamily="18" charset="0"/>
+              <a:cs typeface="Times New Roman" panose="02020603050405020304" pitchFamily="18" charset="0"/>
+            </a:endParaRPr>
+          </a:p>
+          <a:p>
+            <a:pPr marL="285750" marR="0" lvl="0" indent="-285750" algn="just" fontAlgn="base">
+              <a:lnSpc>
+                <a:spcPct val="150000"/>
+              </a:lnSpc>
+              <a:spcBef>
+                <a:spcPct val="0"/>
+              </a:spcBef>
+              <a:spcAft>
+                <a:spcPct val="0"/>
+              </a:spcAft>
+              <a:buClrTx/>
+              <a:buSzTx/>
+              <a:buFont typeface="Wingdings" panose="05000000000000000000" pitchFamily="2" charset="2"/>
+              <a:buChar char="§"/>
+              <a:tabLst/>
+            </a:pPr>
+            <a:r>
+              <a:rPr lang="vi-VN" altLang="en-US" dirty="0">
+                <a:latin typeface="Times New Roman" panose="02020603050405020304" pitchFamily="18" charset="0"/>
+                <a:cs typeface="Times New Roman" panose="02020603050405020304" pitchFamily="18" charset="0"/>
+              </a:rPr>
+              <a:t>Phát triển giải pháp đỗ xe thông minh trong thành phố giải quyết vấn đề ô nhiễm </a:t>
+            </a:r>
+          </a:p>
+        </p:txBody>
+      </p:sp>
+      <p:sp>
+        <p:nvSpPr>
+          <p:cNvPr id="14" name="TextBox 13">
+            <a:extLst>
+              <a:ext uri="{FF2B5EF4-FFF2-40B4-BE49-F238E27FC236}">
+                <a16:creationId xmlns:a16="http://schemas.microsoft.com/office/drawing/2014/main" id="{412E8EF2-41F3-427C-9198-E65DAF23AEB7}"/>
+              </a:ext>
+            </a:extLst>
+          </p:cNvPr>
+          <p:cNvSpPr txBox="1"/>
+          <p:nvPr/>
+        </p:nvSpPr>
+        <p:spPr>
+          <a:xfrm>
+            <a:off x="4045526" y="3460360"/>
+            <a:ext cx="7675419" cy="2408608"/>
+          </a:xfrm>
+          <a:prstGeom prst="rect">
+            <a:avLst/>
+          </a:prstGeom>
+          <a:noFill/>
+        </p:spPr>
+        <p:txBody>
+          <a:bodyPr wrap="square">
+            <a:spAutoFit/>
+          </a:bodyPr>
+          <a:lstStyle/>
+          <a:p>
+            <a:pPr marR="0" lvl="0" algn="ctr" fontAlgn="base">
+              <a:lnSpc>
+                <a:spcPct val="200000"/>
+              </a:lnSpc>
+              <a:spcBef>
+                <a:spcPct val="0"/>
+              </a:spcBef>
+              <a:spcAft>
+                <a:spcPct val="0"/>
+              </a:spcAft>
+              <a:buClrTx/>
+              <a:buSzTx/>
+              <a:tabLst/>
+            </a:pPr>
+            <a:r>
+              <a:rPr lang="en-US" altLang="en-US" sz="2400" b="1" dirty="0" err="1">
+                <a:latin typeface="Times New Roman" panose="02020603050405020304" pitchFamily="18" charset="0"/>
+                <a:cs typeface="Times New Roman" panose="02020603050405020304" pitchFamily="18" charset="0"/>
+              </a:rPr>
+              <a:t>Hướng</a:t>
+            </a:r>
+            <a:r>
+              <a:rPr lang="en-US" altLang="en-US" sz="2400" b="1" dirty="0">
+                <a:latin typeface="Times New Roman" panose="02020603050405020304" pitchFamily="18" charset="0"/>
+                <a:cs typeface="Times New Roman" panose="02020603050405020304" pitchFamily="18" charset="0"/>
+              </a:rPr>
+              <a:t> </a:t>
+            </a:r>
+            <a:r>
+              <a:rPr lang="en-US" altLang="en-US" sz="2400" b="1" dirty="0" err="1">
+                <a:latin typeface="Times New Roman" panose="02020603050405020304" pitchFamily="18" charset="0"/>
+                <a:cs typeface="Times New Roman" panose="02020603050405020304" pitchFamily="18" charset="0"/>
+              </a:rPr>
+              <a:t>Phát</a:t>
+            </a:r>
+            <a:r>
+              <a:rPr lang="en-US" altLang="en-US" sz="2400" b="1" dirty="0">
+                <a:latin typeface="Times New Roman" panose="02020603050405020304" pitchFamily="18" charset="0"/>
+                <a:cs typeface="Times New Roman" panose="02020603050405020304" pitchFamily="18" charset="0"/>
+              </a:rPr>
+              <a:t> </a:t>
+            </a:r>
+            <a:r>
+              <a:rPr lang="en-US" altLang="en-US" sz="2400" b="1" dirty="0" err="1">
+                <a:latin typeface="Times New Roman" panose="02020603050405020304" pitchFamily="18" charset="0"/>
+                <a:cs typeface="Times New Roman" panose="02020603050405020304" pitchFamily="18" charset="0"/>
+              </a:rPr>
+              <a:t>Triển</a:t>
+            </a:r>
+            <a:endParaRPr lang="en-US" altLang="en-US" sz="2400" b="1" dirty="0">
+              <a:latin typeface="Times New Roman" panose="02020603050405020304" pitchFamily="18" charset="0"/>
+              <a:cs typeface="Times New Roman" panose="02020603050405020304" pitchFamily="18" charset="0"/>
+            </a:endParaRPr>
+          </a:p>
+          <a:p>
+            <a:pPr marL="285750" marR="0" lvl="0" indent="-285750" algn="just" fontAlgn="base">
+              <a:lnSpc>
+                <a:spcPct val="200000"/>
+              </a:lnSpc>
+              <a:spcBef>
+                <a:spcPct val="0"/>
+              </a:spcBef>
+              <a:spcAft>
+                <a:spcPct val="0"/>
+              </a:spcAft>
+              <a:buClrTx/>
+              <a:buSzTx/>
+              <a:buFont typeface="Wingdings" panose="05000000000000000000" pitchFamily="2" charset="2"/>
+              <a:buChar char="§"/>
+              <a:tabLst/>
+            </a:pPr>
+            <a:r>
+              <a:rPr lang="en-US" altLang="en-US" dirty="0" err="1">
+                <a:latin typeface="Times New Roman" panose="02020603050405020304" pitchFamily="18" charset="0"/>
+                <a:cs typeface="Times New Roman" panose="02020603050405020304" pitchFamily="18" charset="0"/>
+              </a:rPr>
+              <a:t>Phát</a:t>
+            </a:r>
+            <a:r>
+              <a:rPr lang="en-US" altLang="en-US" dirty="0">
+                <a:latin typeface="Times New Roman" panose="02020603050405020304" pitchFamily="18" charset="0"/>
+                <a:cs typeface="Times New Roman" panose="02020603050405020304" pitchFamily="18" charset="0"/>
+              </a:rPr>
+              <a:t> </a:t>
+            </a:r>
+            <a:r>
+              <a:rPr lang="en-US" altLang="en-US" dirty="0" err="1">
+                <a:latin typeface="Times New Roman" panose="02020603050405020304" pitchFamily="18" charset="0"/>
+                <a:cs typeface="Times New Roman" panose="02020603050405020304" pitchFamily="18" charset="0"/>
+              </a:rPr>
+              <a:t>triển</a:t>
+            </a:r>
+            <a:r>
+              <a:rPr lang="en-US" altLang="en-US" dirty="0">
+                <a:latin typeface="Times New Roman" panose="02020603050405020304" pitchFamily="18" charset="0"/>
+                <a:cs typeface="Times New Roman" panose="02020603050405020304" pitchFamily="18" charset="0"/>
+              </a:rPr>
+              <a:t> </a:t>
+            </a:r>
+            <a:r>
+              <a:rPr lang="en-US" altLang="en-US" dirty="0" err="1">
+                <a:latin typeface="Times New Roman" panose="02020603050405020304" pitchFamily="18" charset="0"/>
+                <a:cs typeface="Times New Roman" panose="02020603050405020304" pitchFamily="18" charset="0"/>
+              </a:rPr>
+              <a:t>toàn</a:t>
+            </a:r>
+            <a:r>
+              <a:rPr lang="en-US" altLang="en-US" dirty="0">
+                <a:latin typeface="Times New Roman" panose="02020603050405020304" pitchFamily="18" charset="0"/>
+                <a:cs typeface="Times New Roman" panose="02020603050405020304" pitchFamily="18" charset="0"/>
+              </a:rPr>
+              <a:t> </a:t>
+            </a:r>
+            <a:r>
+              <a:rPr lang="en-US" altLang="en-US" dirty="0" err="1">
+                <a:latin typeface="Times New Roman" panose="02020603050405020304" pitchFamily="18" charset="0"/>
+                <a:cs typeface="Times New Roman" panose="02020603050405020304" pitchFamily="18" charset="0"/>
+              </a:rPr>
+              <a:t>diện</a:t>
+            </a:r>
+            <a:r>
+              <a:rPr lang="en-US" altLang="en-US" dirty="0">
+                <a:latin typeface="Times New Roman" panose="02020603050405020304" pitchFamily="18" charset="0"/>
+                <a:cs typeface="Times New Roman" panose="02020603050405020304" pitchFamily="18" charset="0"/>
+              </a:rPr>
+              <a:t> </a:t>
+            </a:r>
+            <a:r>
+              <a:rPr lang="en-US" altLang="en-US" dirty="0" err="1">
+                <a:latin typeface="Times New Roman" panose="02020603050405020304" pitchFamily="18" charset="0"/>
+                <a:cs typeface="Times New Roman" panose="02020603050405020304" pitchFamily="18" charset="0"/>
+              </a:rPr>
+              <a:t>sản</a:t>
+            </a:r>
+            <a:r>
+              <a:rPr lang="en-US" altLang="en-US" dirty="0">
+                <a:latin typeface="Times New Roman" panose="02020603050405020304" pitchFamily="18" charset="0"/>
+                <a:cs typeface="Times New Roman" panose="02020603050405020304" pitchFamily="18" charset="0"/>
+              </a:rPr>
+              <a:t> </a:t>
+            </a:r>
+            <a:r>
+              <a:rPr lang="en-US" altLang="en-US" dirty="0" err="1">
+                <a:latin typeface="Times New Roman" panose="02020603050405020304" pitchFamily="18" charset="0"/>
+                <a:cs typeface="Times New Roman" panose="02020603050405020304" pitchFamily="18" charset="0"/>
+              </a:rPr>
+              <a:t>phẩm</a:t>
+            </a:r>
+            <a:r>
+              <a:rPr lang="en-US" altLang="en-US" dirty="0">
+                <a:latin typeface="Times New Roman" panose="02020603050405020304" pitchFamily="18" charset="0"/>
+                <a:cs typeface="Times New Roman" panose="02020603050405020304" pitchFamily="18" charset="0"/>
+              </a:rPr>
+              <a:t> </a:t>
+            </a:r>
+            <a:r>
+              <a:rPr lang="en-US" altLang="en-US" dirty="0" err="1">
+                <a:latin typeface="Times New Roman" panose="02020603050405020304" pitchFamily="18" charset="0"/>
+                <a:cs typeface="Times New Roman" panose="02020603050405020304" pitchFamily="18" charset="0"/>
+              </a:rPr>
+              <a:t>có</a:t>
+            </a:r>
+            <a:r>
+              <a:rPr lang="en-US" altLang="en-US" dirty="0">
+                <a:latin typeface="Times New Roman" panose="02020603050405020304" pitchFamily="18" charset="0"/>
+                <a:cs typeface="Times New Roman" panose="02020603050405020304" pitchFamily="18" charset="0"/>
+              </a:rPr>
+              <a:t> </a:t>
+            </a:r>
+            <a:r>
+              <a:rPr lang="en-US" altLang="en-US" dirty="0" err="1">
+                <a:latin typeface="Times New Roman" panose="02020603050405020304" pitchFamily="18" charset="0"/>
+                <a:cs typeface="Times New Roman" panose="02020603050405020304" pitchFamily="18" charset="0"/>
+              </a:rPr>
+              <a:t>hệ</a:t>
+            </a:r>
+            <a:r>
+              <a:rPr lang="en-US" altLang="en-US" dirty="0">
+                <a:latin typeface="Times New Roman" panose="02020603050405020304" pitchFamily="18" charset="0"/>
+                <a:cs typeface="Times New Roman" panose="02020603050405020304" pitchFamily="18" charset="0"/>
+              </a:rPr>
+              <a:t> </a:t>
+            </a:r>
+            <a:r>
+              <a:rPr lang="en-US" altLang="en-US" dirty="0" err="1">
+                <a:latin typeface="Times New Roman" panose="02020603050405020304" pitchFamily="18" charset="0"/>
+                <a:cs typeface="Times New Roman" panose="02020603050405020304" pitchFamily="18" charset="0"/>
+              </a:rPr>
+              <a:t>quản</a:t>
+            </a:r>
+            <a:r>
+              <a:rPr lang="en-US" altLang="en-US" dirty="0">
+                <a:latin typeface="Times New Roman" panose="02020603050405020304" pitchFamily="18" charset="0"/>
+                <a:cs typeface="Times New Roman" panose="02020603050405020304" pitchFamily="18" charset="0"/>
+              </a:rPr>
+              <a:t> </a:t>
+            </a:r>
+            <a:r>
+              <a:rPr lang="en-US" altLang="en-US" dirty="0" err="1">
+                <a:latin typeface="Times New Roman" panose="02020603050405020304" pitchFamily="18" charset="0"/>
+                <a:cs typeface="Times New Roman" panose="02020603050405020304" pitchFamily="18" charset="0"/>
+              </a:rPr>
+              <a:t>trị</a:t>
+            </a:r>
+            <a:r>
+              <a:rPr lang="en-US" altLang="en-US" dirty="0">
+                <a:latin typeface="Times New Roman" panose="02020603050405020304" pitchFamily="18" charset="0"/>
+                <a:cs typeface="Times New Roman" panose="02020603050405020304" pitchFamily="18" charset="0"/>
+              </a:rPr>
+              <a:t> </a:t>
+            </a:r>
+            <a:r>
+              <a:rPr lang="en-US" altLang="en-US" dirty="0" err="1">
+                <a:latin typeface="Times New Roman" panose="02020603050405020304" pitchFamily="18" charset="0"/>
+                <a:cs typeface="Times New Roman" panose="02020603050405020304" pitchFamily="18" charset="0"/>
+              </a:rPr>
+              <a:t>cơ</a:t>
+            </a:r>
+            <a:r>
+              <a:rPr lang="en-US" altLang="en-US" dirty="0">
+                <a:latin typeface="Times New Roman" panose="02020603050405020304" pitchFamily="18" charset="0"/>
+                <a:cs typeface="Times New Roman" panose="02020603050405020304" pitchFamily="18" charset="0"/>
+              </a:rPr>
+              <a:t> </a:t>
+            </a:r>
+            <a:r>
+              <a:rPr lang="en-US" altLang="en-US" dirty="0" err="1">
+                <a:latin typeface="Times New Roman" panose="02020603050405020304" pitchFamily="18" charset="0"/>
+                <a:cs typeface="Times New Roman" panose="02020603050405020304" pitchFamily="18" charset="0"/>
+              </a:rPr>
+              <a:t>sở</a:t>
+            </a:r>
+            <a:r>
+              <a:rPr lang="en-US" altLang="en-US" dirty="0">
+                <a:latin typeface="Times New Roman" panose="02020603050405020304" pitchFamily="18" charset="0"/>
+                <a:cs typeface="Times New Roman" panose="02020603050405020304" pitchFamily="18" charset="0"/>
+              </a:rPr>
+              <a:t> </a:t>
+            </a:r>
+            <a:r>
+              <a:rPr lang="en-US" altLang="en-US" dirty="0" err="1">
+                <a:latin typeface="Times New Roman" panose="02020603050405020304" pitchFamily="18" charset="0"/>
+                <a:cs typeface="Times New Roman" panose="02020603050405020304" pitchFamily="18" charset="0"/>
+              </a:rPr>
+              <a:t>dữ</a:t>
+            </a:r>
+            <a:r>
+              <a:rPr lang="en-US" altLang="en-US" dirty="0">
+                <a:latin typeface="Times New Roman" panose="02020603050405020304" pitchFamily="18" charset="0"/>
+                <a:cs typeface="Times New Roman" panose="02020603050405020304" pitchFamily="18" charset="0"/>
+              </a:rPr>
+              <a:t> </a:t>
+            </a:r>
+            <a:r>
+              <a:rPr lang="en-US" altLang="en-US" dirty="0" err="1">
+                <a:latin typeface="Times New Roman" panose="02020603050405020304" pitchFamily="18" charset="0"/>
+                <a:cs typeface="Times New Roman" panose="02020603050405020304" pitchFamily="18" charset="0"/>
+              </a:rPr>
+              <a:t>liệu</a:t>
+            </a:r>
+            <a:r>
+              <a:rPr lang="en-US" altLang="en-US" dirty="0">
+                <a:latin typeface="Times New Roman" panose="02020603050405020304" pitchFamily="18" charset="0"/>
+                <a:cs typeface="Times New Roman" panose="02020603050405020304" pitchFamily="18" charset="0"/>
+              </a:rPr>
+              <a:t> </a:t>
+            </a:r>
+            <a:r>
+              <a:rPr lang="en-US" altLang="en-US" dirty="0" err="1">
+                <a:latin typeface="Times New Roman" panose="02020603050405020304" pitchFamily="18" charset="0"/>
+                <a:cs typeface="Times New Roman" panose="02020603050405020304" pitchFamily="18" charset="0"/>
+              </a:rPr>
+              <a:t>lớn</a:t>
+            </a:r>
+            <a:r>
+              <a:rPr lang="en-US" altLang="en-US" dirty="0">
+                <a:latin typeface="Times New Roman" panose="02020603050405020304" pitchFamily="18" charset="0"/>
+                <a:cs typeface="Times New Roman" panose="02020603050405020304" pitchFamily="18" charset="0"/>
+              </a:rPr>
+              <a:t>. </a:t>
+            </a:r>
+          </a:p>
+          <a:p>
+            <a:pPr marL="285750" marR="0" lvl="0" indent="-285750" algn="just" fontAlgn="base">
+              <a:lnSpc>
+                <a:spcPct val="200000"/>
+              </a:lnSpc>
+              <a:spcBef>
+                <a:spcPct val="0"/>
+              </a:spcBef>
+              <a:spcAft>
+                <a:spcPct val="0"/>
+              </a:spcAft>
+              <a:buClrTx/>
+              <a:buSzTx/>
+              <a:buFont typeface="Wingdings" panose="05000000000000000000" pitchFamily="2" charset="2"/>
+              <a:buChar char="§"/>
+              <a:tabLst/>
+            </a:pPr>
+            <a:r>
+              <a:rPr lang="en-US" altLang="en-US" dirty="0" err="1">
+                <a:latin typeface="Times New Roman" panose="02020603050405020304" pitchFamily="18" charset="0"/>
+                <a:cs typeface="Times New Roman" panose="02020603050405020304" pitchFamily="18" charset="0"/>
+              </a:rPr>
+              <a:t>Hệ</a:t>
+            </a:r>
+            <a:r>
+              <a:rPr lang="en-US" altLang="en-US" dirty="0">
+                <a:latin typeface="Times New Roman" panose="02020603050405020304" pitchFamily="18" charset="0"/>
+                <a:cs typeface="Times New Roman" panose="02020603050405020304" pitchFamily="18" charset="0"/>
+              </a:rPr>
+              <a:t> </a:t>
+            </a:r>
+            <a:r>
+              <a:rPr lang="en-US" altLang="en-US" dirty="0" err="1">
+                <a:latin typeface="Times New Roman" panose="02020603050405020304" pitchFamily="18" charset="0"/>
+                <a:cs typeface="Times New Roman" panose="02020603050405020304" pitchFamily="18" charset="0"/>
+              </a:rPr>
+              <a:t>thống</a:t>
+            </a:r>
+            <a:r>
+              <a:rPr lang="en-US" altLang="en-US" dirty="0">
+                <a:latin typeface="Times New Roman" panose="02020603050405020304" pitchFamily="18" charset="0"/>
+                <a:cs typeface="Times New Roman" panose="02020603050405020304" pitchFamily="18" charset="0"/>
+              </a:rPr>
+              <a:t> </a:t>
+            </a:r>
+            <a:r>
+              <a:rPr lang="en-US" altLang="en-US" dirty="0" err="1">
+                <a:latin typeface="Times New Roman" panose="02020603050405020304" pitchFamily="18" charset="0"/>
+                <a:cs typeface="Times New Roman" panose="02020603050405020304" pitchFamily="18" charset="0"/>
+              </a:rPr>
+              <a:t>Iot</a:t>
+            </a:r>
+            <a:r>
+              <a:rPr lang="en-US" altLang="en-US" dirty="0">
+                <a:latin typeface="Times New Roman" panose="02020603050405020304" pitchFamily="18" charset="0"/>
+                <a:cs typeface="Times New Roman" panose="02020603050405020304" pitchFamily="18" charset="0"/>
+              </a:rPr>
+              <a:t> </a:t>
+            </a:r>
+            <a:r>
+              <a:rPr lang="en-US" altLang="en-US" dirty="0" err="1">
+                <a:latin typeface="Times New Roman" panose="02020603050405020304" pitchFamily="18" charset="0"/>
+                <a:cs typeface="Times New Roman" panose="02020603050405020304" pitchFamily="18" charset="0"/>
+              </a:rPr>
+              <a:t>và</a:t>
+            </a:r>
+            <a:r>
+              <a:rPr lang="en-US" altLang="en-US" dirty="0">
+                <a:latin typeface="Times New Roman" panose="02020603050405020304" pitchFamily="18" charset="0"/>
+                <a:cs typeface="Times New Roman" panose="02020603050405020304" pitchFamily="18" charset="0"/>
+              </a:rPr>
+              <a:t> AI </a:t>
+            </a:r>
+            <a:r>
+              <a:rPr lang="en-US" altLang="en-US" dirty="0" err="1">
+                <a:latin typeface="Times New Roman" panose="02020603050405020304" pitchFamily="18" charset="0"/>
+                <a:cs typeface="Times New Roman" panose="02020603050405020304" pitchFamily="18" charset="0"/>
+              </a:rPr>
+              <a:t>hoạt</a:t>
+            </a:r>
+            <a:r>
+              <a:rPr lang="en-US" altLang="en-US" dirty="0">
+                <a:latin typeface="Times New Roman" panose="02020603050405020304" pitchFamily="18" charset="0"/>
+                <a:cs typeface="Times New Roman" panose="02020603050405020304" pitchFamily="18" charset="0"/>
+              </a:rPr>
+              <a:t> </a:t>
+            </a:r>
+            <a:r>
+              <a:rPr lang="en-US" altLang="en-US" dirty="0" err="1">
+                <a:latin typeface="Times New Roman" panose="02020603050405020304" pitchFamily="18" charset="0"/>
+                <a:cs typeface="Times New Roman" panose="02020603050405020304" pitchFamily="18" charset="0"/>
+              </a:rPr>
+              <a:t>động</a:t>
+            </a:r>
+            <a:r>
+              <a:rPr lang="en-US" altLang="en-US" dirty="0">
+                <a:latin typeface="Times New Roman" panose="02020603050405020304" pitchFamily="18" charset="0"/>
+                <a:cs typeface="Times New Roman" panose="02020603050405020304" pitchFamily="18" charset="0"/>
+              </a:rPr>
+              <a:t> </a:t>
+            </a:r>
+            <a:r>
+              <a:rPr lang="en-US" altLang="en-US" dirty="0" err="1">
+                <a:latin typeface="Times New Roman" panose="02020603050405020304" pitchFamily="18" charset="0"/>
+                <a:cs typeface="Times New Roman" panose="02020603050405020304" pitchFamily="18" charset="0"/>
+              </a:rPr>
+              <a:t>hiệu</a:t>
+            </a:r>
+            <a:r>
+              <a:rPr lang="en-US" altLang="en-US" dirty="0">
+                <a:latin typeface="Times New Roman" panose="02020603050405020304" pitchFamily="18" charset="0"/>
+                <a:cs typeface="Times New Roman" panose="02020603050405020304" pitchFamily="18" charset="0"/>
+              </a:rPr>
+              <a:t> </a:t>
+            </a:r>
+            <a:r>
+              <a:rPr lang="en-US" altLang="en-US" dirty="0" err="1">
+                <a:latin typeface="Times New Roman" panose="02020603050405020304" pitchFamily="18" charset="0"/>
+                <a:cs typeface="Times New Roman" panose="02020603050405020304" pitchFamily="18" charset="0"/>
+              </a:rPr>
+              <a:t>quả</a:t>
+            </a:r>
+            <a:r>
+              <a:rPr lang="en-US" altLang="en-US" dirty="0">
+                <a:latin typeface="Times New Roman" panose="02020603050405020304" pitchFamily="18" charset="0"/>
+                <a:cs typeface="Times New Roman" panose="02020603050405020304" pitchFamily="18" charset="0"/>
+              </a:rPr>
+              <a:t> </a:t>
+            </a:r>
+            <a:r>
+              <a:rPr lang="en-US" altLang="en-US" dirty="0" err="1">
+                <a:latin typeface="Times New Roman" panose="02020603050405020304" pitchFamily="18" charset="0"/>
+                <a:cs typeface="Times New Roman" panose="02020603050405020304" pitchFamily="18" charset="0"/>
+              </a:rPr>
+              <a:t>và</a:t>
+            </a:r>
+            <a:r>
+              <a:rPr lang="en-US" altLang="en-US" dirty="0">
+                <a:latin typeface="Times New Roman" panose="02020603050405020304" pitchFamily="18" charset="0"/>
+                <a:cs typeface="Times New Roman" panose="02020603050405020304" pitchFamily="18" charset="0"/>
+              </a:rPr>
+              <a:t> </a:t>
+            </a:r>
+            <a:r>
+              <a:rPr lang="en-US" altLang="en-US" dirty="0" err="1">
+                <a:latin typeface="Times New Roman" panose="02020603050405020304" pitchFamily="18" charset="0"/>
+                <a:cs typeface="Times New Roman" panose="02020603050405020304" pitchFamily="18" charset="0"/>
+              </a:rPr>
+              <a:t>chính</a:t>
+            </a:r>
+            <a:r>
+              <a:rPr lang="en-US" altLang="en-US" dirty="0">
+                <a:latin typeface="Times New Roman" panose="02020603050405020304" pitchFamily="18" charset="0"/>
+                <a:cs typeface="Times New Roman" panose="02020603050405020304" pitchFamily="18" charset="0"/>
+              </a:rPr>
+              <a:t> </a:t>
+            </a:r>
+            <a:r>
+              <a:rPr lang="en-US" altLang="en-US" dirty="0" err="1">
+                <a:latin typeface="Times New Roman" panose="02020603050405020304" pitchFamily="18" charset="0"/>
+                <a:cs typeface="Times New Roman" panose="02020603050405020304" pitchFamily="18" charset="0"/>
+              </a:rPr>
+              <a:t>xác</a:t>
+            </a:r>
+            <a:r>
+              <a:rPr lang="en-US" altLang="en-US" dirty="0">
+                <a:latin typeface="Times New Roman" panose="02020603050405020304" pitchFamily="18" charset="0"/>
+                <a:cs typeface="Times New Roman" panose="02020603050405020304" pitchFamily="18" charset="0"/>
+              </a:rPr>
+              <a:t> </a:t>
+            </a:r>
+            <a:r>
+              <a:rPr lang="en-US" altLang="en-US" dirty="0" err="1">
+                <a:latin typeface="Times New Roman" panose="02020603050405020304" pitchFamily="18" charset="0"/>
+                <a:cs typeface="Times New Roman" panose="02020603050405020304" pitchFamily="18" charset="0"/>
+              </a:rPr>
+              <a:t>hơn</a:t>
+            </a:r>
+            <a:r>
+              <a:rPr lang="en-US" altLang="en-US" dirty="0">
+                <a:latin typeface="Times New Roman" panose="02020603050405020304" pitchFamily="18" charset="0"/>
+                <a:cs typeface="Times New Roman" panose="02020603050405020304" pitchFamily="18" charset="0"/>
+              </a:rPr>
+              <a:t>.</a:t>
+            </a:r>
+          </a:p>
+          <a:p>
+            <a:pPr marL="285750" marR="0" lvl="0" indent="-285750" algn="just" fontAlgn="base">
+              <a:lnSpc>
+                <a:spcPct val="200000"/>
+              </a:lnSpc>
+              <a:spcBef>
+                <a:spcPct val="0"/>
+              </a:spcBef>
+              <a:spcAft>
+                <a:spcPct val="0"/>
+              </a:spcAft>
+              <a:buClrTx/>
+              <a:buSzTx/>
+              <a:buFont typeface="Wingdings" panose="05000000000000000000" pitchFamily="2" charset="2"/>
+              <a:buChar char="§"/>
+              <a:tabLst/>
+            </a:pPr>
+            <a:r>
+              <a:rPr lang="en-US" altLang="en-US" dirty="0" err="1">
+                <a:latin typeface="Times New Roman" panose="02020603050405020304" pitchFamily="18" charset="0"/>
+                <a:cs typeface="Times New Roman" panose="02020603050405020304" pitchFamily="18" charset="0"/>
+              </a:rPr>
+              <a:t>Được</a:t>
+            </a:r>
+            <a:r>
+              <a:rPr lang="en-US" altLang="en-US" dirty="0">
+                <a:latin typeface="Times New Roman" panose="02020603050405020304" pitchFamily="18" charset="0"/>
+                <a:cs typeface="Times New Roman" panose="02020603050405020304" pitchFamily="18" charset="0"/>
+              </a:rPr>
+              <a:t> </a:t>
+            </a:r>
+            <a:r>
+              <a:rPr lang="en-US" altLang="en-US" dirty="0" err="1">
+                <a:latin typeface="Times New Roman" panose="02020603050405020304" pitchFamily="18" charset="0"/>
+                <a:cs typeface="Times New Roman" panose="02020603050405020304" pitchFamily="18" charset="0"/>
+              </a:rPr>
+              <a:t>sử</a:t>
+            </a:r>
+            <a:r>
+              <a:rPr lang="en-US" altLang="en-US" dirty="0">
+                <a:latin typeface="Times New Roman" panose="02020603050405020304" pitchFamily="18" charset="0"/>
+                <a:cs typeface="Times New Roman" panose="02020603050405020304" pitchFamily="18" charset="0"/>
+              </a:rPr>
+              <a:t> </a:t>
+            </a:r>
+            <a:r>
+              <a:rPr lang="en-US" altLang="en-US" dirty="0" err="1">
+                <a:latin typeface="Times New Roman" panose="02020603050405020304" pitchFamily="18" charset="0"/>
+                <a:cs typeface="Times New Roman" panose="02020603050405020304" pitchFamily="18" charset="0"/>
+              </a:rPr>
+              <a:t>dụng</a:t>
+            </a:r>
+            <a:r>
+              <a:rPr lang="en-US" altLang="en-US" dirty="0">
+                <a:latin typeface="Times New Roman" panose="02020603050405020304" pitchFamily="18" charset="0"/>
+                <a:cs typeface="Times New Roman" panose="02020603050405020304" pitchFamily="18" charset="0"/>
+              </a:rPr>
+              <a:t> </a:t>
+            </a:r>
+            <a:r>
+              <a:rPr lang="en-US" altLang="en-US" dirty="0" err="1">
+                <a:latin typeface="Times New Roman" panose="02020603050405020304" pitchFamily="18" charset="0"/>
+                <a:cs typeface="Times New Roman" panose="02020603050405020304" pitchFamily="18" charset="0"/>
+              </a:rPr>
+              <a:t>rộng</a:t>
+            </a:r>
+            <a:r>
+              <a:rPr lang="en-US" altLang="en-US" dirty="0">
+                <a:latin typeface="Times New Roman" panose="02020603050405020304" pitchFamily="18" charset="0"/>
+                <a:cs typeface="Times New Roman" panose="02020603050405020304" pitchFamily="18" charset="0"/>
+              </a:rPr>
+              <a:t> </a:t>
+            </a:r>
+            <a:r>
+              <a:rPr lang="en-US" altLang="en-US" dirty="0" err="1">
+                <a:latin typeface="Times New Roman" panose="02020603050405020304" pitchFamily="18" charset="0"/>
+                <a:cs typeface="Times New Roman" panose="02020603050405020304" pitchFamily="18" charset="0"/>
+              </a:rPr>
+              <a:t>rãi</a:t>
+            </a:r>
+            <a:r>
+              <a:rPr lang="en-US" altLang="en-US" dirty="0">
+                <a:latin typeface="Times New Roman" panose="02020603050405020304" pitchFamily="18" charset="0"/>
+                <a:cs typeface="Times New Roman" panose="02020603050405020304" pitchFamily="18" charset="0"/>
+              </a:rPr>
+              <a:t> ở </a:t>
+            </a:r>
+            <a:r>
+              <a:rPr lang="en-US" altLang="en-US" dirty="0" err="1">
+                <a:latin typeface="Times New Roman" panose="02020603050405020304" pitchFamily="18" charset="0"/>
+                <a:cs typeface="Times New Roman" panose="02020603050405020304" pitchFamily="18" charset="0"/>
+              </a:rPr>
+              <a:t>các</a:t>
+            </a:r>
+            <a:r>
+              <a:rPr lang="en-US" altLang="en-US" dirty="0">
+                <a:latin typeface="Times New Roman" panose="02020603050405020304" pitchFamily="18" charset="0"/>
+                <a:cs typeface="Times New Roman" panose="02020603050405020304" pitchFamily="18" charset="0"/>
+              </a:rPr>
+              <a:t> </a:t>
+            </a:r>
+            <a:r>
+              <a:rPr lang="en-US" altLang="en-US" dirty="0" err="1">
+                <a:latin typeface="Times New Roman" panose="02020603050405020304" pitchFamily="18" charset="0"/>
+                <a:cs typeface="Times New Roman" panose="02020603050405020304" pitchFamily="18" charset="0"/>
+              </a:rPr>
+              <a:t>bãi</a:t>
+            </a:r>
+            <a:r>
+              <a:rPr lang="en-US" altLang="en-US" dirty="0">
+                <a:latin typeface="Times New Roman" panose="02020603050405020304" pitchFamily="18" charset="0"/>
+                <a:cs typeface="Times New Roman" panose="02020603050405020304" pitchFamily="18" charset="0"/>
+              </a:rPr>
+              <a:t> </a:t>
+            </a:r>
+            <a:r>
+              <a:rPr lang="en-US" altLang="en-US" dirty="0" err="1">
+                <a:latin typeface="Times New Roman" panose="02020603050405020304" pitchFamily="18" charset="0"/>
+                <a:cs typeface="Times New Roman" panose="02020603050405020304" pitchFamily="18" charset="0"/>
+              </a:rPr>
+              <a:t>đỗ</a:t>
+            </a:r>
+            <a:r>
+              <a:rPr lang="en-US" altLang="en-US" dirty="0">
+                <a:latin typeface="Times New Roman" panose="02020603050405020304" pitchFamily="18" charset="0"/>
+                <a:cs typeface="Times New Roman" panose="02020603050405020304" pitchFamily="18" charset="0"/>
+              </a:rPr>
+              <a:t> </a:t>
+            </a:r>
+            <a:r>
+              <a:rPr lang="en-US" altLang="en-US" dirty="0" err="1">
+                <a:latin typeface="Times New Roman" panose="02020603050405020304" pitchFamily="18" charset="0"/>
+                <a:cs typeface="Times New Roman" panose="02020603050405020304" pitchFamily="18" charset="0"/>
+              </a:rPr>
+              <a:t>xe</a:t>
+            </a:r>
+            <a:r>
+              <a:rPr lang="en-US" altLang="en-US" dirty="0">
+                <a:latin typeface="Times New Roman" panose="02020603050405020304" pitchFamily="18" charset="0"/>
+                <a:cs typeface="Times New Roman" panose="02020603050405020304" pitchFamily="18" charset="0"/>
+              </a:rPr>
+              <a:t> </a:t>
+            </a:r>
+            <a:r>
+              <a:rPr lang="en-US" altLang="en-US" dirty="0" err="1">
+                <a:latin typeface="Times New Roman" panose="02020603050405020304" pitchFamily="18" charset="0"/>
+                <a:cs typeface="Times New Roman" panose="02020603050405020304" pitchFamily="18" charset="0"/>
+              </a:rPr>
+              <a:t>trung</a:t>
+            </a:r>
+            <a:r>
+              <a:rPr lang="en-US" altLang="en-US" dirty="0">
+                <a:latin typeface="Times New Roman" panose="02020603050405020304" pitchFamily="18" charset="0"/>
+                <a:cs typeface="Times New Roman" panose="02020603050405020304" pitchFamily="18" charset="0"/>
+              </a:rPr>
+              <a:t> </a:t>
+            </a:r>
+            <a:r>
+              <a:rPr lang="en-US" altLang="en-US" dirty="0" err="1">
+                <a:latin typeface="Times New Roman" panose="02020603050405020304" pitchFamily="18" charset="0"/>
+                <a:cs typeface="Times New Roman" panose="02020603050405020304" pitchFamily="18" charset="0"/>
+              </a:rPr>
+              <a:t>tâm</a:t>
+            </a:r>
+            <a:r>
+              <a:rPr lang="en-US" altLang="en-US" dirty="0">
+                <a:latin typeface="Times New Roman" panose="02020603050405020304" pitchFamily="18" charset="0"/>
+                <a:cs typeface="Times New Roman" panose="02020603050405020304" pitchFamily="18" charset="0"/>
+              </a:rPr>
+              <a:t> </a:t>
+            </a:r>
+            <a:r>
+              <a:rPr lang="en-US" altLang="en-US" dirty="0" err="1">
+                <a:latin typeface="Times New Roman" panose="02020603050405020304" pitchFamily="18" charset="0"/>
+                <a:cs typeface="Times New Roman" panose="02020603050405020304" pitchFamily="18" charset="0"/>
+              </a:rPr>
+              <a:t>thương</a:t>
+            </a:r>
+            <a:r>
+              <a:rPr lang="en-US" altLang="en-US" dirty="0">
+                <a:latin typeface="Times New Roman" panose="02020603050405020304" pitchFamily="18" charset="0"/>
+                <a:cs typeface="Times New Roman" panose="02020603050405020304" pitchFamily="18" charset="0"/>
+              </a:rPr>
+              <a:t> </a:t>
+            </a:r>
+            <a:r>
+              <a:rPr lang="en-US" altLang="en-US" dirty="0" err="1">
+                <a:latin typeface="Times New Roman" panose="02020603050405020304" pitchFamily="18" charset="0"/>
+                <a:cs typeface="Times New Roman" panose="02020603050405020304" pitchFamily="18" charset="0"/>
+              </a:rPr>
+              <a:t>mại</a:t>
+            </a:r>
+            <a:r>
+              <a:rPr lang="en-US" altLang="en-US">
+                <a:latin typeface="Times New Roman" panose="02020603050405020304" pitchFamily="18" charset="0"/>
+                <a:cs typeface="Times New Roman" panose="02020603050405020304" pitchFamily="18" charset="0"/>
+              </a:rPr>
+              <a:t>.</a:t>
+            </a:r>
+            <a:endParaRPr lang="en-US" altLang="en-US" dirty="0">
+              <a:latin typeface="Times New Roman" panose="02020603050405020304" pitchFamily="18" charset="0"/>
+              <a:cs typeface="Times New Roman" panose="02020603050405020304" pitchFamily="18" charset="0"/>
+            </a:endParaRPr>
+          </a:p>
+        </p:txBody>
+      </p:sp>
+    </p:spTree>
+    <p:extLst>
+      <p:ext uri="{BB962C8B-B14F-4D97-AF65-F5344CB8AC3E}">
+        <p14:creationId xmlns:p14="http://schemas.microsoft.com/office/powerpoint/2010/main" val="3781762388"/>
+      </p:ext>
+    </p:extLst>
+  </p:cSld>
+  <p:clrMapOvr>
+    <a:masterClrMapping/>
+  </p:clrMapOvr>
+</p:sld>
+</file>
+
+<file path=ppt/slides/slide2.xml><?xml version="1.0" encoding="utf-8"?>
+<p:sld xmlns:a="http://schemas.openxmlformats.org/drawingml/2006/main" xmlns:r="http://schemas.openxmlformats.org/officeDocument/2006/relationships" xmlns:p="http://schemas.openxmlformats.org/presentationml/2006/main">
+  <p:cSld>
+    <p:spTree>
+      <p:nvGrpSpPr>
+        <p:cNvPr id="1" name=""/>
+        <p:cNvGrpSpPr/>
+        <p:nvPr/>
+      </p:nvGrpSpPr>
+      <p:grpSpPr>
+        <a:xfrm>
+          <a:off x="0" y="0"/>
+          <a:ext cx="0" cy="0"/>
+          <a:chOff x="0" y="0"/>
+          <a:chExt cx="0" cy="0"/>
+        </a:xfrm>
+      </p:grpSpPr>
       <p:sp>
         <p:nvSpPr>
           <p:cNvPr id="14" name="TextBox 13">
@@ -3874,6 +6035,355 @@
           </a:p>
         </p:txBody>
       </p:sp>
+      <p:sp>
+        <p:nvSpPr>
+          <p:cNvPr id="4" name="Rectangle 3">
+            <a:extLst>
+              <a:ext uri="{FF2B5EF4-FFF2-40B4-BE49-F238E27FC236}">
+                <a16:creationId xmlns:a16="http://schemas.microsoft.com/office/drawing/2014/main" id="{F47E08DA-7CBC-4166-BBCC-3778F32B37B5}"/>
+              </a:ext>
+            </a:extLst>
+          </p:cNvPr>
+          <p:cNvSpPr/>
+          <p:nvPr/>
+        </p:nvSpPr>
+        <p:spPr>
+          <a:xfrm>
+            <a:off x="0" y="6524625"/>
+            <a:ext cx="12192000" cy="333375"/>
+          </a:xfrm>
+          <a:prstGeom prst="rect">
+            <a:avLst/>
+          </a:prstGeom>
+          <a:solidFill>
+            <a:srgbClr val="C00000"/>
+          </a:solidFill>
+          <a:ln>
+            <a:noFill/>
+          </a:ln>
+        </p:spPr>
+        <p:style>
+          <a:lnRef idx="2">
+            <a:schemeClr val="accent1">
+              <a:shade val="50000"/>
+            </a:schemeClr>
+          </a:lnRef>
+          <a:fillRef idx="1">
+            <a:schemeClr val="accent1"/>
+          </a:fillRef>
+          <a:effectRef idx="0">
+            <a:schemeClr val="accent1"/>
+          </a:effectRef>
+          <a:fontRef idx="minor">
+            <a:schemeClr val="lt1"/>
+          </a:fontRef>
+        </p:style>
+        <p:txBody>
+          <a:bodyPr anchor="ctr"/>
+          <a:lstStyle/>
+          <a:p>
+            <a:pPr algn="ctr" eaLnBrk="1" hangingPunct="1">
+              <a:defRPr/>
+            </a:pPr>
+            <a:endParaRPr lang="en-US">
+              <a:solidFill>
+                <a:srgbClr val="FFFFFF"/>
+              </a:solidFill>
+              <a:latin typeface="Arial" charset="0"/>
+              <a:cs typeface="Arial" charset="0"/>
+            </a:endParaRPr>
+          </a:p>
+        </p:txBody>
+      </p:sp>
+      <p:sp>
+        <p:nvSpPr>
+          <p:cNvPr id="5" name="Footer Placeholder 1">
+            <a:extLst>
+              <a:ext uri="{FF2B5EF4-FFF2-40B4-BE49-F238E27FC236}">
+                <a16:creationId xmlns:a16="http://schemas.microsoft.com/office/drawing/2014/main" id="{F33FC251-9404-44A9-A49D-808A97642A73}"/>
+              </a:ext>
+            </a:extLst>
+          </p:cNvPr>
+          <p:cNvSpPr txBox="1">
+            <a:spLocks/>
+          </p:cNvSpPr>
+          <p:nvPr/>
+        </p:nvSpPr>
+        <p:spPr bwMode="auto">
+          <a:xfrm>
+            <a:off x="5202959" y="6524625"/>
+            <a:ext cx="2001982" cy="333375"/>
+          </a:xfrm>
+          <a:noFill/>
+          <a:extLst>
+            <a:ext uri="{909E8E84-426E-40DD-AFC4-6F175D3DCCD1}">
+              <a14:hiddenFill xmlns:a14="http://schemas.microsoft.com/office/drawing/2010/main">
+                <a:solidFill>
+                  <a:srgbClr val="FFFFFF"/>
+                </a:solidFill>
+              </a14:hiddenFill>
+            </a:ext>
+            <a:ext uri="{91240B29-F687-4F45-9708-019B960494DF}">
+              <a14:hiddenLine xmlns:a14="http://schemas.microsoft.com/office/drawing/2010/main" w="9525">
+                <a:solidFill>
+                  <a:srgbClr val="000000"/>
+                </a:solidFill>
+                <a:miter lim="800000"/>
+                <a:headEnd/>
+                <a:tailEnd/>
+              </a14:hiddenLine>
+            </a:ext>
+          </a:extLst>
+        </p:spPr>
+        <p:txBody>
+          <a:bodyPr/>
+          <a:lstStyle>
+            <a:defPPr>
+              <a:defRPr lang="en-US"/>
+            </a:defPPr>
+            <a:lvl1pPr marL="0" algn="l" defTabSz="914400" rtl="0" eaLnBrk="1" latinLnBrk="0" hangingPunct="1">
+              <a:spcBef>
+                <a:spcPct val="20000"/>
+              </a:spcBef>
+              <a:buFont typeface="Arial" panose="020B0604020202020204" pitchFamily="34" charset="0"/>
+              <a:buChar char="•"/>
+              <a:defRPr sz="3200" kern="1200">
+                <a:solidFill>
+                  <a:schemeClr val="tx1"/>
+                </a:solidFill>
+                <a:latin typeface="Arial" panose="020B0604020202020204" pitchFamily="34" charset="0"/>
+                <a:ea typeface="+mn-ea"/>
+                <a:cs typeface="+mn-cs"/>
+              </a:defRPr>
+            </a:lvl1pPr>
+            <a:lvl2pPr marL="742950" indent="-285750" algn="l" defTabSz="914400" rtl="0" eaLnBrk="1" latinLnBrk="0" hangingPunct="1">
+              <a:spcBef>
+                <a:spcPct val="20000"/>
+              </a:spcBef>
+              <a:buFont typeface="Arial" panose="020B0604020202020204" pitchFamily="34" charset="0"/>
+              <a:buChar char="–"/>
+              <a:defRPr sz="2800" kern="1200">
+                <a:solidFill>
+                  <a:schemeClr val="tx1"/>
+                </a:solidFill>
+                <a:latin typeface="Arial" panose="020B0604020202020204" pitchFamily="34" charset="0"/>
+                <a:ea typeface="+mn-ea"/>
+                <a:cs typeface="+mn-cs"/>
+              </a:defRPr>
+            </a:lvl2pPr>
+            <a:lvl3pPr marL="1143000" indent="-228600" algn="l" defTabSz="914400" rtl="0" eaLnBrk="1" latinLnBrk="0" hangingPunct="1">
+              <a:spcBef>
+                <a:spcPct val="20000"/>
+              </a:spcBef>
+              <a:buFont typeface="Arial" panose="020B0604020202020204" pitchFamily="34" charset="0"/>
+              <a:buChar char="•"/>
+              <a:defRPr sz="2400" kern="1200">
+                <a:solidFill>
+                  <a:schemeClr val="tx1"/>
+                </a:solidFill>
+                <a:latin typeface="Arial" panose="020B0604020202020204" pitchFamily="34" charset="0"/>
+                <a:ea typeface="+mn-ea"/>
+                <a:cs typeface="+mn-cs"/>
+              </a:defRPr>
+            </a:lvl3pPr>
+            <a:lvl4pPr marL="1600200" indent="-228600" algn="l" defTabSz="914400" rtl="0" eaLnBrk="1" latinLnBrk="0" hangingPunct="1">
+              <a:spcBef>
+                <a:spcPct val="20000"/>
+              </a:spcBef>
+              <a:buFont typeface="Arial" panose="020B0604020202020204" pitchFamily="34" charset="0"/>
+              <a:buChar char="–"/>
+              <a:defRPr sz="2000" kern="1200">
+                <a:solidFill>
+                  <a:schemeClr val="tx1"/>
+                </a:solidFill>
+                <a:latin typeface="Arial" panose="020B0604020202020204" pitchFamily="34" charset="0"/>
+                <a:ea typeface="+mn-ea"/>
+                <a:cs typeface="+mn-cs"/>
+              </a:defRPr>
+            </a:lvl4pPr>
+            <a:lvl5pPr marL="2057400" indent="-228600" algn="l" defTabSz="914400" rtl="0" eaLnBrk="1" latinLnBrk="0" hangingPunct="1">
+              <a:spcBef>
+                <a:spcPct val="20000"/>
+              </a:spcBef>
+              <a:buFont typeface="Arial" panose="020B0604020202020204" pitchFamily="34" charset="0"/>
+              <a:buChar char="»"/>
+              <a:defRPr sz="2000" kern="1200">
+                <a:solidFill>
+                  <a:schemeClr val="tx1"/>
+                </a:solidFill>
+                <a:latin typeface="Arial" panose="020B0604020202020204" pitchFamily="34" charset="0"/>
+                <a:ea typeface="+mn-ea"/>
+                <a:cs typeface="+mn-cs"/>
+              </a:defRPr>
+            </a:lvl5pPr>
+            <a:lvl6pPr marL="2514600" indent="-228600" algn="l" defTabSz="914400" rtl="0" eaLnBrk="0" fontAlgn="base" latinLnBrk="0" hangingPunct="0">
+              <a:spcBef>
+                <a:spcPct val="20000"/>
+              </a:spcBef>
+              <a:spcAft>
+                <a:spcPct val="0"/>
+              </a:spcAft>
+              <a:buFont typeface="Arial" panose="020B0604020202020204" pitchFamily="34" charset="0"/>
+              <a:buChar char="»"/>
+              <a:defRPr sz="2000" kern="1200">
+                <a:solidFill>
+                  <a:schemeClr val="tx1"/>
+                </a:solidFill>
+                <a:latin typeface="Arial" panose="020B0604020202020204" pitchFamily="34" charset="0"/>
+                <a:ea typeface="+mn-ea"/>
+                <a:cs typeface="+mn-cs"/>
+              </a:defRPr>
+            </a:lvl6pPr>
+            <a:lvl7pPr marL="2971800" indent="-228600" algn="l" defTabSz="914400" rtl="0" eaLnBrk="0" fontAlgn="base" latinLnBrk="0" hangingPunct="0">
+              <a:spcBef>
+                <a:spcPct val="20000"/>
+              </a:spcBef>
+              <a:spcAft>
+                <a:spcPct val="0"/>
+              </a:spcAft>
+              <a:buFont typeface="Arial" panose="020B0604020202020204" pitchFamily="34" charset="0"/>
+              <a:buChar char="»"/>
+              <a:defRPr sz="2000" kern="1200">
+                <a:solidFill>
+                  <a:schemeClr val="tx1"/>
+                </a:solidFill>
+                <a:latin typeface="Arial" panose="020B0604020202020204" pitchFamily="34" charset="0"/>
+                <a:ea typeface="+mn-ea"/>
+                <a:cs typeface="+mn-cs"/>
+              </a:defRPr>
+            </a:lvl7pPr>
+            <a:lvl8pPr marL="3429000" indent="-228600" algn="l" defTabSz="914400" rtl="0" eaLnBrk="0" fontAlgn="base" latinLnBrk="0" hangingPunct="0">
+              <a:spcBef>
+                <a:spcPct val="20000"/>
+              </a:spcBef>
+              <a:spcAft>
+                <a:spcPct val="0"/>
+              </a:spcAft>
+              <a:buFont typeface="Arial" panose="020B0604020202020204" pitchFamily="34" charset="0"/>
+              <a:buChar char="»"/>
+              <a:defRPr sz="2000" kern="1200">
+                <a:solidFill>
+                  <a:schemeClr val="tx1"/>
+                </a:solidFill>
+                <a:latin typeface="Arial" panose="020B0604020202020204" pitchFamily="34" charset="0"/>
+                <a:ea typeface="+mn-ea"/>
+                <a:cs typeface="+mn-cs"/>
+              </a:defRPr>
+            </a:lvl8pPr>
+            <a:lvl9pPr marL="3886200" indent="-228600" algn="l" defTabSz="914400" rtl="0" eaLnBrk="0" fontAlgn="base" latinLnBrk="0" hangingPunct="0">
+              <a:spcBef>
+                <a:spcPct val="20000"/>
+              </a:spcBef>
+              <a:spcAft>
+                <a:spcPct val="0"/>
+              </a:spcAft>
+              <a:buFont typeface="Arial" panose="020B0604020202020204" pitchFamily="34" charset="0"/>
+              <a:buChar char="»"/>
+              <a:defRPr sz="2000" kern="1200">
+                <a:solidFill>
+                  <a:schemeClr val="tx1"/>
+                </a:solidFill>
+                <a:latin typeface="Arial" panose="020B0604020202020204" pitchFamily="34" charset="0"/>
+                <a:ea typeface="+mn-ea"/>
+                <a:cs typeface="+mn-cs"/>
+              </a:defRPr>
+            </a:lvl9pPr>
+          </a:lstStyle>
+          <a:p>
+            <a:pPr>
+              <a:spcBef>
+                <a:spcPct val="0"/>
+              </a:spcBef>
+              <a:buFontTx/>
+              <a:buNone/>
+            </a:pPr>
+            <a:r>
+              <a:rPr lang="en-US" altLang="en-US" sz="2000">
+                <a:solidFill>
+                  <a:srgbClr val="00B0F0"/>
+                </a:solidFill>
+                <a:cs typeface="Arial" panose="020B0604020202020204" pitchFamily="34" charset="0"/>
+              </a:rPr>
+              <a:t>www.siu.edu.vn</a:t>
+            </a:r>
+            <a:endParaRPr lang="en-US" altLang="en-US" sz="2000" dirty="0">
+              <a:solidFill>
+                <a:srgbClr val="00B0F0"/>
+              </a:solidFill>
+              <a:cs typeface="Arial" panose="020B0604020202020204" pitchFamily="34" charset="0"/>
+            </a:endParaRPr>
+          </a:p>
+        </p:txBody>
+      </p:sp>
+      <p:pic>
+        <p:nvPicPr>
+          <p:cNvPr id="9" name="Picture 5" descr="C:\Users\TIEU_YEN_TU\Desktop\siu.png">
+            <a:extLst>
+              <a:ext uri="{FF2B5EF4-FFF2-40B4-BE49-F238E27FC236}">
+                <a16:creationId xmlns:a16="http://schemas.microsoft.com/office/drawing/2014/main" id="{D3325F00-FAD1-47AC-A92E-04B85F0ADB94}"/>
+              </a:ext>
+            </a:extLst>
+          </p:cNvPr>
+          <p:cNvPicPr>
+            <a:picLocks noChangeAspect="1" noChangeArrowheads="1"/>
+          </p:cNvPicPr>
+          <p:nvPr/>
+        </p:nvPicPr>
+        <p:blipFill>
+          <a:blip r:embed="rId2">
+            <a:extLst>
+              <a:ext uri="{BEBA8EAE-BF5A-486C-A8C5-ECC9F3942E4B}">
+                <a14:imgProps xmlns:a14="http://schemas.microsoft.com/office/drawing/2010/main">
+                  <a14:imgLayer r:embed="rId3">
+                    <a14:imgEffect>
+                      <a14:saturation sat="300000"/>
+                    </a14:imgEffect>
+                  </a14:imgLayer>
+                </a14:imgProps>
+              </a:ext>
+              <a:ext uri="{28A0092B-C50C-407E-A947-70E740481C1C}">
+                <a14:useLocalDpi xmlns:a14="http://schemas.microsoft.com/office/drawing/2010/main" val="0"/>
+              </a:ext>
+            </a:extLst>
+          </a:blip>
+          <a:srcRect/>
+          <a:stretch>
+            <a:fillRect/>
+          </a:stretch>
+        </p:blipFill>
+        <p:spPr bwMode="auto">
+          <a:xfrm>
+            <a:off x="9005887" y="0"/>
+            <a:ext cx="3186113" cy="981075"/>
+          </a:xfrm>
+          <a:prstGeom prst="rect">
+            <a:avLst/>
+          </a:prstGeom>
+          <a:noFill/>
+          <a:ln>
+            <a:noFill/>
+          </a:ln>
+          <a:extLst>
+            <a:ext uri="{909E8E84-426E-40DD-AFC4-6F175D3DCCD1}">
+              <a14:hiddenFill xmlns:a14="http://schemas.microsoft.com/office/drawing/2010/main">
+                <a:solidFill>
+                  <a:srgbClr val="FFFFFF"/>
+                </a:solidFill>
+              </a14:hiddenFill>
+            </a:ext>
+            <a:ext uri="{91240B29-F687-4F45-9708-019B960494DF}">
+              <a14:hiddenLine xmlns:a14="http://schemas.microsoft.com/office/drawing/2010/main" w="9525">
+                <a:solidFill>
+                  <a:srgbClr val="000000"/>
+                </a:solidFill>
+                <a:miter lim="800000"/>
+                <a:headEnd/>
+                <a:tailEnd/>
+              </a14:hiddenLine>
+            </a:ext>
+          </a:extLst>
+        </p:spPr>
+      </p:pic>
     </p:spTree>
     <p:extLst>
       <p:ext uri="{BB962C8B-B14F-4D97-AF65-F5344CB8AC3E}">
@@ -3887,7 +6397,7 @@
 </p:sld>
 </file>
 
-<file path=ppt/slides/slide2.xml><?xml version="1.0" encoding="utf-8"?>
+<file path=ppt/slides/slide3.xml><?xml version="1.0" encoding="utf-8"?>
 <p:sld xmlns:a="http://schemas.openxmlformats.org/drawingml/2006/main" xmlns:r="http://schemas.openxmlformats.org/officeDocument/2006/relationships" xmlns:p="http://schemas.openxmlformats.org/presentationml/2006/main">
   <p:cSld>
     <p:spTree>
@@ -3926,7 +6436,12 @@
           <a:lstStyle/>
           <a:p>
             <a:r>
-              <a:rPr lang="en-US" dirty="0"/>
+              <a:rPr lang="en-US" dirty="0">
+                <a:solidFill>
+                  <a:schemeClr val="tx1"/>
+                </a:solidFill>
+                <a:latin typeface="Bahnschrift" panose="020B0502040204020203" pitchFamily="34" charset="0"/>
+              </a:rPr>
               <a:t>Timeline Style</a:t>
             </a:r>
           </a:p>
@@ -7642,9 +10157,9 @@
         <p:grpSpPr>
           <a:xfrm>
             <a:off x="2975268" y="5083943"/>
-            <a:ext cx="1819678" cy="1496513"/>
+            <a:ext cx="1819678" cy="1004070"/>
             <a:chOff x="1985513" y="4307149"/>
-            <a:chExt cx="2380861" cy="1236220"/>
+            <a:chExt cx="2380861" cy="829429"/>
           </a:xfrm>
         </p:grpSpPr>
         <p:sp>
@@ -7662,7 +10177,7 @@
           <p:spPr>
             <a:xfrm>
               <a:off x="2001825" y="4653515"/>
-              <a:ext cx="2346637" cy="889854"/>
+              <a:ext cx="2346637" cy="483063"/>
             </a:xfrm>
             <a:prstGeom prst="rect">
               <a:avLst/>
@@ -7681,7 +10196,7 @@
                   <a:latin typeface="Times New Roman" panose="02020603050405020304" pitchFamily="18" charset="0"/>
                   <a:cs typeface="Times New Roman" panose="02020603050405020304" pitchFamily="18" charset="0"/>
                 </a:rPr>
-                <a:t>Lợi</a:t>
+                <a:t>Xây</a:t>
               </a:r>
               <a:r>
                 <a:rPr lang="en-US" altLang="ko-KR" sz="1600" dirty="0">
@@ -7695,7 +10210,7 @@
                   <a:latin typeface="Times New Roman" panose="02020603050405020304" pitchFamily="18" charset="0"/>
                   <a:cs typeface="Times New Roman" panose="02020603050405020304" pitchFamily="18" charset="0"/>
                 </a:rPr>
-                <a:t>ích</a:t>
+                <a:t>dựng</a:t>
               </a:r>
               <a:r>
                 <a:rPr lang="en-US" altLang="ko-KR" sz="1600" dirty="0">
@@ -7709,7 +10224,7 @@
                   <a:latin typeface="Times New Roman" panose="02020603050405020304" pitchFamily="18" charset="0"/>
                   <a:cs typeface="Times New Roman" panose="02020603050405020304" pitchFamily="18" charset="0"/>
                 </a:rPr>
-                <a:t>khi</a:t>
+                <a:t>một</a:t>
               </a:r>
               <a:r>
                 <a:rPr lang="en-US" altLang="ko-KR" sz="1600" dirty="0">
@@ -7723,63 +10238,7 @@
                   <a:latin typeface="Times New Roman" panose="02020603050405020304" pitchFamily="18" charset="0"/>
                   <a:cs typeface="Times New Roman" panose="02020603050405020304" pitchFamily="18" charset="0"/>
                 </a:rPr>
-                <a:t>triển</a:t>
-              </a:r>
-              <a:r>
-                <a:rPr lang="en-US" altLang="ko-KR" sz="1600" dirty="0">
-                  <a:latin typeface="Times New Roman" panose="02020603050405020304" pitchFamily="18" charset="0"/>
-                  <a:cs typeface="Times New Roman" panose="02020603050405020304" pitchFamily="18" charset="0"/>
-                </a:rPr>
-                <a:t> </a:t>
-              </a:r>
-              <a:r>
-                <a:rPr lang="en-US" altLang="ko-KR" sz="1600" dirty="0" err="1">
-                  <a:latin typeface="Times New Roman" panose="02020603050405020304" pitchFamily="18" charset="0"/>
-                  <a:cs typeface="Times New Roman" panose="02020603050405020304" pitchFamily="18" charset="0"/>
-                </a:rPr>
-                <a:t>khai</a:t>
-              </a:r>
-              <a:r>
-                <a:rPr lang="en-US" altLang="ko-KR" sz="1600" dirty="0">
-                  <a:latin typeface="Times New Roman" panose="02020603050405020304" pitchFamily="18" charset="0"/>
-                  <a:cs typeface="Times New Roman" panose="02020603050405020304" pitchFamily="18" charset="0"/>
-                </a:rPr>
-                <a:t> </a:t>
-              </a:r>
-              <a:r>
-                <a:rPr lang="en-US" altLang="ko-KR" sz="1600" dirty="0" err="1">
-                  <a:latin typeface="Times New Roman" panose="02020603050405020304" pitchFamily="18" charset="0"/>
-                  <a:cs typeface="Times New Roman" panose="02020603050405020304" pitchFamily="18" charset="0"/>
-                </a:rPr>
-                <a:t>tốt</a:t>
-              </a:r>
-              <a:r>
-                <a:rPr lang="en-US" altLang="ko-KR" sz="1600" dirty="0">
-                  <a:latin typeface="Times New Roman" panose="02020603050405020304" pitchFamily="18" charset="0"/>
-                  <a:cs typeface="Times New Roman" panose="02020603050405020304" pitchFamily="18" charset="0"/>
-                </a:rPr>
-                <a:t> </a:t>
-              </a:r>
-              <a:r>
-                <a:rPr lang="en-US" altLang="ko-KR" sz="1600" dirty="0" err="1">
-                  <a:latin typeface="Times New Roman" panose="02020603050405020304" pitchFamily="18" charset="0"/>
-                  <a:cs typeface="Times New Roman" panose="02020603050405020304" pitchFamily="18" charset="0"/>
-                </a:rPr>
-                <a:t>hệ</a:t>
-              </a:r>
-              <a:r>
-                <a:rPr lang="en-US" altLang="ko-KR" sz="1600" dirty="0">
-                  <a:latin typeface="Times New Roman" panose="02020603050405020304" pitchFamily="18" charset="0"/>
-                  <a:cs typeface="Times New Roman" panose="02020603050405020304" pitchFamily="18" charset="0"/>
-                </a:rPr>
-                <a:t> </a:t>
-              </a:r>
-              <a:r>
-                <a:rPr lang="en-US" altLang="ko-KR" sz="1600" dirty="0" err="1">
-                  <a:latin typeface="Times New Roman" panose="02020603050405020304" pitchFamily="18" charset="0"/>
-                  <a:cs typeface="Times New Roman" panose="02020603050405020304" pitchFamily="18" charset="0"/>
-                </a:rPr>
-                <a:t>thống</a:t>
+                <a:t>bãi</a:t>
               </a:r>
               <a:r>
                 <a:rPr lang="en-US" altLang="ko-KR" sz="1600" dirty="0">
@@ -7837,13 +10296,10 @@
                 </a:rPr>
                 <a:t>minh</a:t>
               </a:r>
-              <a:r>
-                <a:rPr lang="en-US" altLang="ko-KR" sz="1600" dirty="0">
-                  <a:latin typeface="Times New Roman" panose="02020603050405020304" pitchFamily="18" charset="0"/>
-                  <a:cs typeface="Times New Roman" panose="02020603050405020304" pitchFamily="18" charset="0"/>
-                </a:rPr>
-                <a:t>…..</a:t>
-              </a:r>
+              <a:endParaRPr lang="en-US" altLang="ko-KR" sz="1600" dirty="0">
+                <a:latin typeface="Times New Roman" panose="02020603050405020304" pitchFamily="18" charset="0"/>
+                <a:cs typeface="Times New Roman" panose="02020603050405020304" pitchFamily="18" charset="0"/>
+              </a:endParaRPr>
             </a:p>
           </p:txBody>
         </p:sp>
@@ -7881,7 +10337,7 @@
                   <a:latin typeface="Times New Roman" panose="02020603050405020304" pitchFamily="18" charset="0"/>
                   <a:cs typeface="Times New Roman" panose="02020603050405020304" pitchFamily="18" charset="0"/>
                 </a:rPr>
-                <a:t>Lợi</a:t>
+                <a:t>Thực</a:t>
               </a:r>
               <a:r>
                 <a:rPr lang="en-US" altLang="ko-KR" b="1" dirty="0">
@@ -7895,7 +10351,7 @@
                   <a:latin typeface="Times New Roman" panose="02020603050405020304" pitchFamily="18" charset="0"/>
                   <a:cs typeface="Times New Roman" panose="02020603050405020304" pitchFamily="18" charset="0"/>
                 </a:rPr>
-                <a:t>Ích</a:t>
+                <a:t>hiện</a:t>
               </a:r>
               <a:endParaRPr lang="ko-KR" altLang="en-US" b="1" dirty="0">
                 <a:latin typeface="Times New Roman" panose="02020603050405020304" pitchFamily="18" charset="0"/>
@@ -8823,10 +11279,10 @@
         </p:nvGrpSpPr>
         <p:grpSpPr>
           <a:xfrm>
-            <a:off x="7574794" y="1579995"/>
-            <a:ext cx="1843066" cy="987817"/>
+            <a:off x="7574794" y="1579994"/>
+            <a:ext cx="1843066" cy="1480260"/>
             <a:chOff x="1985513" y="4307149"/>
-            <a:chExt cx="2411461" cy="806695"/>
+            <a:chExt cx="2411461" cy="1208846"/>
           </a:xfrm>
         </p:grpSpPr>
         <p:sp>
@@ -8844,7 +11300,7 @@
           <p:spPr>
             <a:xfrm>
               <a:off x="2050336" y="4636291"/>
-              <a:ext cx="2346638" cy="477553"/>
+              <a:ext cx="2346638" cy="879704"/>
             </a:xfrm>
             <a:prstGeom prst="rect">
               <a:avLst/>
@@ -8863,7 +11319,7 @@
                   <a:latin typeface="Times New Roman" panose="02020603050405020304" pitchFamily="18" charset="0"/>
                   <a:cs typeface="Times New Roman" panose="02020603050405020304" pitchFamily="18" charset="0"/>
                 </a:rPr>
-                <a:t>Sơ</a:t>
+                <a:t>Lợi</a:t>
               </a:r>
               <a:r>
                 <a:rPr lang="en-US" altLang="ko-KR" sz="1600" dirty="0">
@@ -8877,7 +11333,63 @@
                   <a:latin typeface="Times New Roman" panose="02020603050405020304" pitchFamily="18" charset="0"/>
                   <a:cs typeface="Times New Roman" panose="02020603050405020304" pitchFamily="18" charset="0"/>
                 </a:rPr>
-                <a:t>đồ</a:t>
+                <a:t>ích</a:t>
+              </a:r>
+              <a:r>
+                <a:rPr lang="en-US" altLang="ko-KR" sz="1600" dirty="0">
+                  <a:latin typeface="Times New Roman" panose="02020603050405020304" pitchFamily="18" charset="0"/>
+                  <a:cs typeface="Times New Roman" panose="02020603050405020304" pitchFamily="18" charset="0"/>
+                </a:rPr>
+                <a:t> </a:t>
+              </a:r>
+              <a:r>
+                <a:rPr lang="en-US" altLang="ko-KR" sz="1600" dirty="0" err="1">
+                  <a:latin typeface="Times New Roman" panose="02020603050405020304" pitchFamily="18" charset="0"/>
+                  <a:cs typeface="Times New Roman" panose="02020603050405020304" pitchFamily="18" charset="0"/>
+                </a:rPr>
+                <a:t>khi</a:t>
+              </a:r>
+              <a:r>
+                <a:rPr lang="en-US" altLang="ko-KR" sz="1600" dirty="0">
+                  <a:latin typeface="Times New Roman" panose="02020603050405020304" pitchFamily="18" charset="0"/>
+                  <a:cs typeface="Times New Roman" panose="02020603050405020304" pitchFamily="18" charset="0"/>
+                </a:rPr>
+                <a:t> </a:t>
+              </a:r>
+              <a:r>
+                <a:rPr lang="en-US" altLang="ko-KR" sz="1600" dirty="0" err="1">
+                  <a:latin typeface="Times New Roman" panose="02020603050405020304" pitchFamily="18" charset="0"/>
+                  <a:cs typeface="Times New Roman" panose="02020603050405020304" pitchFamily="18" charset="0"/>
+                </a:rPr>
+                <a:t>triển</a:t>
+              </a:r>
+              <a:r>
+                <a:rPr lang="en-US" altLang="ko-KR" sz="1600" dirty="0">
+                  <a:latin typeface="Times New Roman" panose="02020603050405020304" pitchFamily="18" charset="0"/>
+                  <a:cs typeface="Times New Roman" panose="02020603050405020304" pitchFamily="18" charset="0"/>
+                </a:rPr>
+                <a:t> </a:t>
+              </a:r>
+              <a:r>
+                <a:rPr lang="en-US" altLang="ko-KR" sz="1600" dirty="0" err="1">
+                  <a:latin typeface="Times New Roman" panose="02020603050405020304" pitchFamily="18" charset="0"/>
+                  <a:cs typeface="Times New Roman" panose="02020603050405020304" pitchFamily="18" charset="0"/>
+                </a:rPr>
+                <a:t>khai</a:t>
+              </a:r>
+              <a:r>
+                <a:rPr lang="en-US" altLang="ko-KR" sz="1600" dirty="0">
+                  <a:latin typeface="Times New Roman" panose="02020603050405020304" pitchFamily="18" charset="0"/>
+                  <a:cs typeface="Times New Roman" panose="02020603050405020304" pitchFamily="18" charset="0"/>
+                </a:rPr>
+                <a:t> </a:t>
+              </a:r>
+              <a:r>
+                <a:rPr lang="en-US" altLang="ko-KR" sz="1600" dirty="0" err="1">
+                  <a:latin typeface="Times New Roman" panose="02020603050405020304" pitchFamily="18" charset="0"/>
+                  <a:cs typeface="Times New Roman" panose="02020603050405020304" pitchFamily="18" charset="0"/>
+                </a:rPr>
+                <a:t>tốt</a:t>
               </a:r>
               <a:r>
                 <a:rPr lang="en-US" altLang="ko-KR" sz="1600" dirty="0">
@@ -8940,7 +11452,35 @@
                   <a:latin typeface="Times New Roman" panose="02020603050405020304" pitchFamily="18" charset="0"/>
                   <a:cs typeface="Times New Roman" panose="02020603050405020304" pitchFamily="18" charset="0"/>
                 </a:rPr>
-                <a:t>…</a:t>
+                <a:t> </a:t>
+              </a:r>
+              <a:r>
+                <a:rPr lang="en-US" altLang="ko-KR" sz="1600" dirty="0" err="1">
+                  <a:latin typeface="Times New Roman" panose="02020603050405020304" pitchFamily="18" charset="0"/>
+                  <a:cs typeface="Times New Roman" panose="02020603050405020304" pitchFamily="18" charset="0"/>
+                </a:rPr>
+                <a:t>thông</a:t>
+              </a:r>
+              <a:r>
+                <a:rPr lang="en-US" altLang="ko-KR" sz="1600" dirty="0">
+                  <a:latin typeface="Times New Roman" panose="02020603050405020304" pitchFamily="18" charset="0"/>
+                  <a:cs typeface="Times New Roman" panose="02020603050405020304" pitchFamily="18" charset="0"/>
+                </a:rPr>
+                <a:t> </a:t>
+              </a:r>
+              <a:r>
+                <a:rPr lang="en-US" altLang="ko-KR" sz="1600" dirty="0" err="1">
+                  <a:latin typeface="Times New Roman" panose="02020603050405020304" pitchFamily="18" charset="0"/>
+                  <a:cs typeface="Times New Roman" panose="02020603050405020304" pitchFamily="18" charset="0"/>
+                </a:rPr>
+                <a:t>minh</a:t>
+              </a:r>
+              <a:r>
+                <a:rPr lang="en-US" altLang="ko-KR" sz="1600" dirty="0">
+                  <a:latin typeface="Times New Roman" panose="02020603050405020304" pitchFamily="18" charset="0"/>
+                  <a:cs typeface="Times New Roman" panose="02020603050405020304" pitchFamily="18" charset="0"/>
+                </a:rPr>
+                <a:t>…..</a:t>
               </a:r>
             </a:p>
           </p:txBody>
@@ -8979,7 +11519,7 @@
                   <a:latin typeface="Times New Roman" panose="02020603050405020304" pitchFamily="18" charset="0"/>
                   <a:cs typeface="Times New Roman" panose="02020603050405020304" pitchFamily="18" charset="0"/>
                 </a:rPr>
-                <a:t>Sơ</a:t>
+                <a:t>Lợi</a:t>
               </a:r>
               <a:r>
                 <a:rPr lang="en-US" altLang="ko-KR" b="1" dirty="0">
@@ -8993,21 +11533,7 @@
                   <a:latin typeface="Times New Roman" panose="02020603050405020304" pitchFamily="18" charset="0"/>
                   <a:cs typeface="Times New Roman" panose="02020603050405020304" pitchFamily="18" charset="0"/>
                 </a:rPr>
-                <a:t>Đồ</a:t>
-              </a:r>
-              <a:r>
-                <a:rPr lang="en-US" altLang="ko-KR" b="1" dirty="0">
-                  <a:latin typeface="Times New Roman" panose="02020603050405020304" pitchFamily="18" charset="0"/>
-                  <a:cs typeface="Times New Roman" panose="02020603050405020304" pitchFamily="18" charset="0"/>
-                </a:rPr>
-                <a:t> </a:t>
-              </a:r>
-              <a:r>
-                <a:rPr lang="en-US" altLang="ko-KR" b="1" dirty="0" err="1">
-                  <a:latin typeface="Times New Roman" panose="02020603050405020304" pitchFamily="18" charset="0"/>
-                  <a:cs typeface="Times New Roman" panose="02020603050405020304" pitchFamily="18" charset="0"/>
-                </a:rPr>
-                <a:t>Khối</a:t>
+                <a:t>ích</a:t>
               </a:r>
               <a:endParaRPr lang="ko-KR" altLang="en-US" b="1" dirty="0">
                 <a:latin typeface="Times New Roman" panose="02020603050405020304" pitchFamily="18" charset="0"/>
@@ -9017,42 +11543,6 @@
           </p:txBody>
         </p:sp>
       </p:grpSp>
-      <p:pic>
-        <p:nvPicPr>
-          <p:cNvPr id="30" name="Picture 29">
-            <a:extLst>
-              <a:ext uri="{FF2B5EF4-FFF2-40B4-BE49-F238E27FC236}">
-                <a16:creationId xmlns:a16="http://schemas.microsoft.com/office/drawing/2014/main" id="{E68FB019-F95B-487D-BB44-8C177250CC6C}"/>
-              </a:ext>
-            </a:extLst>
-          </p:cNvPr>
-          <p:cNvPicPr>
-            <a:picLocks noChangeAspect="1"/>
-          </p:cNvPicPr>
-          <p:nvPr/>
-        </p:nvPicPr>
-        <p:blipFill>
-          <a:blip r:embed="rId2">
-            <a:extLst>
-              <a:ext uri="{28A0092B-C50C-407E-A947-70E740481C1C}">
-                <a14:useLocalDpi xmlns:a14="http://schemas.microsoft.com/office/drawing/2010/main" val="0"/>
-              </a:ext>
-            </a:extLst>
-          </a:blip>
-          <a:stretch>
-            <a:fillRect/>
-          </a:stretch>
-        </p:blipFill>
-        <p:spPr>
-          <a:xfrm>
-            <a:off x="3238608" y="2281008"/>
-            <a:ext cx="393192" cy="325063"/>
-          </a:xfrm>
-          <a:prstGeom prst="rect">
-            <a:avLst/>
-          </a:prstGeom>
-        </p:spPr>
-      </p:pic>
       <p:sp>
         <p:nvSpPr>
           <p:cNvPr id="92" name="Oval 21">
@@ -10686,6 +13176,355 @@
           </p:txBody>
         </p:sp>
       </p:grpSp>
+      <p:pic>
+        <p:nvPicPr>
+          <p:cNvPr id="65" name="Picture 5" descr="C:\Users\TIEU_YEN_TU\Desktop\siu.png">
+            <a:extLst>
+              <a:ext uri="{FF2B5EF4-FFF2-40B4-BE49-F238E27FC236}">
+                <a16:creationId xmlns:a16="http://schemas.microsoft.com/office/drawing/2014/main" id="{2F574B41-D39E-43A4-803E-E73265AE651C}"/>
+              </a:ext>
+            </a:extLst>
+          </p:cNvPr>
+          <p:cNvPicPr>
+            <a:picLocks noChangeAspect="1" noChangeArrowheads="1"/>
+          </p:cNvPicPr>
+          <p:nvPr/>
+        </p:nvPicPr>
+        <p:blipFill>
+          <a:blip r:embed="rId2">
+            <a:extLst>
+              <a:ext uri="{BEBA8EAE-BF5A-486C-A8C5-ECC9F3942E4B}">
+                <a14:imgProps xmlns:a14="http://schemas.microsoft.com/office/drawing/2010/main">
+                  <a14:imgLayer r:embed="rId3">
+                    <a14:imgEffect>
+                      <a14:saturation sat="300000"/>
+                    </a14:imgEffect>
+                  </a14:imgLayer>
+                </a14:imgProps>
+              </a:ext>
+              <a:ext uri="{28A0092B-C50C-407E-A947-70E740481C1C}">
+                <a14:useLocalDpi xmlns:a14="http://schemas.microsoft.com/office/drawing/2010/main" val="0"/>
+              </a:ext>
+            </a:extLst>
+          </a:blip>
+          <a:srcRect/>
+          <a:stretch>
+            <a:fillRect/>
+          </a:stretch>
+        </p:blipFill>
+        <p:spPr bwMode="auto">
+          <a:xfrm>
+            <a:off x="1728" y="5155"/>
+            <a:ext cx="3186113" cy="981075"/>
+          </a:xfrm>
+          <a:prstGeom prst="rect">
+            <a:avLst/>
+          </a:prstGeom>
+          <a:noFill/>
+          <a:ln>
+            <a:noFill/>
+          </a:ln>
+          <a:extLst>
+            <a:ext uri="{909E8E84-426E-40DD-AFC4-6F175D3DCCD1}">
+              <a14:hiddenFill xmlns:a14="http://schemas.microsoft.com/office/drawing/2010/main">
+                <a:solidFill>
+                  <a:srgbClr val="FFFFFF"/>
+                </a:solidFill>
+              </a14:hiddenFill>
+            </a:ext>
+            <a:ext uri="{91240B29-F687-4F45-9708-019B960494DF}">
+              <a14:hiddenLine xmlns:a14="http://schemas.microsoft.com/office/drawing/2010/main" w="9525">
+                <a:solidFill>
+                  <a:srgbClr val="000000"/>
+                </a:solidFill>
+                <a:miter lim="800000"/>
+                <a:headEnd/>
+                <a:tailEnd/>
+              </a14:hiddenLine>
+            </a:ext>
+          </a:extLst>
+        </p:spPr>
+      </p:pic>
+      <p:sp>
+        <p:nvSpPr>
+          <p:cNvPr id="66" name="Rectangle 65">
+            <a:extLst>
+              <a:ext uri="{FF2B5EF4-FFF2-40B4-BE49-F238E27FC236}">
+                <a16:creationId xmlns:a16="http://schemas.microsoft.com/office/drawing/2014/main" id="{BD5966DE-17E0-417E-A4C1-EA38AB667C8B}"/>
+              </a:ext>
+            </a:extLst>
+          </p:cNvPr>
+          <p:cNvSpPr/>
+          <p:nvPr/>
+        </p:nvSpPr>
+        <p:spPr>
+          <a:xfrm>
+            <a:off x="0" y="6524625"/>
+            <a:ext cx="12192000" cy="333375"/>
+          </a:xfrm>
+          <a:prstGeom prst="rect">
+            <a:avLst/>
+          </a:prstGeom>
+          <a:solidFill>
+            <a:srgbClr val="C00000"/>
+          </a:solidFill>
+          <a:ln>
+            <a:noFill/>
+          </a:ln>
+        </p:spPr>
+        <p:style>
+          <a:lnRef idx="2">
+            <a:schemeClr val="accent1">
+              <a:shade val="50000"/>
+            </a:schemeClr>
+          </a:lnRef>
+          <a:fillRef idx="1">
+            <a:schemeClr val="accent1"/>
+          </a:fillRef>
+          <a:effectRef idx="0">
+            <a:schemeClr val="accent1"/>
+          </a:effectRef>
+          <a:fontRef idx="minor">
+            <a:schemeClr val="lt1"/>
+          </a:fontRef>
+        </p:style>
+        <p:txBody>
+          <a:bodyPr anchor="ctr"/>
+          <a:lstStyle/>
+          <a:p>
+            <a:pPr algn="ctr" eaLnBrk="1" hangingPunct="1">
+              <a:defRPr/>
+            </a:pPr>
+            <a:endParaRPr lang="en-US">
+              <a:solidFill>
+                <a:srgbClr val="FFFFFF"/>
+              </a:solidFill>
+              <a:latin typeface="Arial" charset="0"/>
+              <a:cs typeface="Arial" charset="0"/>
+            </a:endParaRPr>
+          </a:p>
+        </p:txBody>
+      </p:sp>
+      <p:sp>
+        <p:nvSpPr>
+          <p:cNvPr id="72" name="Footer Placeholder 1">
+            <a:extLst>
+              <a:ext uri="{FF2B5EF4-FFF2-40B4-BE49-F238E27FC236}">
+                <a16:creationId xmlns:a16="http://schemas.microsoft.com/office/drawing/2014/main" id="{43A75716-AA6B-4BBF-9523-1A3A1B7BF173}"/>
+              </a:ext>
+            </a:extLst>
+          </p:cNvPr>
+          <p:cNvSpPr txBox="1">
+            <a:spLocks/>
+          </p:cNvSpPr>
+          <p:nvPr/>
+        </p:nvSpPr>
+        <p:spPr bwMode="auto">
+          <a:xfrm>
+            <a:off x="5202959" y="6524625"/>
+            <a:ext cx="2001982" cy="333375"/>
+          </a:xfrm>
+          <a:noFill/>
+          <a:extLst>
+            <a:ext uri="{909E8E84-426E-40DD-AFC4-6F175D3DCCD1}">
+              <a14:hiddenFill xmlns:a14="http://schemas.microsoft.com/office/drawing/2010/main">
+                <a:solidFill>
+                  <a:srgbClr val="FFFFFF"/>
+                </a:solidFill>
+              </a14:hiddenFill>
+            </a:ext>
+            <a:ext uri="{91240B29-F687-4F45-9708-019B960494DF}">
+              <a14:hiddenLine xmlns:a14="http://schemas.microsoft.com/office/drawing/2010/main" w="9525">
+                <a:solidFill>
+                  <a:srgbClr val="000000"/>
+                </a:solidFill>
+                <a:miter lim="800000"/>
+                <a:headEnd/>
+                <a:tailEnd/>
+              </a14:hiddenLine>
+            </a:ext>
+          </a:extLst>
+        </p:spPr>
+        <p:txBody>
+          <a:bodyPr/>
+          <a:lstStyle>
+            <a:defPPr>
+              <a:defRPr lang="en-US"/>
+            </a:defPPr>
+            <a:lvl1pPr marL="0" algn="l" defTabSz="914400" rtl="0" eaLnBrk="1" latinLnBrk="0" hangingPunct="1">
+              <a:spcBef>
+                <a:spcPct val="20000"/>
+              </a:spcBef>
+              <a:buFont typeface="Arial" panose="020B0604020202020204" pitchFamily="34" charset="0"/>
+              <a:buChar char="•"/>
+              <a:defRPr sz="3200" kern="1200">
+                <a:solidFill>
+                  <a:schemeClr val="tx1"/>
+                </a:solidFill>
+                <a:latin typeface="Arial" panose="020B0604020202020204" pitchFamily="34" charset="0"/>
+                <a:ea typeface="+mn-ea"/>
+                <a:cs typeface="+mn-cs"/>
+              </a:defRPr>
+            </a:lvl1pPr>
+            <a:lvl2pPr marL="742950" indent="-285750" algn="l" defTabSz="914400" rtl="0" eaLnBrk="1" latinLnBrk="0" hangingPunct="1">
+              <a:spcBef>
+                <a:spcPct val="20000"/>
+              </a:spcBef>
+              <a:buFont typeface="Arial" panose="020B0604020202020204" pitchFamily="34" charset="0"/>
+              <a:buChar char="–"/>
+              <a:defRPr sz="2800" kern="1200">
+                <a:solidFill>
+                  <a:schemeClr val="tx1"/>
+                </a:solidFill>
+                <a:latin typeface="Arial" panose="020B0604020202020204" pitchFamily="34" charset="0"/>
+                <a:ea typeface="+mn-ea"/>
+                <a:cs typeface="+mn-cs"/>
+              </a:defRPr>
+            </a:lvl2pPr>
+            <a:lvl3pPr marL="1143000" indent="-228600" algn="l" defTabSz="914400" rtl="0" eaLnBrk="1" latinLnBrk="0" hangingPunct="1">
+              <a:spcBef>
+                <a:spcPct val="20000"/>
+              </a:spcBef>
+              <a:buFont typeface="Arial" panose="020B0604020202020204" pitchFamily="34" charset="0"/>
+              <a:buChar char="•"/>
+              <a:defRPr sz="2400" kern="1200">
+                <a:solidFill>
+                  <a:schemeClr val="tx1"/>
+                </a:solidFill>
+                <a:latin typeface="Arial" panose="020B0604020202020204" pitchFamily="34" charset="0"/>
+                <a:ea typeface="+mn-ea"/>
+                <a:cs typeface="+mn-cs"/>
+              </a:defRPr>
+            </a:lvl3pPr>
+            <a:lvl4pPr marL="1600200" indent="-228600" algn="l" defTabSz="914400" rtl="0" eaLnBrk="1" latinLnBrk="0" hangingPunct="1">
+              <a:spcBef>
+                <a:spcPct val="20000"/>
+              </a:spcBef>
+              <a:buFont typeface="Arial" panose="020B0604020202020204" pitchFamily="34" charset="0"/>
+              <a:buChar char="–"/>
+              <a:defRPr sz="2000" kern="1200">
+                <a:solidFill>
+                  <a:schemeClr val="tx1"/>
+                </a:solidFill>
+                <a:latin typeface="Arial" panose="020B0604020202020204" pitchFamily="34" charset="0"/>
+                <a:ea typeface="+mn-ea"/>
+                <a:cs typeface="+mn-cs"/>
+              </a:defRPr>
+            </a:lvl4pPr>
+            <a:lvl5pPr marL="2057400" indent="-228600" algn="l" defTabSz="914400" rtl="0" eaLnBrk="1" latinLnBrk="0" hangingPunct="1">
+              <a:spcBef>
+                <a:spcPct val="20000"/>
+              </a:spcBef>
+              <a:buFont typeface="Arial" panose="020B0604020202020204" pitchFamily="34" charset="0"/>
+              <a:buChar char="»"/>
+              <a:defRPr sz="2000" kern="1200">
+                <a:solidFill>
+                  <a:schemeClr val="tx1"/>
+                </a:solidFill>
+                <a:latin typeface="Arial" panose="020B0604020202020204" pitchFamily="34" charset="0"/>
+                <a:ea typeface="+mn-ea"/>
+                <a:cs typeface="+mn-cs"/>
+              </a:defRPr>
+            </a:lvl5pPr>
+            <a:lvl6pPr marL="2514600" indent="-228600" algn="l" defTabSz="914400" rtl="0" eaLnBrk="0" fontAlgn="base" latinLnBrk="0" hangingPunct="0">
+              <a:spcBef>
+                <a:spcPct val="20000"/>
+              </a:spcBef>
+              <a:spcAft>
+                <a:spcPct val="0"/>
+              </a:spcAft>
+              <a:buFont typeface="Arial" panose="020B0604020202020204" pitchFamily="34" charset="0"/>
+              <a:buChar char="»"/>
+              <a:defRPr sz="2000" kern="1200">
+                <a:solidFill>
+                  <a:schemeClr val="tx1"/>
+                </a:solidFill>
+                <a:latin typeface="Arial" panose="020B0604020202020204" pitchFamily="34" charset="0"/>
+                <a:ea typeface="+mn-ea"/>
+                <a:cs typeface="+mn-cs"/>
+              </a:defRPr>
+            </a:lvl6pPr>
+            <a:lvl7pPr marL="2971800" indent="-228600" algn="l" defTabSz="914400" rtl="0" eaLnBrk="0" fontAlgn="base" latinLnBrk="0" hangingPunct="0">
+              <a:spcBef>
+                <a:spcPct val="20000"/>
+              </a:spcBef>
+              <a:spcAft>
+                <a:spcPct val="0"/>
+              </a:spcAft>
+              <a:buFont typeface="Arial" panose="020B0604020202020204" pitchFamily="34" charset="0"/>
+              <a:buChar char="»"/>
+              <a:defRPr sz="2000" kern="1200">
+                <a:solidFill>
+                  <a:schemeClr val="tx1"/>
+                </a:solidFill>
+                <a:latin typeface="Arial" panose="020B0604020202020204" pitchFamily="34" charset="0"/>
+                <a:ea typeface="+mn-ea"/>
+                <a:cs typeface="+mn-cs"/>
+              </a:defRPr>
+            </a:lvl7pPr>
+            <a:lvl8pPr marL="3429000" indent="-228600" algn="l" defTabSz="914400" rtl="0" eaLnBrk="0" fontAlgn="base" latinLnBrk="0" hangingPunct="0">
+              <a:spcBef>
+                <a:spcPct val="20000"/>
+              </a:spcBef>
+              <a:spcAft>
+                <a:spcPct val="0"/>
+              </a:spcAft>
+              <a:buFont typeface="Arial" panose="020B0604020202020204" pitchFamily="34" charset="0"/>
+              <a:buChar char="»"/>
+              <a:defRPr sz="2000" kern="1200">
+                <a:solidFill>
+                  <a:schemeClr val="tx1"/>
+                </a:solidFill>
+                <a:latin typeface="Arial" panose="020B0604020202020204" pitchFamily="34" charset="0"/>
+                <a:ea typeface="+mn-ea"/>
+                <a:cs typeface="+mn-cs"/>
+              </a:defRPr>
+            </a:lvl8pPr>
+            <a:lvl9pPr marL="3886200" indent="-228600" algn="l" defTabSz="914400" rtl="0" eaLnBrk="0" fontAlgn="base" latinLnBrk="0" hangingPunct="0">
+              <a:spcBef>
+                <a:spcPct val="20000"/>
+              </a:spcBef>
+              <a:spcAft>
+                <a:spcPct val="0"/>
+              </a:spcAft>
+              <a:buFont typeface="Arial" panose="020B0604020202020204" pitchFamily="34" charset="0"/>
+              <a:buChar char="»"/>
+              <a:defRPr sz="2000" kern="1200">
+                <a:solidFill>
+                  <a:schemeClr val="tx1"/>
+                </a:solidFill>
+                <a:latin typeface="Arial" panose="020B0604020202020204" pitchFamily="34" charset="0"/>
+                <a:ea typeface="+mn-ea"/>
+                <a:cs typeface="+mn-cs"/>
+              </a:defRPr>
+            </a:lvl9pPr>
+          </a:lstStyle>
+          <a:p>
+            <a:pPr>
+              <a:spcBef>
+                <a:spcPct val="0"/>
+              </a:spcBef>
+              <a:buFontTx/>
+              <a:buNone/>
+            </a:pPr>
+            <a:r>
+              <a:rPr lang="en-US" altLang="en-US" sz="2000">
+                <a:solidFill>
+                  <a:srgbClr val="00B0F0"/>
+                </a:solidFill>
+                <a:cs typeface="Arial" panose="020B0604020202020204" pitchFamily="34" charset="0"/>
+              </a:rPr>
+              <a:t>www.siu.edu.vn</a:t>
+            </a:r>
+            <a:endParaRPr lang="en-US" altLang="en-US" sz="2000" dirty="0">
+              <a:solidFill>
+                <a:srgbClr val="00B0F0"/>
+              </a:solidFill>
+              <a:cs typeface="Arial" panose="020B0604020202020204" pitchFamily="34" charset="0"/>
+            </a:endParaRPr>
+          </a:p>
+        </p:txBody>
+      </p:sp>
     </p:spTree>
     <p:extLst>
       <p:ext uri="{BB962C8B-B14F-4D97-AF65-F5344CB8AC3E}">
@@ -10699,7 +13538,7 @@
 </p:sld>
 </file>
 
-<file path=ppt/slides/slide3.xml><?xml version="1.0" encoding="utf-8"?>
+<file path=ppt/slides/slide4.xml><?xml version="1.0" encoding="utf-8"?>
 <p:sld xmlns:a="http://schemas.openxmlformats.org/drawingml/2006/main" xmlns:r="http://schemas.openxmlformats.org/officeDocument/2006/relationships" xmlns:p="http://schemas.openxmlformats.org/presentationml/2006/main">
   <p:cSld>
     <p:spTree>
@@ -12490,23 +15329,48 @@
           <a:lstStyle/>
           <a:p>
             <a:r>
-              <a:rPr lang="en-US" dirty="0"/>
+              <a:rPr lang="en-US" dirty="0">
+                <a:solidFill>
+                  <a:schemeClr val="tx1"/>
+                </a:solidFill>
+                <a:latin typeface="Bahnschrift" panose="020B0502040204020203" pitchFamily="34" charset="0"/>
+              </a:rPr>
               <a:t>IoT </a:t>
             </a:r>
             <a:r>
-              <a:rPr lang="en-US" dirty="0" err="1"/>
+              <a:rPr lang="en-US" dirty="0" err="1">
+                <a:solidFill>
+                  <a:schemeClr val="tx1"/>
+                </a:solidFill>
+                <a:latin typeface="Bahnschrift" panose="020B0502040204020203" pitchFamily="34" charset="0"/>
+              </a:rPr>
               <a:t>là</a:t>
             </a:r>
             <a:r>
-              <a:rPr lang="en-US" dirty="0"/>
-              <a:t> </a:t>
-            </a:r>
-            <a:r>
-              <a:rPr lang="en-US" dirty="0" err="1"/>
+              <a:rPr lang="en-US" dirty="0">
+                <a:solidFill>
+                  <a:schemeClr val="tx1"/>
+                </a:solidFill>
+                <a:latin typeface="Bahnschrift" panose="020B0502040204020203" pitchFamily="34" charset="0"/>
+              </a:rPr>
+              <a:t> </a:t>
+            </a:r>
+            <a:r>
+              <a:rPr lang="en-US" dirty="0" err="1">
+                <a:solidFill>
+                  <a:schemeClr val="tx1"/>
+                </a:solidFill>
+                <a:latin typeface="Bahnschrift" panose="020B0502040204020203" pitchFamily="34" charset="0"/>
+              </a:rPr>
               <a:t>gì</a:t>
             </a:r>
             <a:r>
-              <a:rPr lang="en-US" dirty="0"/>
+              <a:rPr lang="en-US" dirty="0">
+                <a:solidFill>
+                  <a:schemeClr val="tx1"/>
+                </a:solidFill>
+                <a:latin typeface="Bahnschrift" panose="020B0502040204020203" pitchFamily="34" charset="0"/>
+              </a:rPr>
               <a:t>?</a:t>
             </a:r>
           </a:p>
@@ -12548,6 +15412,355 @@
           </a:prstGeom>
         </p:spPr>
       </p:pic>
+      <p:pic>
+        <p:nvPicPr>
+          <p:cNvPr id="11" name="Picture 5" descr="C:\Users\TIEU_YEN_TU\Desktop\siu.png">
+            <a:extLst>
+              <a:ext uri="{FF2B5EF4-FFF2-40B4-BE49-F238E27FC236}">
+                <a16:creationId xmlns:a16="http://schemas.microsoft.com/office/drawing/2014/main" id="{F4D96AF6-75D0-40F2-A8D0-09645697E250}"/>
+              </a:ext>
+            </a:extLst>
+          </p:cNvPr>
+          <p:cNvPicPr>
+            <a:picLocks noChangeAspect="1" noChangeArrowheads="1"/>
+          </p:cNvPicPr>
+          <p:nvPr/>
+        </p:nvPicPr>
+        <p:blipFill>
+          <a:blip r:embed="rId3">
+            <a:extLst>
+              <a:ext uri="{BEBA8EAE-BF5A-486C-A8C5-ECC9F3942E4B}">
+                <a14:imgProps xmlns:a14="http://schemas.microsoft.com/office/drawing/2010/main">
+                  <a14:imgLayer r:embed="rId4">
+                    <a14:imgEffect>
+                      <a14:saturation sat="300000"/>
+                    </a14:imgEffect>
+                  </a14:imgLayer>
+                </a14:imgProps>
+              </a:ext>
+              <a:ext uri="{28A0092B-C50C-407E-A947-70E740481C1C}">
+                <a14:useLocalDpi xmlns:a14="http://schemas.microsoft.com/office/drawing/2010/main" val="0"/>
+              </a:ext>
+            </a:extLst>
+          </a:blip>
+          <a:srcRect/>
+          <a:stretch>
+            <a:fillRect/>
+          </a:stretch>
+        </p:blipFill>
+        <p:spPr bwMode="auto">
+          <a:xfrm>
+            <a:off x="0" y="158919"/>
+            <a:ext cx="3186113" cy="981075"/>
+          </a:xfrm>
+          <a:prstGeom prst="rect">
+            <a:avLst/>
+          </a:prstGeom>
+          <a:noFill/>
+          <a:ln>
+            <a:noFill/>
+          </a:ln>
+          <a:extLst>
+            <a:ext uri="{909E8E84-426E-40DD-AFC4-6F175D3DCCD1}">
+              <a14:hiddenFill xmlns:a14="http://schemas.microsoft.com/office/drawing/2010/main">
+                <a:solidFill>
+                  <a:srgbClr val="FFFFFF"/>
+                </a:solidFill>
+              </a14:hiddenFill>
+            </a:ext>
+            <a:ext uri="{91240B29-F687-4F45-9708-019B960494DF}">
+              <a14:hiddenLine xmlns:a14="http://schemas.microsoft.com/office/drawing/2010/main" w="9525">
+                <a:solidFill>
+                  <a:srgbClr val="000000"/>
+                </a:solidFill>
+                <a:miter lim="800000"/>
+                <a:headEnd/>
+                <a:tailEnd/>
+              </a14:hiddenLine>
+            </a:ext>
+          </a:extLst>
+        </p:spPr>
+      </p:pic>
+      <p:sp>
+        <p:nvSpPr>
+          <p:cNvPr id="12" name="Rectangle 11">
+            <a:extLst>
+              <a:ext uri="{FF2B5EF4-FFF2-40B4-BE49-F238E27FC236}">
+                <a16:creationId xmlns:a16="http://schemas.microsoft.com/office/drawing/2014/main" id="{9587E7CC-971F-4FC7-9419-34F2CF72EB95}"/>
+              </a:ext>
+            </a:extLst>
+          </p:cNvPr>
+          <p:cNvSpPr/>
+          <p:nvPr/>
+        </p:nvSpPr>
+        <p:spPr>
+          <a:xfrm>
+            <a:off x="0" y="6524625"/>
+            <a:ext cx="12192000" cy="333375"/>
+          </a:xfrm>
+          <a:prstGeom prst="rect">
+            <a:avLst/>
+          </a:prstGeom>
+          <a:solidFill>
+            <a:srgbClr val="C00000"/>
+          </a:solidFill>
+          <a:ln>
+            <a:noFill/>
+          </a:ln>
+        </p:spPr>
+        <p:style>
+          <a:lnRef idx="2">
+            <a:schemeClr val="accent1">
+              <a:shade val="50000"/>
+            </a:schemeClr>
+          </a:lnRef>
+          <a:fillRef idx="1">
+            <a:schemeClr val="accent1"/>
+          </a:fillRef>
+          <a:effectRef idx="0">
+            <a:schemeClr val="accent1"/>
+          </a:effectRef>
+          <a:fontRef idx="minor">
+            <a:schemeClr val="lt1"/>
+          </a:fontRef>
+        </p:style>
+        <p:txBody>
+          <a:bodyPr anchor="ctr"/>
+          <a:lstStyle/>
+          <a:p>
+            <a:pPr algn="ctr" eaLnBrk="1" hangingPunct="1">
+              <a:defRPr/>
+            </a:pPr>
+            <a:endParaRPr lang="en-US">
+              <a:solidFill>
+                <a:srgbClr val="FFFFFF"/>
+              </a:solidFill>
+              <a:latin typeface="Arial" charset="0"/>
+              <a:cs typeface="Arial" charset="0"/>
+            </a:endParaRPr>
+          </a:p>
+        </p:txBody>
+      </p:sp>
+      <p:sp>
+        <p:nvSpPr>
+          <p:cNvPr id="13" name="Footer Placeholder 1">
+            <a:extLst>
+              <a:ext uri="{FF2B5EF4-FFF2-40B4-BE49-F238E27FC236}">
+                <a16:creationId xmlns:a16="http://schemas.microsoft.com/office/drawing/2014/main" id="{CC645410-8CE2-4DCA-9BE0-82E4E697CCFD}"/>
+              </a:ext>
+            </a:extLst>
+          </p:cNvPr>
+          <p:cNvSpPr txBox="1">
+            <a:spLocks/>
+          </p:cNvSpPr>
+          <p:nvPr/>
+        </p:nvSpPr>
+        <p:spPr bwMode="auto">
+          <a:xfrm>
+            <a:off x="5202959" y="6524625"/>
+            <a:ext cx="2001982" cy="333375"/>
+          </a:xfrm>
+          <a:noFill/>
+          <a:extLst>
+            <a:ext uri="{909E8E84-426E-40DD-AFC4-6F175D3DCCD1}">
+              <a14:hiddenFill xmlns:a14="http://schemas.microsoft.com/office/drawing/2010/main">
+                <a:solidFill>
+                  <a:srgbClr val="FFFFFF"/>
+                </a:solidFill>
+              </a14:hiddenFill>
+            </a:ext>
+            <a:ext uri="{91240B29-F687-4F45-9708-019B960494DF}">
+              <a14:hiddenLine xmlns:a14="http://schemas.microsoft.com/office/drawing/2010/main" w="9525">
+                <a:solidFill>
+                  <a:srgbClr val="000000"/>
+                </a:solidFill>
+                <a:miter lim="800000"/>
+                <a:headEnd/>
+                <a:tailEnd/>
+              </a14:hiddenLine>
+            </a:ext>
+          </a:extLst>
+        </p:spPr>
+        <p:txBody>
+          <a:bodyPr/>
+          <a:lstStyle>
+            <a:defPPr>
+              <a:defRPr lang="en-US"/>
+            </a:defPPr>
+            <a:lvl1pPr marL="0" algn="l" defTabSz="914400" rtl="0" eaLnBrk="1" latinLnBrk="0" hangingPunct="1">
+              <a:spcBef>
+                <a:spcPct val="20000"/>
+              </a:spcBef>
+              <a:buFont typeface="Arial" panose="020B0604020202020204" pitchFamily="34" charset="0"/>
+              <a:buChar char="•"/>
+              <a:defRPr sz="3200" kern="1200">
+                <a:solidFill>
+                  <a:schemeClr val="tx1"/>
+                </a:solidFill>
+                <a:latin typeface="Arial" panose="020B0604020202020204" pitchFamily="34" charset="0"/>
+                <a:ea typeface="+mn-ea"/>
+                <a:cs typeface="+mn-cs"/>
+              </a:defRPr>
+            </a:lvl1pPr>
+            <a:lvl2pPr marL="742950" indent="-285750" algn="l" defTabSz="914400" rtl="0" eaLnBrk="1" latinLnBrk="0" hangingPunct="1">
+              <a:spcBef>
+                <a:spcPct val="20000"/>
+              </a:spcBef>
+              <a:buFont typeface="Arial" panose="020B0604020202020204" pitchFamily="34" charset="0"/>
+              <a:buChar char="–"/>
+              <a:defRPr sz="2800" kern="1200">
+                <a:solidFill>
+                  <a:schemeClr val="tx1"/>
+                </a:solidFill>
+                <a:latin typeface="Arial" panose="020B0604020202020204" pitchFamily="34" charset="0"/>
+                <a:ea typeface="+mn-ea"/>
+                <a:cs typeface="+mn-cs"/>
+              </a:defRPr>
+            </a:lvl2pPr>
+            <a:lvl3pPr marL="1143000" indent="-228600" algn="l" defTabSz="914400" rtl="0" eaLnBrk="1" latinLnBrk="0" hangingPunct="1">
+              <a:spcBef>
+                <a:spcPct val="20000"/>
+              </a:spcBef>
+              <a:buFont typeface="Arial" panose="020B0604020202020204" pitchFamily="34" charset="0"/>
+              <a:buChar char="•"/>
+              <a:defRPr sz="2400" kern="1200">
+                <a:solidFill>
+                  <a:schemeClr val="tx1"/>
+                </a:solidFill>
+                <a:latin typeface="Arial" panose="020B0604020202020204" pitchFamily="34" charset="0"/>
+                <a:ea typeface="+mn-ea"/>
+                <a:cs typeface="+mn-cs"/>
+              </a:defRPr>
+            </a:lvl3pPr>
+            <a:lvl4pPr marL="1600200" indent="-228600" algn="l" defTabSz="914400" rtl="0" eaLnBrk="1" latinLnBrk="0" hangingPunct="1">
+              <a:spcBef>
+                <a:spcPct val="20000"/>
+              </a:spcBef>
+              <a:buFont typeface="Arial" panose="020B0604020202020204" pitchFamily="34" charset="0"/>
+              <a:buChar char="–"/>
+              <a:defRPr sz="2000" kern="1200">
+                <a:solidFill>
+                  <a:schemeClr val="tx1"/>
+                </a:solidFill>
+                <a:latin typeface="Arial" panose="020B0604020202020204" pitchFamily="34" charset="0"/>
+                <a:ea typeface="+mn-ea"/>
+                <a:cs typeface="+mn-cs"/>
+              </a:defRPr>
+            </a:lvl4pPr>
+            <a:lvl5pPr marL="2057400" indent="-228600" algn="l" defTabSz="914400" rtl="0" eaLnBrk="1" latinLnBrk="0" hangingPunct="1">
+              <a:spcBef>
+                <a:spcPct val="20000"/>
+              </a:spcBef>
+              <a:buFont typeface="Arial" panose="020B0604020202020204" pitchFamily="34" charset="0"/>
+              <a:buChar char="»"/>
+              <a:defRPr sz="2000" kern="1200">
+                <a:solidFill>
+                  <a:schemeClr val="tx1"/>
+                </a:solidFill>
+                <a:latin typeface="Arial" panose="020B0604020202020204" pitchFamily="34" charset="0"/>
+                <a:ea typeface="+mn-ea"/>
+                <a:cs typeface="+mn-cs"/>
+              </a:defRPr>
+            </a:lvl5pPr>
+            <a:lvl6pPr marL="2514600" indent="-228600" algn="l" defTabSz="914400" rtl="0" eaLnBrk="0" fontAlgn="base" latinLnBrk="0" hangingPunct="0">
+              <a:spcBef>
+                <a:spcPct val="20000"/>
+              </a:spcBef>
+              <a:spcAft>
+                <a:spcPct val="0"/>
+              </a:spcAft>
+              <a:buFont typeface="Arial" panose="020B0604020202020204" pitchFamily="34" charset="0"/>
+              <a:buChar char="»"/>
+              <a:defRPr sz="2000" kern="1200">
+                <a:solidFill>
+                  <a:schemeClr val="tx1"/>
+                </a:solidFill>
+                <a:latin typeface="Arial" panose="020B0604020202020204" pitchFamily="34" charset="0"/>
+                <a:ea typeface="+mn-ea"/>
+                <a:cs typeface="+mn-cs"/>
+              </a:defRPr>
+            </a:lvl6pPr>
+            <a:lvl7pPr marL="2971800" indent="-228600" algn="l" defTabSz="914400" rtl="0" eaLnBrk="0" fontAlgn="base" latinLnBrk="0" hangingPunct="0">
+              <a:spcBef>
+                <a:spcPct val="20000"/>
+              </a:spcBef>
+              <a:spcAft>
+                <a:spcPct val="0"/>
+              </a:spcAft>
+              <a:buFont typeface="Arial" panose="020B0604020202020204" pitchFamily="34" charset="0"/>
+              <a:buChar char="»"/>
+              <a:defRPr sz="2000" kern="1200">
+                <a:solidFill>
+                  <a:schemeClr val="tx1"/>
+                </a:solidFill>
+                <a:latin typeface="Arial" panose="020B0604020202020204" pitchFamily="34" charset="0"/>
+                <a:ea typeface="+mn-ea"/>
+                <a:cs typeface="+mn-cs"/>
+              </a:defRPr>
+            </a:lvl7pPr>
+            <a:lvl8pPr marL="3429000" indent="-228600" algn="l" defTabSz="914400" rtl="0" eaLnBrk="0" fontAlgn="base" latinLnBrk="0" hangingPunct="0">
+              <a:spcBef>
+                <a:spcPct val="20000"/>
+              </a:spcBef>
+              <a:spcAft>
+                <a:spcPct val="0"/>
+              </a:spcAft>
+              <a:buFont typeface="Arial" panose="020B0604020202020204" pitchFamily="34" charset="0"/>
+              <a:buChar char="»"/>
+              <a:defRPr sz="2000" kern="1200">
+                <a:solidFill>
+                  <a:schemeClr val="tx1"/>
+                </a:solidFill>
+                <a:latin typeface="Arial" panose="020B0604020202020204" pitchFamily="34" charset="0"/>
+                <a:ea typeface="+mn-ea"/>
+                <a:cs typeface="+mn-cs"/>
+              </a:defRPr>
+            </a:lvl8pPr>
+            <a:lvl9pPr marL="3886200" indent="-228600" algn="l" defTabSz="914400" rtl="0" eaLnBrk="0" fontAlgn="base" latinLnBrk="0" hangingPunct="0">
+              <a:spcBef>
+                <a:spcPct val="20000"/>
+              </a:spcBef>
+              <a:spcAft>
+                <a:spcPct val="0"/>
+              </a:spcAft>
+              <a:buFont typeface="Arial" panose="020B0604020202020204" pitchFamily="34" charset="0"/>
+              <a:buChar char="»"/>
+              <a:defRPr sz="2000" kern="1200">
+                <a:solidFill>
+                  <a:schemeClr val="tx1"/>
+                </a:solidFill>
+                <a:latin typeface="Arial" panose="020B0604020202020204" pitchFamily="34" charset="0"/>
+                <a:ea typeface="+mn-ea"/>
+                <a:cs typeface="+mn-cs"/>
+              </a:defRPr>
+            </a:lvl9pPr>
+          </a:lstStyle>
+          <a:p>
+            <a:pPr>
+              <a:spcBef>
+                <a:spcPct val="0"/>
+              </a:spcBef>
+              <a:buFontTx/>
+              <a:buNone/>
+            </a:pPr>
+            <a:r>
+              <a:rPr lang="en-US" altLang="en-US" sz="2000">
+                <a:solidFill>
+                  <a:srgbClr val="00B0F0"/>
+                </a:solidFill>
+                <a:cs typeface="Arial" panose="020B0604020202020204" pitchFamily="34" charset="0"/>
+              </a:rPr>
+              <a:t>www.siu.edu.vn</a:t>
+            </a:r>
+            <a:endParaRPr lang="en-US" altLang="en-US" sz="2000" dirty="0">
+              <a:solidFill>
+                <a:srgbClr val="00B0F0"/>
+              </a:solidFill>
+              <a:cs typeface="Arial" panose="020B0604020202020204" pitchFamily="34" charset="0"/>
+            </a:endParaRPr>
+          </a:p>
+        </p:txBody>
+      </p:sp>
     </p:spTree>
     <p:extLst>
       <p:ext uri="{BB962C8B-B14F-4D97-AF65-F5344CB8AC3E}">
@@ -12561,7 +15774,7 @@
 </p:sld>
 </file>
 
-<file path=ppt/slides/slide4.xml><?xml version="1.0" encoding="utf-8"?>
+<file path=ppt/slides/slide5.xml><?xml version="1.0" encoding="utf-8"?>
 <p:sld xmlns:a="http://schemas.openxmlformats.org/drawingml/2006/main" xmlns:r="http://schemas.openxmlformats.org/officeDocument/2006/relationships" xmlns:p="http://schemas.openxmlformats.org/presentationml/2006/main">
   <p:cSld>
     <p:spTree>
@@ -12730,7 +15943,7 @@
         </p:nvSpPr>
         <p:spPr>
           <a:xfrm>
-            <a:off x="152845" y="3636658"/>
+            <a:off x="152845" y="3540953"/>
             <a:ext cx="4489738" cy="2971967"/>
           </a:xfrm>
           <a:prstGeom prst="rect">
@@ -13582,10 +16795,13 @@
               </a:rPr>
               <a:t>chống</a:t>
             </a:r>
-            <a:endParaRPr lang="en-US" altLang="ko-KR" sz="1600" dirty="0">
-              <a:latin typeface="Times New Roman" panose="02020603050405020304" pitchFamily="18" charset="0"/>
-              <a:cs typeface="Times New Roman" panose="02020603050405020304" pitchFamily="18" charset="0"/>
-            </a:endParaRPr>
+            <a:r>
+              <a:rPr lang="en-US" altLang="ko-KR" sz="1600" dirty="0">
+                <a:latin typeface="Times New Roman" panose="02020603050405020304" pitchFamily="18" charset="0"/>
+                <a:cs typeface="Times New Roman" panose="02020603050405020304" pitchFamily="18" charset="0"/>
+              </a:rPr>
+              <a:t>.</a:t>
+            </a:r>
           </a:p>
         </p:txBody>
       </p:sp>
@@ -13607,8 +16823,8 @@
         </p:nvSpPr>
         <p:spPr>
           <a:xfrm>
-            <a:off x="597529" y="328764"/>
-            <a:ext cx="9907439" cy="724247"/>
+            <a:off x="2397714" y="351831"/>
+            <a:ext cx="9534762" cy="724247"/>
           </a:xfrm>
         </p:spPr>
         <p:txBody>
@@ -13617,6 +16833,7 @@
           </a:bodyPr>
           <a:lstStyle/>
           <a:p>
+            <a:pPr algn="ctr"/>
             <a:r>
               <a:rPr lang="en-US" altLang="ko-KR" dirty="0" err="1">
                 <a:solidFill>
@@ -13625,6 +16842,7 @@
                     <a:lumOff val="5000"/>
                   </a:schemeClr>
                 </a:solidFill>
+                <a:latin typeface="Bahnschrift" panose="020B0502040204020203" pitchFamily="34" charset="0"/>
               </a:rPr>
               <a:t>Như</a:t>
             </a:r>
@@ -13636,6 +16854,7 @@
                     <a:lumOff val="5000"/>
                   </a:schemeClr>
                 </a:solidFill>
+                <a:latin typeface="Bahnschrift" panose="020B0502040204020203" pitchFamily="34" charset="0"/>
               </a:rPr>
               <a:t> </a:t>
             </a:r>
@@ -13647,6 +16866,7 @@
                     <a:lumOff val="5000"/>
                   </a:schemeClr>
                 </a:solidFill>
+                <a:latin typeface="Bahnschrift" panose="020B0502040204020203" pitchFamily="34" charset="0"/>
               </a:rPr>
               <a:t>thế</a:t>
             </a:r>
@@ -13658,6 +16878,7 @@
                     <a:lumOff val="5000"/>
                   </a:schemeClr>
                 </a:solidFill>
+                <a:latin typeface="Bahnschrift" panose="020B0502040204020203" pitchFamily="34" charset="0"/>
               </a:rPr>
               <a:t> </a:t>
             </a:r>
@@ -13669,6 +16890,7 @@
                     <a:lumOff val="5000"/>
                   </a:schemeClr>
                 </a:solidFill>
+                <a:latin typeface="Bahnschrift" panose="020B0502040204020203" pitchFamily="34" charset="0"/>
               </a:rPr>
               <a:t>nào</a:t>
             </a:r>
@@ -13680,6 +16902,7 @@
                     <a:lumOff val="5000"/>
                   </a:schemeClr>
                 </a:solidFill>
+                <a:latin typeface="Bahnschrift" panose="020B0502040204020203" pitchFamily="34" charset="0"/>
               </a:rPr>
               <a:t> </a:t>
             </a:r>
@@ -13691,6 +16914,7 @@
                     <a:lumOff val="5000"/>
                   </a:schemeClr>
                 </a:solidFill>
+                <a:latin typeface="Bahnschrift" panose="020B0502040204020203" pitchFamily="34" charset="0"/>
               </a:rPr>
               <a:t>là</a:t>
             </a:r>
@@ -13702,6 +16926,7 @@
                     <a:lumOff val="5000"/>
                   </a:schemeClr>
                 </a:solidFill>
+                <a:latin typeface="Bahnschrift" panose="020B0502040204020203" pitchFamily="34" charset="0"/>
               </a:rPr>
               <a:t> Smart Parking </a:t>
             </a:r>
@@ -13712,6 +16937,7 @@
                   <a:lumOff val="5000"/>
                 </a:schemeClr>
               </a:solidFill>
+              <a:latin typeface="Bahnschrift" panose="020B0502040204020203" pitchFamily="34" charset="0"/>
             </a:endParaRPr>
           </a:p>
         </p:txBody>
@@ -14612,6 +17838,355 @@
           </a:p>
         </p:txBody>
       </p:sp>
+      <p:pic>
+        <p:nvPicPr>
+          <p:cNvPr id="9" name="Picture 5" descr="C:\Users\TIEU_YEN_TU\Desktop\siu.png">
+            <a:extLst>
+              <a:ext uri="{FF2B5EF4-FFF2-40B4-BE49-F238E27FC236}">
+                <a16:creationId xmlns:a16="http://schemas.microsoft.com/office/drawing/2014/main" id="{A6E9F74F-B5D0-4296-BE07-908E1CD1998B}"/>
+              </a:ext>
+            </a:extLst>
+          </p:cNvPr>
+          <p:cNvPicPr>
+            <a:picLocks noChangeAspect="1" noChangeArrowheads="1"/>
+          </p:cNvPicPr>
+          <p:nvPr/>
+        </p:nvPicPr>
+        <p:blipFill>
+          <a:blip r:embed="rId3">
+            <a:extLst>
+              <a:ext uri="{BEBA8EAE-BF5A-486C-A8C5-ECC9F3942E4B}">
+                <a14:imgProps xmlns:a14="http://schemas.microsoft.com/office/drawing/2010/main">
+                  <a14:imgLayer r:embed="rId4">
+                    <a14:imgEffect>
+                      <a14:saturation sat="300000"/>
+                    </a14:imgEffect>
+                  </a14:imgLayer>
+                </a14:imgProps>
+              </a:ext>
+              <a:ext uri="{28A0092B-C50C-407E-A947-70E740481C1C}">
+                <a14:useLocalDpi xmlns:a14="http://schemas.microsoft.com/office/drawing/2010/main" val="0"/>
+              </a:ext>
+            </a:extLst>
+          </a:blip>
+          <a:srcRect/>
+          <a:stretch>
+            <a:fillRect/>
+          </a:stretch>
+        </p:blipFill>
+        <p:spPr bwMode="auto">
+          <a:xfrm>
+            <a:off x="6271" y="0"/>
+            <a:ext cx="2459837" cy="981075"/>
+          </a:xfrm>
+          <a:prstGeom prst="rect">
+            <a:avLst/>
+          </a:prstGeom>
+          <a:noFill/>
+          <a:ln>
+            <a:noFill/>
+          </a:ln>
+          <a:extLst>
+            <a:ext uri="{909E8E84-426E-40DD-AFC4-6F175D3DCCD1}">
+              <a14:hiddenFill xmlns:a14="http://schemas.microsoft.com/office/drawing/2010/main">
+                <a:solidFill>
+                  <a:srgbClr val="FFFFFF"/>
+                </a:solidFill>
+              </a14:hiddenFill>
+            </a:ext>
+            <a:ext uri="{91240B29-F687-4F45-9708-019B960494DF}">
+              <a14:hiddenLine xmlns:a14="http://schemas.microsoft.com/office/drawing/2010/main" w="9525">
+                <a:solidFill>
+                  <a:srgbClr val="000000"/>
+                </a:solidFill>
+                <a:miter lim="800000"/>
+                <a:headEnd/>
+                <a:tailEnd/>
+              </a14:hiddenLine>
+            </a:ext>
+          </a:extLst>
+        </p:spPr>
+      </p:pic>
+      <p:sp>
+        <p:nvSpPr>
+          <p:cNvPr id="10" name="Rectangle 9">
+            <a:extLst>
+              <a:ext uri="{FF2B5EF4-FFF2-40B4-BE49-F238E27FC236}">
+                <a16:creationId xmlns:a16="http://schemas.microsoft.com/office/drawing/2014/main" id="{69224D93-12D6-4FFE-8714-84803116EB63}"/>
+              </a:ext>
+            </a:extLst>
+          </p:cNvPr>
+          <p:cNvSpPr/>
+          <p:nvPr/>
+        </p:nvSpPr>
+        <p:spPr>
+          <a:xfrm>
+            <a:off x="0" y="6524625"/>
+            <a:ext cx="12192000" cy="333375"/>
+          </a:xfrm>
+          <a:prstGeom prst="rect">
+            <a:avLst/>
+          </a:prstGeom>
+          <a:solidFill>
+            <a:srgbClr val="C00000"/>
+          </a:solidFill>
+          <a:ln>
+            <a:noFill/>
+          </a:ln>
+        </p:spPr>
+        <p:style>
+          <a:lnRef idx="2">
+            <a:schemeClr val="accent1">
+              <a:shade val="50000"/>
+            </a:schemeClr>
+          </a:lnRef>
+          <a:fillRef idx="1">
+            <a:schemeClr val="accent1"/>
+          </a:fillRef>
+          <a:effectRef idx="0">
+            <a:schemeClr val="accent1"/>
+          </a:effectRef>
+          <a:fontRef idx="minor">
+            <a:schemeClr val="lt1"/>
+          </a:fontRef>
+        </p:style>
+        <p:txBody>
+          <a:bodyPr anchor="ctr"/>
+          <a:lstStyle/>
+          <a:p>
+            <a:pPr algn="ctr" eaLnBrk="1" hangingPunct="1">
+              <a:defRPr/>
+            </a:pPr>
+            <a:endParaRPr lang="en-US">
+              <a:solidFill>
+                <a:srgbClr val="FFFFFF"/>
+              </a:solidFill>
+              <a:latin typeface="Arial" charset="0"/>
+              <a:cs typeface="Arial" charset="0"/>
+            </a:endParaRPr>
+          </a:p>
+        </p:txBody>
+      </p:sp>
+      <p:sp>
+        <p:nvSpPr>
+          <p:cNvPr id="12" name="Footer Placeholder 1">
+            <a:extLst>
+              <a:ext uri="{FF2B5EF4-FFF2-40B4-BE49-F238E27FC236}">
+                <a16:creationId xmlns:a16="http://schemas.microsoft.com/office/drawing/2014/main" id="{9D238442-C2C1-43BF-BE33-3E0EEF24D80E}"/>
+              </a:ext>
+            </a:extLst>
+          </p:cNvPr>
+          <p:cNvSpPr txBox="1">
+            <a:spLocks/>
+          </p:cNvSpPr>
+          <p:nvPr/>
+        </p:nvSpPr>
+        <p:spPr bwMode="auto">
+          <a:xfrm>
+            <a:off x="5202959" y="6524625"/>
+            <a:ext cx="2001982" cy="333375"/>
+          </a:xfrm>
+          <a:noFill/>
+          <a:extLst>
+            <a:ext uri="{909E8E84-426E-40DD-AFC4-6F175D3DCCD1}">
+              <a14:hiddenFill xmlns:a14="http://schemas.microsoft.com/office/drawing/2010/main">
+                <a:solidFill>
+                  <a:srgbClr val="FFFFFF"/>
+                </a:solidFill>
+              </a14:hiddenFill>
+            </a:ext>
+            <a:ext uri="{91240B29-F687-4F45-9708-019B960494DF}">
+              <a14:hiddenLine xmlns:a14="http://schemas.microsoft.com/office/drawing/2010/main" w="9525">
+                <a:solidFill>
+                  <a:srgbClr val="000000"/>
+                </a:solidFill>
+                <a:miter lim="800000"/>
+                <a:headEnd/>
+                <a:tailEnd/>
+              </a14:hiddenLine>
+            </a:ext>
+          </a:extLst>
+        </p:spPr>
+        <p:txBody>
+          <a:bodyPr/>
+          <a:lstStyle>
+            <a:defPPr>
+              <a:defRPr lang="en-US"/>
+            </a:defPPr>
+            <a:lvl1pPr marL="0" algn="l" defTabSz="914400" rtl="0" eaLnBrk="1" latinLnBrk="0" hangingPunct="1">
+              <a:spcBef>
+                <a:spcPct val="20000"/>
+              </a:spcBef>
+              <a:buFont typeface="Arial" panose="020B0604020202020204" pitchFamily="34" charset="0"/>
+              <a:buChar char="•"/>
+              <a:defRPr sz="3200" kern="1200">
+                <a:solidFill>
+                  <a:schemeClr val="tx1"/>
+                </a:solidFill>
+                <a:latin typeface="Arial" panose="020B0604020202020204" pitchFamily="34" charset="0"/>
+                <a:ea typeface="+mn-ea"/>
+                <a:cs typeface="+mn-cs"/>
+              </a:defRPr>
+            </a:lvl1pPr>
+            <a:lvl2pPr marL="742950" indent="-285750" algn="l" defTabSz="914400" rtl="0" eaLnBrk="1" latinLnBrk="0" hangingPunct="1">
+              <a:spcBef>
+                <a:spcPct val="20000"/>
+              </a:spcBef>
+              <a:buFont typeface="Arial" panose="020B0604020202020204" pitchFamily="34" charset="0"/>
+              <a:buChar char="–"/>
+              <a:defRPr sz="2800" kern="1200">
+                <a:solidFill>
+                  <a:schemeClr val="tx1"/>
+                </a:solidFill>
+                <a:latin typeface="Arial" panose="020B0604020202020204" pitchFamily="34" charset="0"/>
+                <a:ea typeface="+mn-ea"/>
+                <a:cs typeface="+mn-cs"/>
+              </a:defRPr>
+            </a:lvl2pPr>
+            <a:lvl3pPr marL="1143000" indent="-228600" algn="l" defTabSz="914400" rtl="0" eaLnBrk="1" latinLnBrk="0" hangingPunct="1">
+              <a:spcBef>
+                <a:spcPct val="20000"/>
+              </a:spcBef>
+              <a:buFont typeface="Arial" panose="020B0604020202020204" pitchFamily="34" charset="0"/>
+              <a:buChar char="•"/>
+              <a:defRPr sz="2400" kern="1200">
+                <a:solidFill>
+                  <a:schemeClr val="tx1"/>
+                </a:solidFill>
+                <a:latin typeface="Arial" panose="020B0604020202020204" pitchFamily="34" charset="0"/>
+                <a:ea typeface="+mn-ea"/>
+                <a:cs typeface="+mn-cs"/>
+              </a:defRPr>
+            </a:lvl3pPr>
+            <a:lvl4pPr marL="1600200" indent="-228600" algn="l" defTabSz="914400" rtl="0" eaLnBrk="1" latinLnBrk="0" hangingPunct="1">
+              <a:spcBef>
+                <a:spcPct val="20000"/>
+              </a:spcBef>
+              <a:buFont typeface="Arial" panose="020B0604020202020204" pitchFamily="34" charset="0"/>
+              <a:buChar char="–"/>
+              <a:defRPr sz="2000" kern="1200">
+                <a:solidFill>
+                  <a:schemeClr val="tx1"/>
+                </a:solidFill>
+                <a:latin typeface="Arial" panose="020B0604020202020204" pitchFamily="34" charset="0"/>
+                <a:ea typeface="+mn-ea"/>
+                <a:cs typeface="+mn-cs"/>
+              </a:defRPr>
+            </a:lvl4pPr>
+            <a:lvl5pPr marL="2057400" indent="-228600" algn="l" defTabSz="914400" rtl="0" eaLnBrk="1" latinLnBrk="0" hangingPunct="1">
+              <a:spcBef>
+                <a:spcPct val="20000"/>
+              </a:spcBef>
+              <a:buFont typeface="Arial" panose="020B0604020202020204" pitchFamily="34" charset="0"/>
+              <a:buChar char="»"/>
+              <a:defRPr sz="2000" kern="1200">
+                <a:solidFill>
+                  <a:schemeClr val="tx1"/>
+                </a:solidFill>
+                <a:latin typeface="Arial" panose="020B0604020202020204" pitchFamily="34" charset="0"/>
+                <a:ea typeface="+mn-ea"/>
+                <a:cs typeface="+mn-cs"/>
+              </a:defRPr>
+            </a:lvl5pPr>
+            <a:lvl6pPr marL="2514600" indent="-228600" algn="l" defTabSz="914400" rtl="0" eaLnBrk="0" fontAlgn="base" latinLnBrk="0" hangingPunct="0">
+              <a:spcBef>
+                <a:spcPct val="20000"/>
+              </a:spcBef>
+              <a:spcAft>
+                <a:spcPct val="0"/>
+              </a:spcAft>
+              <a:buFont typeface="Arial" panose="020B0604020202020204" pitchFamily="34" charset="0"/>
+              <a:buChar char="»"/>
+              <a:defRPr sz="2000" kern="1200">
+                <a:solidFill>
+                  <a:schemeClr val="tx1"/>
+                </a:solidFill>
+                <a:latin typeface="Arial" panose="020B0604020202020204" pitchFamily="34" charset="0"/>
+                <a:ea typeface="+mn-ea"/>
+                <a:cs typeface="+mn-cs"/>
+              </a:defRPr>
+            </a:lvl6pPr>
+            <a:lvl7pPr marL="2971800" indent="-228600" algn="l" defTabSz="914400" rtl="0" eaLnBrk="0" fontAlgn="base" latinLnBrk="0" hangingPunct="0">
+              <a:spcBef>
+                <a:spcPct val="20000"/>
+              </a:spcBef>
+              <a:spcAft>
+                <a:spcPct val="0"/>
+              </a:spcAft>
+              <a:buFont typeface="Arial" panose="020B0604020202020204" pitchFamily="34" charset="0"/>
+              <a:buChar char="»"/>
+              <a:defRPr sz="2000" kern="1200">
+                <a:solidFill>
+                  <a:schemeClr val="tx1"/>
+                </a:solidFill>
+                <a:latin typeface="Arial" panose="020B0604020202020204" pitchFamily="34" charset="0"/>
+                <a:ea typeface="+mn-ea"/>
+                <a:cs typeface="+mn-cs"/>
+              </a:defRPr>
+            </a:lvl7pPr>
+            <a:lvl8pPr marL="3429000" indent="-228600" algn="l" defTabSz="914400" rtl="0" eaLnBrk="0" fontAlgn="base" latinLnBrk="0" hangingPunct="0">
+              <a:spcBef>
+                <a:spcPct val="20000"/>
+              </a:spcBef>
+              <a:spcAft>
+                <a:spcPct val="0"/>
+              </a:spcAft>
+              <a:buFont typeface="Arial" panose="020B0604020202020204" pitchFamily="34" charset="0"/>
+              <a:buChar char="»"/>
+              <a:defRPr sz="2000" kern="1200">
+                <a:solidFill>
+                  <a:schemeClr val="tx1"/>
+                </a:solidFill>
+                <a:latin typeface="Arial" panose="020B0604020202020204" pitchFamily="34" charset="0"/>
+                <a:ea typeface="+mn-ea"/>
+                <a:cs typeface="+mn-cs"/>
+              </a:defRPr>
+            </a:lvl8pPr>
+            <a:lvl9pPr marL="3886200" indent="-228600" algn="l" defTabSz="914400" rtl="0" eaLnBrk="0" fontAlgn="base" latinLnBrk="0" hangingPunct="0">
+              <a:spcBef>
+                <a:spcPct val="20000"/>
+              </a:spcBef>
+              <a:spcAft>
+                <a:spcPct val="0"/>
+              </a:spcAft>
+              <a:buFont typeface="Arial" panose="020B0604020202020204" pitchFamily="34" charset="0"/>
+              <a:buChar char="»"/>
+              <a:defRPr sz="2000" kern="1200">
+                <a:solidFill>
+                  <a:schemeClr val="tx1"/>
+                </a:solidFill>
+                <a:latin typeface="Arial" panose="020B0604020202020204" pitchFamily="34" charset="0"/>
+                <a:ea typeface="+mn-ea"/>
+                <a:cs typeface="+mn-cs"/>
+              </a:defRPr>
+            </a:lvl9pPr>
+          </a:lstStyle>
+          <a:p>
+            <a:pPr>
+              <a:spcBef>
+                <a:spcPct val="0"/>
+              </a:spcBef>
+              <a:buFontTx/>
+              <a:buNone/>
+            </a:pPr>
+            <a:r>
+              <a:rPr lang="en-US" altLang="en-US" sz="2000">
+                <a:solidFill>
+                  <a:srgbClr val="00B0F0"/>
+                </a:solidFill>
+                <a:cs typeface="Arial" panose="020B0604020202020204" pitchFamily="34" charset="0"/>
+              </a:rPr>
+              <a:t>www.siu.edu.vn</a:t>
+            </a:r>
+            <a:endParaRPr lang="en-US" altLang="en-US" sz="2000" dirty="0">
+              <a:solidFill>
+                <a:srgbClr val="00B0F0"/>
+              </a:solidFill>
+              <a:cs typeface="Arial" panose="020B0604020202020204" pitchFamily="34" charset="0"/>
+            </a:endParaRPr>
+          </a:p>
+        </p:txBody>
+      </p:sp>
     </p:spTree>
     <p:extLst>
       <p:ext uri="{BB962C8B-B14F-4D97-AF65-F5344CB8AC3E}">
@@ -14625,6 +18200,3072 @@
   <p:transition spd="med">
     <p:push dir="u"/>
   </p:transition>
+</p:sld>
+</file>
+
+<file path=ppt/slides/slide6.xml><?xml version="1.0" encoding="utf-8"?>
+<p:sld xmlns:a="http://schemas.openxmlformats.org/drawingml/2006/main" xmlns:r="http://schemas.openxmlformats.org/officeDocument/2006/relationships" xmlns:p="http://schemas.openxmlformats.org/presentationml/2006/main">
+  <p:cSld>
+    <p:spTree>
+      <p:nvGrpSpPr>
+        <p:cNvPr id="1" name=""/>
+        <p:cNvGrpSpPr/>
+        <p:nvPr/>
+      </p:nvGrpSpPr>
+      <p:grpSpPr>
+        <a:xfrm>
+          <a:off x="0" y="0"/>
+          <a:ext cx="0" cy="0"/>
+          <a:chOff x="0" y="0"/>
+          <a:chExt cx="0" cy="0"/>
+        </a:xfrm>
+      </p:grpSpPr>
+      <p:pic>
+        <p:nvPicPr>
+          <p:cNvPr id="4" name="Picture Placeholder 3">
+            <a:extLst>
+              <a:ext uri="{FF2B5EF4-FFF2-40B4-BE49-F238E27FC236}">
+                <a16:creationId xmlns:a16="http://schemas.microsoft.com/office/drawing/2014/main" id="{879631B7-18F3-467A-8B39-95F60B94FEBA}"/>
+              </a:ext>
+            </a:extLst>
+          </p:cNvPr>
+          <p:cNvPicPr>
+            <a:picLocks noGrp="1" noChangeAspect="1"/>
+          </p:cNvPicPr>
+          <p:nvPr>
+            <p:ph type="pic" sz="quarter" idx="65"/>
+          </p:nvPr>
+        </p:nvPicPr>
+        <p:blipFill rotWithShape="1">
+          <a:blip r:embed="rId2">
+            <a:extLst>
+              <a:ext uri="{28A0092B-C50C-407E-A947-70E740481C1C}">
+                <a14:useLocalDpi xmlns:a14="http://schemas.microsoft.com/office/drawing/2010/main" val="0"/>
+              </a:ext>
+            </a:extLst>
+          </a:blip>
+          <a:srcRect l="445" r="10653"/>
+          <a:stretch/>
+        </p:blipFill>
+        <p:spPr>
+          <a:xfrm>
+            <a:off x="-1" y="0"/>
+            <a:ext cx="8257309" cy="6858000"/>
+          </a:xfrm>
+        </p:spPr>
+      </p:pic>
+      <p:sp>
+        <p:nvSpPr>
+          <p:cNvPr id="5" name="TextBox 4">
+            <a:extLst>
+              <a:ext uri="{FF2B5EF4-FFF2-40B4-BE49-F238E27FC236}">
+                <a16:creationId xmlns:a16="http://schemas.microsoft.com/office/drawing/2014/main" id="{A6597A3C-7B24-42D7-A6FF-705E6F77DBDC}"/>
+              </a:ext>
+            </a:extLst>
+          </p:cNvPr>
+          <p:cNvSpPr txBox="1"/>
+          <p:nvPr/>
+        </p:nvSpPr>
+        <p:spPr>
+          <a:xfrm>
+            <a:off x="4645892" y="212436"/>
+            <a:ext cx="7398328" cy="923330"/>
+          </a:xfrm>
+          <a:prstGeom prst="rect">
+            <a:avLst/>
+          </a:prstGeom>
+          <a:noFill/>
+        </p:spPr>
+        <p:txBody>
+          <a:bodyPr wrap="square" rtlCol="0">
+            <a:spAutoFit/>
+          </a:bodyPr>
+          <a:lstStyle/>
+          <a:p>
+            <a:pPr algn="ctr"/>
+            <a:r>
+              <a:rPr lang="en-US" sz="5400" dirty="0" err="1">
+                <a:latin typeface="Bahnschrift" panose="020B0502040204020203" pitchFamily="34" charset="0"/>
+              </a:rPr>
+              <a:t>Tại</a:t>
+            </a:r>
+            <a:r>
+              <a:rPr lang="en-US" sz="5400" dirty="0">
+                <a:latin typeface="Bahnschrift" panose="020B0502040204020203" pitchFamily="34" charset="0"/>
+              </a:rPr>
+              <a:t> </a:t>
+            </a:r>
+            <a:r>
+              <a:rPr lang="en-US" sz="5400" dirty="0" err="1">
+                <a:latin typeface="Bahnschrift" panose="020B0502040204020203" pitchFamily="34" charset="0"/>
+              </a:rPr>
+              <a:t>sao</a:t>
+            </a:r>
+            <a:r>
+              <a:rPr lang="en-US" sz="5400" dirty="0">
+                <a:latin typeface="Bahnschrift" panose="020B0502040204020203" pitchFamily="34" charset="0"/>
+              </a:rPr>
+              <a:t> </a:t>
+            </a:r>
+            <a:r>
+              <a:rPr lang="en-US" sz="5400" dirty="0" err="1">
+                <a:latin typeface="Bahnschrift" panose="020B0502040204020203" pitchFamily="34" charset="0"/>
+              </a:rPr>
+              <a:t>nó</a:t>
+            </a:r>
+            <a:r>
+              <a:rPr lang="en-US" sz="5400" dirty="0">
+                <a:latin typeface="Bahnschrift" panose="020B0502040204020203" pitchFamily="34" charset="0"/>
+              </a:rPr>
+              <a:t> </a:t>
+            </a:r>
+            <a:r>
+              <a:rPr lang="en-US" sz="5400" dirty="0" err="1">
+                <a:latin typeface="Bahnschrift" panose="020B0502040204020203" pitchFamily="34" charset="0"/>
+              </a:rPr>
+              <a:t>lại</a:t>
+            </a:r>
+            <a:r>
+              <a:rPr lang="en-US" sz="5400" dirty="0">
+                <a:latin typeface="Bahnschrift" panose="020B0502040204020203" pitchFamily="34" charset="0"/>
+              </a:rPr>
+              <a:t> </a:t>
+            </a:r>
+            <a:r>
+              <a:rPr lang="en-US" sz="5400" dirty="0" err="1">
+                <a:latin typeface="Bahnschrift" panose="020B0502040204020203" pitchFamily="34" charset="0"/>
+              </a:rPr>
+              <a:t>cần</a:t>
+            </a:r>
+            <a:r>
+              <a:rPr lang="en-US" sz="5400" dirty="0">
+                <a:latin typeface="Bahnschrift" panose="020B0502040204020203" pitchFamily="34" charset="0"/>
+              </a:rPr>
+              <a:t> </a:t>
+            </a:r>
+            <a:r>
+              <a:rPr lang="en-US" sz="5400" dirty="0" err="1">
+                <a:latin typeface="Bahnschrift" panose="020B0502040204020203" pitchFamily="34" charset="0"/>
+              </a:rPr>
+              <a:t>thiết</a:t>
+            </a:r>
+            <a:endParaRPr lang="en-US" sz="5400" dirty="0">
+              <a:latin typeface="Bahnschrift" panose="020B0502040204020203" pitchFamily="34" charset="0"/>
+            </a:endParaRPr>
+          </a:p>
+        </p:txBody>
+      </p:sp>
+      <p:sp>
+        <p:nvSpPr>
+          <p:cNvPr id="6" name="Rectangle 5">
+            <a:extLst>
+              <a:ext uri="{FF2B5EF4-FFF2-40B4-BE49-F238E27FC236}">
+                <a16:creationId xmlns:a16="http://schemas.microsoft.com/office/drawing/2014/main" id="{1AB9BE89-177C-4083-8CA9-919C21C7FDD7}"/>
+              </a:ext>
+            </a:extLst>
+          </p:cNvPr>
+          <p:cNvSpPr/>
+          <p:nvPr/>
+        </p:nvSpPr>
+        <p:spPr>
+          <a:xfrm>
+            <a:off x="0" y="6524625"/>
+            <a:ext cx="12192000" cy="333375"/>
+          </a:xfrm>
+          <a:prstGeom prst="rect">
+            <a:avLst/>
+          </a:prstGeom>
+          <a:solidFill>
+            <a:srgbClr val="C00000"/>
+          </a:solidFill>
+          <a:ln>
+            <a:noFill/>
+          </a:ln>
+        </p:spPr>
+        <p:style>
+          <a:lnRef idx="2">
+            <a:schemeClr val="accent1">
+              <a:shade val="50000"/>
+            </a:schemeClr>
+          </a:lnRef>
+          <a:fillRef idx="1">
+            <a:schemeClr val="accent1"/>
+          </a:fillRef>
+          <a:effectRef idx="0">
+            <a:schemeClr val="accent1"/>
+          </a:effectRef>
+          <a:fontRef idx="minor">
+            <a:schemeClr val="lt1"/>
+          </a:fontRef>
+        </p:style>
+        <p:txBody>
+          <a:bodyPr anchor="ctr"/>
+          <a:lstStyle/>
+          <a:p>
+            <a:pPr algn="ctr" eaLnBrk="1" hangingPunct="1">
+              <a:defRPr/>
+            </a:pPr>
+            <a:endParaRPr lang="en-US">
+              <a:solidFill>
+                <a:srgbClr val="FFFFFF"/>
+              </a:solidFill>
+              <a:latin typeface="Arial" charset="0"/>
+              <a:cs typeface="Arial" charset="0"/>
+            </a:endParaRPr>
+          </a:p>
+        </p:txBody>
+      </p:sp>
+      <p:sp>
+        <p:nvSpPr>
+          <p:cNvPr id="7" name="Footer Placeholder 1">
+            <a:extLst>
+              <a:ext uri="{FF2B5EF4-FFF2-40B4-BE49-F238E27FC236}">
+                <a16:creationId xmlns:a16="http://schemas.microsoft.com/office/drawing/2014/main" id="{BD7D9C0B-6D69-4B0E-94F9-4019C9152810}"/>
+              </a:ext>
+            </a:extLst>
+          </p:cNvPr>
+          <p:cNvSpPr txBox="1">
+            <a:spLocks/>
+          </p:cNvSpPr>
+          <p:nvPr/>
+        </p:nvSpPr>
+        <p:spPr bwMode="auto">
+          <a:xfrm>
+            <a:off x="5202959" y="6524625"/>
+            <a:ext cx="2001982" cy="333375"/>
+          </a:xfrm>
+          <a:noFill/>
+          <a:extLst>
+            <a:ext uri="{909E8E84-426E-40DD-AFC4-6F175D3DCCD1}">
+              <a14:hiddenFill xmlns:a14="http://schemas.microsoft.com/office/drawing/2010/main">
+                <a:solidFill>
+                  <a:srgbClr val="FFFFFF"/>
+                </a:solidFill>
+              </a14:hiddenFill>
+            </a:ext>
+            <a:ext uri="{91240B29-F687-4F45-9708-019B960494DF}">
+              <a14:hiddenLine xmlns:a14="http://schemas.microsoft.com/office/drawing/2010/main" w="9525">
+                <a:solidFill>
+                  <a:srgbClr val="000000"/>
+                </a:solidFill>
+                <a:miter lim="800000"/>
+                <a:headEnd/>
+                <a:tailEnd/>
+              </a14:hiddenLine>
+            </a:ext>
+          </a:extLst>
+        </p:spPr>
+        <p:txBody>
+          <a:bodyPr/>
+          <a:lstStyle>
+            <a:defPPr>
+              <a:defRPr lang="en-US"/>
+            </a:defPPr>
+            <a:lvl1pPr marL="0" algn="l" defTabSz="914400" rtl="0" eaLnBrk="1" latinLnBrk="0" hangingPunct="1">
+              <a:spcBef>
+                <a:spcPct val="20000"/>
+              </a:spcBef>
+              <a:buFont typeface="Arial" panose="020B0604020202020204" pitchFamily="34" charset="0"/>
+              <a:buChar char="•"/>
+              <a:defRPr sz="3200" kern="1200">
+                <a:solidFill>
+                  <a:schemeClr val="tx1"/>
+                </a:solidFill>
+                <a:latin typeface="Arial" panose="020B0604020202020204" pitchFamily="34" charset="0"/>
+                <a:ea typeface="+mn-ea"/>
+                <a:cs typeface="+mn-cs"/>
+              </a:defRPr>
+            </a:lvl1pPr>
+            <a:lvl2pPr marL="742950" indent="-285750" algn="l" defTabSz="914400" rtl="0" eaLnBrk="1" latinLnBrk="0" hangingPunct="1">
+              <a:spcBef>
+                <a:spcPct val="20000"/>
+              </a:spcBef>
+              <a:buFont typeface="Arial" panose="020B0604020202020204" pitchFamily="34" charset="0"/>
+              <a:buChar char="–"/>
+              <a:defRPr sz="2800" kern="1200">
+                <a:solidFill>
+                  <a:schemeClr val="tx1"/>
+                </a:solidFill>
+                <a:latin typeface="Arial" panose="020B0604020202020204" pitchFamily="34" charset="0"/>
+                <a:ea typeface="+mn-ea"/>
+                <a:cs typeface="+mn-cs"/>
+              </a:defRPr>
+            </a:lvl2pPr>
+            <a:lvl3pPr marL="1143000" indent="-228600" algn="l" defTabSz="914400" rtl="0" eaLnBrk="1" latinLnBrk="0" hangingPunct="1">
+              <a:spcBef>
+                <a:spcPct val="20000"/>
+              </a:spcBef>
+              <a:buFont typeface="Arial" panose="020B0604020202020204" pitchFamily="34" charset="0"/>
+              <a:buChar char="•"/>
+              <a:defRPr sz="2400" kern="1200">
+                <a:solidFill>
+                  <a:schemeClr val="tx1"/>
+                </a:solidFill>
+                <a:latin typeface="Arial" panose="020B0604020202020204" pitchFamily="34" charset="0"/>
+                <a:ea typeface="+mn-ea"/>
+                <a:cs typeface="+mn-cs"/>
+              </a:defRPr>
+            </a:lvl3pPr>
+            <a:lvl4pPr marL="1600200" indent="-228600" algn="l" defTabSz="914400" rtl="0" eaLnBrk="1" latinLnBrk="0" hangingPunct="1">
+              <a:spcBef>
+                <a:spcPct val="20000"/>
+              </a:spcBef>
+              <a:buFont typeface="Arial" panose="020B0604020202020204" pitchFamily="34" charset="0"/>
+              <a:buChar char="–"/>
+              <a:defRPr sz="2000" kern="1200">
+                <a:solidFill>
+                  <a:schemeClr val="tx1"/>
+                </a:solidFill>
+                <a:latin typeface="Arial" panose="020B0604020202020204" pitchFamily="34" charset="0"/>
+                <a:ea typeface="+mn-ea"/>
+                <a:cs typeface="+mn-cs"/>
+              </a:defRPr>
+            </a:lvl4pPr>
+            <a:lvl5pPr marL="2057400" indent="-228600" algn="l" defTabSz="914400" rtl="0" eaLnBrk="1" latinLnBrk="0" hangingPunct="1">
+              <a:spcBef>
+                <a:spcPct val="20000"/>
+              </a:spcBef>
+              <a:buFont typeface="Arial" panose="020B0604020202020204" pitchFamily="34" charset="0"/>
+              <a:buChar char="»"/>
+              <a:defRPr sz="2000" kern="1200">
+                <a:solidFill>
+                  <a:schemeClr val="tx1"/>
+                </a:solidFill>
+                <a:latin typeface="Arial" panose="020B0604020202020204" pitchFamily="34" charset="0"/>
+                <a:ea typeface="+mn-ea"/>
+                <a:cs typeface="+mn-cs"/>
+              </a:defRPr>
+            </a:lvl5pPr>
+            <a:lvl6pPr marL="2514600" indent="-228600" algn="l" defTabSz="914400" rtl="0" eaLnBrk="0" fontAlgn="base" latinLnBrk="0" hangingPunct="0">
+              <a:spcBef>
+                <a:spcPct val="20000"/>
+              </a:spcBef>
+              <a:spcAft>
+                <a:spcPct val="0"/>
+              </a:spcAft>
+              <a:buFont typeface="Arial" panose="020B0604020202020204" pitchFamily="34" charset="0"/>
+              <a:buChar char="»"/>
+              <a:defRPr sz="2000" kern="1200">
+                <a:solidFill>
+                  <a:schemeClr val="tx1"/>
+                </a:solidFill>
+                <a:latin typeface="Arial" panose="020B0604020202020204" pitchFamily="34" charset="0"/>
+                <a:ea typeface="+mn-ea"/>
+                <a:cs typeface="+mn-cs"/>
+              </a:defRPr>
+            </a:lvl6pPr>
+            <a:lvl7pPr marL="2971800" indent="-228600" algn="l" defTabSz="914400" rtl="0" eaLnBrk="0" fontAlgn="base" latinLnBrk="0" hangingPunct="0">
+              <a:spcBef>
+                <a:spcPct val="20000"/>
+              </a:spcBef>
+              <a:spcAft>
+                <a:spcPct val="0"/>
+              </a:spcAft>
+              <a:buFont typeface="Arial" panose="020B0604020202020204" pitchFamily="34" charset="0"/>
+              <a:buChar char="»"/>
+              <a:defRPr sz="2000" kern="1200">
+                <a:solidFill>
+                  <a:schemeClr val="tx1"/>
+                </a:solidFill>
+                <a:latin typeface="Arial" panose="020B0604020202020204" pitchFamily="34" charset="0"/>
+                <a:ea typeface="+mn-ea"/>
+                <a:cs typeface="+mn-cs"/>
+              </a:defRPr>
+            </a:lvl7pPr>
+            <a:lvl8pPr marL="3429000" indent="-228600" algn="l" defTabSz="914400" rtl="0" eaLnBrk="0" fontAlgn="base" latinLnBrk="0" hangingPunct="0">
+              <a:spcBef>
+                <a:spcPct val="20000"/>
+              </a:spcBef>
+              <a:spcAft>
+                <a:spcPct val="0"/>
+              </a:spcAft>
+              <a:buFont typeface="Arial" panose="020B0604020202020204" pitchFamily="34" charset="0"/>
+              <a:buChar char="»"/>
+              <a:defRPr sz="2000" kern="1200">
+                <a:solidFill>
+                  <a:schemeClr val="tx1"/>
+                </a:solidFill>
+                <a:latin typeface="Arial" panose="020B0604020202020204" pitchFamily="34" charset="0"/>
+                <a:ea typeface="+mn-ea"/>
+                <a:cs typeface="+mn-cs"/>
+              </a:defRPr>
+            </a:lvl8pPr>
+            <a:lvl9pPr marL="3886200" indent="-228600" algn="l" defTabSz="914400" rtl="0" eaLnBrk="0" fontAlgn="base" latinLnBrk="0" hangingPunct="0">
+              <a:spcBef>
+                <a:spcPct val="20000"/>
+              </a:spcBef>
+              <a:spcAft>
+                <a:spcPct val="0"/>
+              </a:spcAft>
+              <a:buFont typeface="Arial" panose="020B0604020202020204" pitchFamily="34" charset="0"/>
+              <a:buChar char="»"/>
+              <a:defRPr sz="2000" kern="1200">
+                <a:solidFill>
+                  <a:schemeClr val="tx1"/>
+                </a:solidFill>
+                <a:latin typeface="Arial" panose="020B0604020202020204" pitchFamily="34" charset="0"/>
+                <a:ea typeface="+mn-ea"/>
+                <a:cs typeface="+mn-cs"/>
+              </a:defRPr>
+            </a:lvl9pPr>
+          </a:lstStyle>
+          <a:p>
+            <a:pPr>
+              <a:spcBef>
+                <a:spcPct val="0"/>
+              </a:spcBef>
+              <a:buFontTx/>
+              <a:buNone/>
+            </a:pPr>
+            <a:r>
+              <a:rPr lang="en-US" altLang="en-US" sz="2000">
+                <a:solidFill>
+                  <a:srgbClr val="00B0F0"/>
+                </a:solidFill>
+                <a:cs typeface="Arial" panose="020B0604020202020204" pitchFamily="34" charset="0"/>
+              </a:rPr>
+              <a:t>www.siu.edu.vn</a:t>
+            </a:r>
+            <a:endParaRPr lang="en-US" altLang="en-US" sz="2000" dirty="0">
+              <a:solidFill>
+                <a:srgbClr val="00B0F0"/>
+              </a:solidFill>
+              <a:cs typeface="Arial" panose="020B0604020202020204" pitchFamily="34" charset="0"/>
+            </a:endParaRPr>
+          </a:p>
+        </p:txBody>
+      </p:sp>
+      <p:pic>
+        <p:nvPicPr>
+          <p:cNvPr id="9" name="Picture 8">
+            <a:extLst>
+              <a:ext uri="{FF2B5EF4-FFF2-40B4-BE49-F238E27FC236}">
+                <a16:creationId xmlns:a16="http://schemas.microsoft.com/office/drawing/2014/main" id="{9B0B51C8-E291-40B9-A6CE-7A111235B3CD}"/>
+              </a:ext>
+            </a:extLst>
+          </p:cNvPr>
+          <p:cNvPicPr>
+            <a:picLocks noChangeAspect="1"/>
+          </p:cNvPicPr>
+          <p:nvPr/>
+        </p:nvPicPr>
+        <p:blipFill>
+          <a:blip r:embed="rId3"/>
+          <a:stretch>
+            <a:fillRect/>
+          </a:stretch>
+        </p:blipFill>
+        <p:spPr>
+          <a:xfrm>
+            <a:off x="0" y="0"/>
+            <a:ext cx="2863273" cy="981075"/>
+          </a:xfrm>
+          <a:prstGeom prst="rect">
+            <a:avLst/>
+          </a:prstGeom>
+        </p:spPr>
+      </p:pic>
+      <p:sp>
+        <p:nvSpPr>
+          <p:cNvPr id="11" name="TextBox 10">
+            <a:extLst>
+              <a:ext uri="{FF2B5EF4-FFF2-40B4-BE49-F238E27FC236}">
+                <a16:creationId xmlns:a16="http://schemas.microsoft.com/office/drawing/2014/main" id="{571441C3-2385-40AD-B6C8-66DF5B23F4C7}"/>
+              </a:ext>
+            </a:extLst>
+          </p:cNvPr>
+          <p:cNvSpPr txBox="1"/>
+          <p:nvPr/>
+        </p:nvSpPr>
+        <p:spPr>
+          <a:xfrm>
+            <a:off x="6594762" y="1632782"/>
+            <a:ext cx="5015347" cy="2777940"/>
+          </a:xfrm>
+          <a:prstGeom prst="rect">
+            <a:avLst/>
+          </a:prstGeom>
+          <a:noFill/>
+        </p:spPr>
+        <p:txBody>
+          <a:bodyPr wrap="square">
+            <a:spAutoFit/>
+          </a:bodyPr>
+          <a:lstStyle/>
+          <a:p>
+            <a:pPr marL="285750" indent="-285750" algn="just">
+              <a:lnSpc>
+                <a:spcPct val="200000"/>
+              </a:lnSpc>
+              <a:buFont typeface="Wingdings" panose="05000000000000000000" pitchFamily="2" charset="2"/>
+              <a:buChar char="§"/>
+            </a:pPr>
+            <a:r>
+              <a:rPr lang="en-US" dirty="0">
+                <a:solidFill>
+                  <a:srgbClr val="202124"/>
+                </a:solidFill>
+                <a:latin typeface="Times New Roman" panose="02020603050405020304" pitchFamily="18" charset="0"/>
+                <a:cs typeface="Times New Roman" panose="02020603050405020304" pitchFamily="18" charset="0"/>
+              </a:rPr>
+              <a:t>M</a:t>
+            </a:r>
+            <a:r>
+              <a:rPr lang="vi-VN" b="0" i="0" dirty="0">
+                <a:solidFill>
+                  <a:srgbClr val="202124"/>
+                </a:solidFill>
+                <a:effectLst/>
+                <a:latin typeface="Times New Roman" panose="02020603050405020304" pitchFamily="18" charset="0"/>
+                <a:cs typeface="Times New Roman" panose="02020603050405020304" pitchFamily="18" charset="0"/>
+              </a:rPr>
+              <a:t>ọi người không thể tìm thấy bãi đậu xe ở </a:t>
+            </a:r>
+            <a:r>
+              <a:rPr lang="vi-VN" dirty="0">
+                <a:solidFill>
+                  <a:srgbClr val="202124"/>
+                </a:solidFill>
+                <a:latin typeface="Times New Roman" panose="02020603050405020304" pitchFamily="18" charset="0"/>
+                <a:cs typeface="Times New Roman" panose="02020603050405020304" pitchFamily="18" charset="0"/>
+              </a:rPr>
+              <a:t>những nơi phổ biến. Đặc biệt là trong những ngày lễ, giao thông luôn tồi tệ</a:t>
+            </a:r>
+            <a:r>
+              <a:rPr lang="en-US" dirty="0">
+                <a:solidFill>
+                  <a:srgbClr val="202124"/>
+                </a:solidFill>
+                <a:latin typeface="Times New Roman" panose="02020603050405020304" pitchFamily="18" charset="0"/>
+                <a:cs typeface="Times New Roman" panose="02020603050405020304" pitchFamily="18" charset="0"/>
+              </a:rPr>
+              <a:t>.</a:t>
+            </a:r>
+          </a:p>
+          <a:p>
+            <a:pPr marL="285750" indent="-285750" algn="just">
+              <a:lnSpc>
+                <a:spcPct val="200000"/>
+              </a:lnSpc>
+              <a:buFont typeface="Wingdings" panose="05000000000000000000" pitchFamily="2" charset="2"/>
+              <a:buChar char="§"/>
+            </a:pPr>
+            <a:r>
+              <a:rPr lang="vi-VN" dirty="0">
+                <a:solidFill>
+                  <a:srgbClr val="202124"/>
+                </a:solidFill>
+                <a:latin typeface="Times New Roman" panose="02020603050405020304" pitchFamily="18" charset="0"/>
+                <a:cs typeface="Times New Roman" panose="02020603050405020304" pitchFamily="18" charset="0"/>
+              </a:rPr>
+              <a:t>Mọi người không thể xác định vị trí xe của họ trong các chỗ đậu xe lớn</a:t>
+            </a:r>
+            <a:endParaRPr lang="en-US" dirty="0">
+              <a:solidFill>
+                <a:srgbClr val="202124"/>
+              </a:solidFill>
+              <a:latin typeface="Times New Roman" panose="02020603050405020304" pitchFamily="18" charset="0"/>
+              <a:cs typeface="Times New Roman" panose="02020603050405020304" pitchFamily="18" charset="0"/>
+            </a:endParaRPr>
+          </a:p>
+        </p:txBody>
+      </p:sp>
+    </p:spTree>
+    <p:extLst>
+      <p:ext uri="{BB962C8B-B14F-4D97-AF65-F5344CB8AC3E}">
+        <p14:creationId xmlns:p14="http://schemas.microsoft.com/office/powerpoint/2010/main" val="3324496656"/>
+      </p:ext>
+    </p:extLst>
+  </p:cSld>
+  <p:clrMapOvr>
+    <a:masterClrMapping/>
+  </p:clrMapOvr>
+</p:sld>
+</file>
+
+<file path=ppt/slides/slide7.xml><?xml version="1.0" encoding="utf-8"?>
+<p:sld xmlns:a="http://schemas.openxmlformats.org/drawingml/2006/main" xmlns:r="http://schemas.openxmlformats.org/officeDocument/2006/relationships" xmlns:p="http://schemas.openxmlformats.org/presentationml/2006/main">
+  <p:cSld>
+    <p:spTree>
+      <p:nvGrpSpPr>
+        <p:cNvPr id="1" name=""/>
+        <p:cNvGrpSpPr/>
+        <p:nvPr/>
+      </p:nvGrpSpPr>
+      <p:grpSpPr>
+        <a:xfrm>
+          <a:off x="0" y="0"/>
+          <a:ext cx="0" cy="0"/>
+          <a:chOff x="0" y="0"/>
+          <a:chExt cx="0" cy="0"/>
+        </a:xfrm>
+      </p:grpSpPr>
+      <p:sp>
+        <p:nvSpPr>
+          <p:cNvPr id="4" name="TextBox 3">
+            <a:extLst>
+              <a:ext uri="{FF2B5EF4-FFF2-40B4-BE49-F238E27FC236}">
+                <a16:creationId xmlns:a16="http://schemas.microsoft.com/office/drawing/2014/main" id="{231EA975-081A-41A0-AA55-459B81C8AE58}"/>
+              </a:ext>
+            </a:extLst>
+          </p:cNvPr>
+          <p:cNvSpPr txBox="1"/>
+          <p:nvPr/>
+        </p:nvSpPr>
+        <p:spPr>
+          <a:xfrm>
+            <a:off x="4553527" y="1415518"/>
+            <a:ext cx="6096000" cy="3366563"/>
+          </a:xfrm>
+          <a:prstGeom prst="rect">
+            <a:avLst/>
+          </a:prstGeom>
+          <a:noFill/>
+        </p:spPr>
+        <p:txBody>
+          <a:bodyPr wrap="square">
+            <a:spAutoFit/>
+          </a:bodyPr>
+          <a:lstStyle/>
+          <a:p>
+            <a:pPr marL="285750" indent="-285750" algn="just">
+              <a:lnSpc>
+                <a:spcPct val="150000"/>
+              </a:lnSpc>
+              <a:buFont typeface="Wingdings" panose="05000000000000000000" pitchFamily="2" charset="2"/>
+              <a:buChar char="§"/>
+            </a:pPr>
+            <a:r>
+              <a:rPr lang="en-US" dirty="0" err="1">
+                <a:latin typeface="Times New Roman" panose="02020603050405020304" pitchFamily="18" charset="0"/>
+                <a:cs typeface="Times New Roman" panose="02020603050405020304" pitchFamily="18" charset="0"/>
+              </a:rPr>
+              <a:t>Trước</a:t>
+            </a:r>
+            <a:r>
+              <a:rPr lang="en-US" dirty="0">
+                <a:latin typeface="Times New Roman" panose="02020603050405020304" pitchFamily="18" charset="0"/>
+                <a:cs typeface="Times New Roman" panose="02020603050405020304" pitchFamily="18" charset="0"/>
+              </a:rPr>
+              <a:t> </a:t>
+            </a:r>
+            <a:r>
+              <a:rPr lang="en-US" dirty="0" err="1">
+                <a:latin typeface="Times New Roman" panose="02020603050405020304" pitchFamily="18" charset="0"/>
+                <a:cs typeface="Times New Roman" panose="02020603050405020304" pitchFamily="18" charset="0"/>
+              </a:rPr>
+              <a:t>tiên</a:t>
+            </a:r>
+            <a:r>
+              <a:rPr lang="en-US" dirty="0">
+                <a:latin typeface="Times New Roman" panose="02020603050405020304" pitchFamily="18" charset="0"/>
+                <a:cs typeface="Times New Roman" panose="02020603050405020304" pitchFamily="18" charset="0"/>
+              </a:rPr>
+              <a:t>, </a:t>
+            </a:r>
+            <a:r>
+              <a:rPr lang="en-US" dirty="0" err="1">
+                <a:latin typeface="Times New Roman" panose="02020603050405020304" pitchFamily="18" charset="0"/>
+                <a:cs typeface="Times New Roman" panose="02020603050405020304" pitchFamily="18" charset="0"/>
+              </a:rPr>
+              <a:t>bãi</a:t>
+            </a:r>
+            <a:r>
+              <a:rPr lang="en-US" dirty="0">
+                <a:latin typeface="Times New Roman" panose="02020603050405020304" pitchFamily="18" charset="0"/>
+                <a:cs typeface="Times New Roman" panose="02020603050405020304" pitchFamily="18" charset="0"/>
+              </a:rPr>
+              <a:t> </a:t>
+            </a:r>
+            <a:r>
+              <a:rPr lang="en-US" dirty="0" err="1">
+                <a:latin typeface="Times New Roman" panose="02020603050405020304" pitchFamily="18" charset="0"/>
+                <a:cs typeface="Times New Roman" panose="02020603050405020304" pitchFamily="18" charset="0"/>
+              </a:rPr>
+              <a:t>giữ</a:t>
+            </a:r>
+            <a:r>
+              <a:rPr lang="en-US" dirty="0">
+                <a:latin typeface="Times New Roman" panose="02020603050405020304" pitchFamily="18" charset="0"/>
+                <a:cs typeface="Times New Roman" panose="02020603050405020304" pitchFamily="18" charset="0"/>
+              </a:rPr>
+              <a:t> </a:t>
+            </a:r>
+            <a:r>
+              <a:rPr lang="en-US" dirty="0" err="1">
+                <a:latin typeface="Times New Roman" panose="02020603050405020304" pitchFamily="18" charset="0"/>
+                <a:cs typeface="Times New Roman" panose="02020603050405020304" pitchFamily="18" charset="0"/>
+              </a:rPr>
+              <a:t>xe</a:t>
+            </a:r>
+            <a:r>
+              <a:rPr lang="en-US" dirty="0">
+                <a:latin typeface="Times New Roman" panose="02020603050405020304" pitchFamily="18" charset="0"/>
+                <a:cs typeface="Times New Roman" panose="02020603050405020304" pitchFamily="18" charset="0"/>
+              </a:rPr>
+              <a:t> </a:t>
+            </a:r>
+            <a:r>
+              <a:rPr lang="en-US" dirty="0" err="1">
+                <a:latin typeface="Times New Roman" panose="02020603050405020304" pitchFamily="18" charset="0"/>
+                <a:cs typeface="Times New Roman" panose="02020603050405020304" pitchFamily="18" charset="0"/>
+              </a:rPr>
+              <a:t>luôn</a:t>
+            </a:r>
+            <a:r>
+              <a:rPr lang="en-US" dirty="0">
+                <a:latin typeface="Times New Roman" panose="02020603050405020304" pitchFamily="18" charset="0"/>
+                <a:cs typeface="Times New Roman" panose="02020603050405020304" pitchFamily="18" charset="0"/>
+              </a:rPr>
+              <a:t> </a:t>
+            </a:r>
+            <a:r>
+              <a:rPr lang="en-US" dirty="0" err="1">
+                <a:latin typeface="Times New Roman" panose="02020603050405020304" pitchFamily="18" charset="0"/>
+                <a:cs typeface="Times New Roman" panose="02020603050405020304" pitchFamily="18" charset="0"/>
+              </a:rPr>
+              <a:t>luôn</a:t>
+            </a:r>
+            <a:r>
+              <a:rPr lang="en-US" dirty="0">
+                <a:latin typeface="Times New Roman" panose="02020603050405020304" pitchFamily="18" charset="0"/>
+                <a:cs typeface="Times New Roman" panose="02020603050405020304" pitchFamily="18" charset="0"/>
+              </a:rPr>
+              <a:t> </a:t>
+            </a:r>
+            <a:r>
+              <a:rPr lang="en-US" dirty="0" err="1">
+                <a:latin typeface="Times New Roman" panose="02020603050405020304" pitchFamily="18" charset="0"/>
+                <a:cs typeface="Times New Roman" panose="02020603050405020304" pitchFamily="18" charset="0"/>
+              </a:rPr>
+              <a:t>có</a:t>
+            </a:r>
+            <a:r>
+              <a:rPr lang="en-US" dirty="0">
+                <a:latin typeface="Times New Roman" panose="02020603050405020304" pitchFamily="18" charset="0"/>
+                <a:cs typeface="Times New Roman" panose="02020603050405020304" pitchFamily="18" charset="0"/>
+              </a:rPr>
+              <a:t> </a:t>
+            </a:r>
+            <a:r>
+              <a:rPr lang="en-US" dirty="0" err="1">
+                <a:latin typeface="Times New Roman" panose="02020603050405020304" pitchFamily="18" charset="0"/>
+                <a:cs typeface="Times New Roman" panose="02020603050405020304" pitchFamily="18" charset="0"/>
+              </a:rPr>
+              <a:t>tính</a:t>
+            </a:r>
+            <a:r>
+              <a:rPr lang="en-US" dirty="0">
+                <a:latin typeface="Times New Roman" panose="02020603050405020304" pitchFamily="18" charset="0"/>
+                <a:cs typeface="Times New Roman" panose="02020603050405020304" pitchFamily="18" charset="0"/>
+              </a:rPr>
+              <a:t> </a:t>
+            </a:r>
+            <a:r>
+              <a:rPr lang="en-US" dirty="0" err="1">
+                <a:latin typeface="Times New Roman" panose="02020603050405020304" pitchFamily="18" charset="0"/>
+                <a:cs typeface="Times New Roman" panose="02020603050405020304" pitchFamily="18" charset="0"/>
+              </a:rPr>
+              <a:t>năng</a:t>
+            </a:r>
+            <a:r>
+              <a:rPr lang="en-US" dirty="0">
+                <a:latin typeface="Times New Roman" panose="02020603050405020304" pitchFamily="18" charset="0"/>
+                <a:cs typeface="Times New Roman" panose="02020603050405020304" pitchFamily="18" charset="0"/>
+              </a:rPr>
+              <a:t> </a:t>
+            </a:r>
+            <a:r>
+              <a:rPr lang="en-US" dirty="0" err="1">
+                <a:latin typeface="Times New Roman" panose="02020603050405020304" pitchFamily="18" charset="0"/>
+                <a:cs typeface="Times New Roman" panose="02020603050405020304" pitchFamily="18" charset="0"/>
+              </a:rPr>
+              <a:t>quét</a:t>
+            </a:r>
+            <a:r>
+              <a:rPr lang="en-US" dirty="0">
+                <a:latin typeface="Times New Roman" panose="02020603050405020304" pitchFamily="18" charset="0"/>
+                <a:cs typeface="Times New Roman" panose="02020603050405020304" pitchFamily="18" charset="0"/>
+              </a:rPr>
+              <a:t> </a:t>
+            </a:r>
+            <a:r>
+              <a:rPr lang="en-US" dirty="0" err="1">
+                <a:latin typeface="Times New Roman" panose="02020603050405020304" pitchFamily="18" charset="0"/>
+                <a:cs typeface="Times New Roman" panose="02020603050405020304" pitchFamily="18" charset="0"/>
+              </a:rPr>
+              <a:t>thẻ</a:t>
+            </a:r>
+            <a:r>
+              <a:rPr lang="en-US" dirty="0">
+                <a:latin typeface="Times New Roman" panose="02020603050405020304" pitchFamily="18" charset="0"/>
+                <a:cs typeface="Times New Roman" panose="02020603050405020304" pitchFamily="18" charset="0"/>
+              </a:rPr>
+              <a:t> </a:t>
+            </a:r>
+            <a:r>
+              <a:rPr lang="en-US" dirty="0" err="1">
+                <a:latin typeface="Times New Roman" panose="02020603050405020304" pitchFamily="18" charset="0"/>
+                <a:cs typeface="Times New Roman" panose="02020603050405020304" pitchFamily="18" charset="0"/>
+              </a:rPr>
+              <a:t>bằng</a:t>
+            </a:r>
+            <a:r>
+              <a:rPr lang="en-US" dirty="0">
+                <a:latin typeface="Times New Roman" panose="02020603050405020304" pitchFamily="18" charset="0"/>
+                <a:cs typeface="Times New Roman" panose="02020603050405020304" pitchFamily="18" charset="0"/>
+              </a:rPr>
+              <a:t> </a:t>
+            </a:r>
+            <a:r>
+              <a:rPr lang="en-US" dirty="0" err="1">
+                <a:latin typeface="Times New Roman" panose="02020603050405020304" pitchFamily="18" charset="0"/>
+                <a:cs typeface="Times New Roman" panose="02020603050405020304" pitchFamily="18" charset="0"/>
+              </a:rPr>
+              <a:t>rfid</a:t>
+            </a:r>
+            <a:r>
+              <a:rPr lang="en-US" dirty="0">
+                <a:latin typeface="Times New Roman" panose="02020603050405020304" pitchFamily="18" charset="0"/>
+                <a:cs typeface="Times New Roman" panose="02020603050405020304" pitchFamily="18" charset="0"/>
+              </a:rPr>
+              <a:t>.</a:t>
+            </a:r>
+          </a:p>
+          <a:p>
+            <a:pPr marL="285750" indent="-285750" algn="just">
+              <a:lnSpc>
+                <a:spcPct val="150000"/>
+              </a:lnSpc>
+              <a:buFont typeface="Wingdings" panose="05000000000000000000" pitchFamily="2" charset="2"/>
+              <a:buChar char="§"/>
+            </a:pPr>
+            <a:r>
+              <a:rPr lang="en-US" dirty="0">
+                <a:latin typeface="Times New Roman" panose="02020603050405020304" pitchFamily="18" charset="0"/>
+                <a:cs typeface="Times New Roman" panose="02020603050405020304" pitchFamily="18" charset="0"/>
+              </a:rPr>
+              <a:t>Tiếp </a:t>
+            </a:r>
+            <a:r>
+              <a:rPr lang="en-US" dirty="0" err="1">
+                <a:latin typeface="Times New Roman" panose="02020603050405020304" pitchFamily="18" charset="0"/>
+                <a:cs typeface="Times New Roman" panose="02020603050405020304" pitchFamily="18" charset="0"/>
+              </a:rPr>
+              <a:t>theo</a:t>
+            </a:r>
+            <a:r>
+              <a:rPr lang="en-US" dirty="0">
+                <a:latin typeface="Times New Roman" panose="02020603050405020304" pitchFamily="18" charset="0"/>
+                <a:cs typeface="Times New Roman" panose="02020603050405020304" pitchFamily="18" charset="0"/>
+              </a:rPr>
+              <a:t>, </a:t>
+            </a:r>
+            <a:r>
+              <a:rPr lang="en-US" dirty="0" err="1">
+                <a:latin typeface="Times New Roman" panose="02020603050405020304" pitchFamily="18" charset="0"/>
+                <a:cs typeface="Times New Roman" panose="02020603050405020304" pitchFamily="18" charset="0"/>
+              </a:rPr>
+              <a:t>sử</a:t>
+            </a:r>
+            <a:r>
+              <a:rPr lang="en-US" dirty="0">
+                <a:latin typeface="Times New Roman" panose="02020603050405020304" pitchFamily="18" charset="0"/>
+                <a:cs typeface="Times New Roman" panose="02020603050405020304" pitchFamily="18" charset="0"/>
+              </a:rPr>
+              <a:t> </a:t>
+            </a:r>
+            <a:r>
+              <a:rPr lang="en-US" dirty="0" err="1">
+                <a:latin typeface="Times New Roman" panose="02020603050405020304" pitchFamily="18" charset="0"/>
+                <a:cs typeface="Times New Roman" panose="02020603050405020304" pitchFamily="18" charset="0"/>
+              </a:rPr>
+              <a:t>dụng</a:t>
+            </a:r>
+            <a:r>
+              <a:rPr lang="en-US" dirty="0">
+                <a:latin typeface="Times New Roman" panose="02020603050405020304" pitchFamily="18" charset="0"/>
+                <a:cs typeface="Times New Roman" panose="02020603050405020304" pitchFamily="18" charset="0"/>
+              </a:rPr>
+              <a:t> </a:t>
+            </a:r>
+            <a:r>
+              <a:rPr lang="en-US" dirty="0" err="1">
+                <a:latin typeface="Times New Roman" panose="02020603050405020304" pitchFamily="18" charset="0"/>
+                <a:cs typeface="Times New Roman" panose="02020603050405020304" pitchFamily="18" charset="0"/>
+              </a:rPr>
+              <a:t>công</a:t>
+            </a:r>
+            <a:r>
+              <a:rPr lang="en-US" dirty="0">
+                <a:latin typeface="Times New Roman" panose="02020603050405020304" pitchFamily="18" charset="0"/>
+                <a:cs typeface="Times New Roman" panose="02020603050405020304" pitchFamily="18" charset="0"/>
+              </a:rPr>
+              <a:t> </a:t>
+            </a:r>
+            <a:r>
+              <a:rPr lang="en-US" dirty="0" err="1">
+                <a:latin typeface="Times New Roman" panose="02020603050405020304" pitchFamily="18" charset="0"/>
+                <a:cs typeface="Times New Roman" panose="02020603050405020304" pitchFamily="18" charset="0"/>
+              </a:rPr>
+              <a:t>nghệ</a:t>
+            </a:r>
+            <a:r>
+              <a:rPr lang="en-US" dirty="0">
+                <a:latin typeface="Times New Roman" panose="02020603050405020304" pitchFamily="18" charset="0"/>
+                <a:cs typeface="Times New Roman" panose="02020603050405020304" pitchFamily="18" charset="0"/>
+              </a:rPr>
+              <a:t> </a:t>
+            </a:r>
+            <a:r>
+              <a:rPr lang="en-US" dirty="0" err="1">
+                <a:latin typeface="Times New Roman" panose="02020603050405020304" pitchFamily="18" charset="0"/>
+                <a:cs typeface="Times New Roman" panose="02020603050405020304" pitchFamily="18" charset="0"/>
+              </a:rPr>
+              <a:t>cảm</a:t>
+            </a:r>
+            <a:r>
+              <a:rPr lang="en-US" dirty="0">
+                <a:latin typeface="Times New Roman" panose="02020603050405020304" pitchFamily="18" charset="0"/>
+                <a:cs typeface="Times New Roman" panose="02020603050405020304" pitchFamily="18" charset="0"/>
+              </a:rPr>
+              <a:t> </a:t>
+            </a:r>
+            <a:r>
+              <a:rPr lang="en-US" dirty="0" err="1">
+                <a:latin typeface="Times New Roman" panose="02020603050405020304" pitchFamily="18" charset="0"/>
+                <a:cs typeface="Times New Roman" panose="02020603050405020304" pitchFamily="18" charset="0"/>
+              </a:rPr>
+              <a:t>biến</a:t>
+            </a:r>
+            <a:r>
+              <a:rPr lang="en-US" dirty="0">
+                <a:latin typeface="Times New Roman" panose="02020603050405020304" pitchFamily="18" charset="0"/>
+                <a:cs typeface="Times New Roman" panose="02020603050405020304" pitchFamily="18" charset="0"/>
+              </a:rPr>
+              <a:t> IoT </a:t>
+            </a:r>
+            <a:r>
+              <a:rPr lang="en-US" dirty="0" err="1">
+                <a:latin typeface="Times New Roman" panose="02020603050405020304" pitchFamily="18" charset="0"/>
+                <a:cs typeface="Times New Roman" panose="02020603050405020304" pitchFamily="18" charset="0"/>
+              </a:rPr>
+              <a:t>báo</a:t>
+            </a:r>
+            <a:r>
+              <a:rPr lang="en-US" dirty="0">
+                <a:latin typeface="Times New Roman" panose="02020603050405020304" pitchFamily="18" charset="0"/>
+                <a:cs typeface="Times New Roman" panose="02020603050405020304" pitchFamily="18" charset="0"/>
+              </a:rPr>
+              <a:t> </a:t>
+            </a:r>
+            <a:r>
+              <a:rPr lang="en-US" dirty="0" err="1">
+                <a:latin typeface="Times New Roman" panose="02020603050405020304" pitchFamily="18" charset="0"/>
+                <a:cs typeface="Times New Roman" panose="02020603050405020304" pitchFamily="18" charset="0"/>
+              </a:rPr>
+              <a:t>tài</a:t>
+            </a:r>
+            <a:r>
+              <a:rPr lang="en-US" dirty="0">
+                <a:latin typeface="Times New Roman" panose="02020603050405020304" pitchFamily="18" charset="0"/>
+                <a:cs typeface="Times New Roman" panose="02020603050405020304" pitchFamily="18" charset="0"/>
+              </a:rPr>
+              <a:t> </a:t>
+            </a:r>
+            <a:r>
+              <a:rPr lang="en-US" dirty="0" err="1">
+                <a:latin typeface="Times New Roman" panose="02020603050405020304" pitchFamily="18" charset="0"/>
+                <a:cs typeface="Times New Roman" panose="02020603050405020304" pitchFamily="18" charset="0"/>
+              </a:rPr>
+              <a:t>xế</a:t>
+            </a:r>
+            <a:r>
+              <a:rPr lang="en-US" dirty="0">
+                <a:latin typeface="Times New Roman" panose="02020603050405020304" pitchFamily="18" charset="0"/>
+                <a:cs typeface="Times New Roman" panose="02020603050405020304" pitchFamily="18" charset="0"/>
+              </a:rPr>
+              <a:t> </a:t>
+            </a:r>
+            <a:r>
+              <a:rPr lang="en-US" dirty="0" err="1">
+                <a:latin typeface="Times New Roman" panose="02020603050405020304" pitchFamily="18" charset="0"/>
+                <a:cs typeface="Times New Roman" panose="02020603050405020304" pitchFamily="18" charset="0"/>
+              </a:rPr>
+              <a:t>dừng</a:t>
+            </a:r>
+            <a:r>
+              <a:rPr lang="en-US" dirty="0">
+                <a:latin typeface="Times New Roman" panose="02020603050405020304" pitchFamily="18" charset="0"/>
+                <a:cs typeface="Times New Roman" panose="02020603050405020304" pitchFamily="18" charset="0"/>
+              </a:rPr>
+              <a:t> </a:t>
+            </a:r>
+            <a:r>
+              <a:rPr lang="en-US" dirty="0" err="1">
+                <a:latin typeface="Times New Roman" panose="02020603050405020304" pitchFamily="18" charset="0"/>
+                <a:cs typeface="Times New Roman" panose="02020603050405020304" pitchFamily="18" charset="0"/>
+              </a:rPr>
+              <a:t>đúng</a:t>
+            </a:r>
+            <a:r>
+              <a:rPr lang="en-US" dirty="0">
+                <a:latin typeface="Times New Roman" panose="02020603050405020304" pitchFamily="18" charset="0"/>
+                <a:cs typeface="Times New Roman" panose="02020603050405020304" pitchFamily="18" charset="0"/>
+              </a:rPr>
+              <a:t> </a:t>
+            </a:r>
+            <a:r>
+              <a:rPr lang="en-US" dirty="0" err="1">
+                <a:latin typeface="Times New Roman" panose="02020603050405020304" pitchFamily="18" charset="0"/>
+                <a:cs typeface="Times New Roman" panose="02020603050405020304" pitchFamily="18" charset="0"/>
+              </a:rPr>
+              <a:t>vị</a:t>
+            </a:r>
+            <a:r>
+              <a:rPr lang="en-US" dirty="0">
+                <a:latin typeface="Times New Roman" panose="02020603050405020304" pitchFamily="18" charset="0"/>
+                <a:cs typeface="Times New Roman" panose="02020603050405020304" pitchFamily="18" charset="0"/>
+              </a:rPr>
+              <a:t> </a:t>
+            </a:r>
+            <a:r>
+              <a:rPr lang="en-US" dirty="0" err="1">
+                <a:latin typeface="Times New Roman" panose="02020603050405020304" pitchFamily="18" charset="0"/>
+                <a:cs typeface="Times New Roman" panose="02020603050405020304" pitchFamily="18" charset="0"/>
+              </a:rPr>
+              <a:t>trí</a:t>
+            </a:r>
+            <a:r>
+              <a:rPr lang="en-US" dirty="0">
+                <a:latin typeface="Times New Roman" panose="02020603050405020304" pitchFamily="18" charset="0"/>
+                <a:cs typeface="Times New Roman" panose="02020603050405020304" pitchFamily="18" charset="0"/>
+              </a:rPr>
+              <a:t> </a:t>
+            </a:r>
+            <a:r>
+              <a:rPr lang="en-US" dirty="0" err="1">
+                <a:latin typeface="Times New Roman" panose="02020603050405020304" pitchFamily="18" charset="0"/>
+                <a:cs typeface="Times New Roman" panose="02020603050405020304" pitchFamily="18" charset="0"/>
+              </a:rPr>
+              <a:t>để</a:t>
+            </a:r>
+            <a:r>
+              <a:rPr lang="en-US" dirty="0">
+                <a:latin typeface="Times New Roman" panose="02020603050405020304" pitchFamily="18" charset="0"/>
+                <a:cs typeface="Times New Roman" panose="02020603050405020304" pitchFamily="18" charset="0"/>
+              </a:rPr>
+              <a:t> </a:t>
+            </a:r>
+            <a:r>
+              <a:rPr lang="en-US" dirty="0" err="1">
+                <a:latin typeface="Times New Roman" panose="02020603050405020304" pitchFamily="18" charset="0"/>
+                <a:cs typeface="Times New Roman" panose="02020603050405020304" pitchFamily="18" charset="0"/>
+              </a:rPr>
+              <a:t>ghi</a:t>
+            </a:r>
+            <a:r>
+              <a:rPr lang="en-US" dirty="0">
+                <a:latin typeface="Times New Roman" panose="02020603050405020304" pitchFamily="18" charset="0"/>
+                <a:cs typeface="Times New Roman" panose="02020603050405020304" pitchFamily="18" charset="0"/>
+              </a:rPr>
+              <a:t> </a:t>
+            </a:r>
+            <a:r>
+              <a:rPr lang="en-US" dirty="0" err="1">
+                <a:latin typeface="Times New Roman" panose="02020603050405020304" pitchFamily="18" charset="0"/>
+                <a:cs typeface="Times New Roman" panose="02020603050405020304" pitchFamily="18" charset="0"/>
+              </a:rPr>
+              <a:t>nhận</a:t>
+            </a:r>
+            <a:r>
+              <a:rPr lang="en-US" dirty="0">
+                <a:latin typeface="Times New Roman" panose="02020603050405020304" pitchFamily="18" charset="0"/>
+                <a:cs typeface="Times New Roman" panose="02020603050405020304" pitchFamily="18" charset="0"/>
+              </a:rPr>
+              <a:t> </a:t>
+            </a:r>
+            <a:r>
+              <a:rPr lang="en-US" dirty="0" err="1">
+                <a:latin typeface="Times New Roman" panose="02020603050405020304" pitchFamily="18" charset="0"/>
+                <a:cs typeface="Times New Roman" panose="02020603050405020304" pitchFamily="18" charset="0"/>
+              </a:rPr>
+              <a:t>biến</a:t>
+            </a:r>
+            <a:r>
+              <a:rPr lang="en-US" dirty="0">
+                <a:latin typeface="Times New Roman" panose="02020603050405020304" pitchFamily="18" charset="0"/>
+                <a:cs typeface="Times New Roman" panose="02020603050405020304" pitchFamily="18" charset="0"/>
+              </a:rPr>
+              <a:t> </a:t>
+            </a:r>
+            <a:r>
+              <a:rPr lang="en-US" dirty="0" err="1">
+                <a:latin typeface="Times New Roman" panose="02020603050405020304" pitchFamily="18" charset="0"/>
+                <a:cs typeface="Times New Roman" panose="02020603050405020304" pitchFamily="18" charset="0"/>
+              </a:rPr>
+              <a:t>số</a:t>
+            </a:r>
+            <a:r>
+              <a:rPr lang="en-US" dirty="0">
+                <a:latin typeface="Times New Roman" panose="02020603050405020304" pitchFamily="18" charset="0"/>
+                <a:cs typeface="Times New Roman" panose="02020603050405020304" pitchFamily="18" charset="0"/>
+              </a:rPr>
+              <a:t> </a:t>
+            </a:r>
+            <a:r>
+              <a:rPr lang="en-US" dirty="0" err="1">
+                <a:latin typeface="Times New Roman" panose="02020603050405020304" pitchFamily="18" charset="0"/>
+                <a:cs typeface="Times New Roman" panose="02020603050405020304" pitchFamily="18" charset="0"/>
+              </a:rPr>
+              <a:t>chưa</a:t>
+            </a:r>
+            <a:r>
+              <a:rPr lang="en-US" dirty="0">
+                <a:latin typeface="Times New Roman" panose="02020603050405020304" pitchFamily="18" charset="0"/>
+                <a:cs typeface="Times New Roman" panose="02020603050405020304" pitchFamily="18" charset="0"/>
+              </a:rPr>
+              <a:t>.</a:t>
+            </a:r>
+          </a:p>
+          <a:p>
+            <a:pPr marL="285750" indent="-285750" algn="just">
+              <a:lnSpc>
+                <a:spcPct val="150000"/>
+              </a:lnSpc>
+              <a:buFont typeface="Wingdings" panose="05000000000000000000" pitchFamily="2" charset="2"/>
+              <a:buChar char="§"/>
+            </a:pPr>
+            <a:r>
+              <a:rPr lang="en-US" dirty="0" err="1">
+                <a:latin typeface="Times New Roman" panose="02020603050405020304" pitchFamily="18" charset="0"/>
+                <a:cs typeface="Times New Roman" panose="02020603050405020304" pitchFamily="18" charset="0"/>
+              </a:rPr>
+              <a:t>Nghiên</a:t>
+            </a:r>
+            <a:r>
+              <a:rPr lang="en-US" dirty="0">
+                <a:latin typeface="Times New Roman" panose="02020603050405020304" pitchFamily="18" charset="0"/>
+                <a:cs typeface="Times New Roman" panose="02020603050405020304" pitchFamily="18" charset="0"/>
+              </a:rPr>
+              <a:t> </a:t>
+            </a:r>
+            <a:r>
+              <a:rPr lang="en-US" dirty="0" err="1">
+                <a:latin typeface="Times New Roman" panose="02020603050405020304" pitchFamily="18" charset="0"/>
+                <a:cs typeface="Times New Roman" panose="02020603050405020304" pitchFamily="18" charset="0"/>
+              </a:rPr>
+              <a:t>cứu</a:t>
+            </a:r>
+            <a:r>
+              <a:rPr lang="en-US" dirty="0">
+                <a:latin typeface="Times New Roman" panose="02020603050405020304" pitchFamily="18" charset="0"/>
+                <a:cs typeface="Times New Roman" panose="02020603050405020304" pitchFamily="18" charset="0"/>
+              </a:rPr>
+              <a:t> </a:t>
+            </a:r>
+            <a:r>
+              <a:rPr lang="en-US" dirty="0" err="1">
+                <a:latin typeface="Times New Roman" panose="02020603050405020304" pitchFamily="18" charset="0"/>
+                <a:cs typeface="Times New Roman" panose="02020603050405020304" pitchFamily="18" charset="0"/>
+              </a:rPr>
+              <a:t>công</a:t>
+            </a:r>
+            <a:r>
+              <a:rPr lang="en-US" dirty="0">
+                <a:latin typeface="Times New Roman" panose="02020603050405020304" pitchFamily="18" charset="0"/>
+                <a:cs typeface="Times New Roman" panose="02020603050405020304" pitchFamily="18" charset="0"/>
+              </a:rPr>
+              <a:t> </a:t>
+            </a:r>
+            <a:r>
+              <a:rPr lang="en-US" dirty="0" err="1">
+                <a:latin typeface="Times New Roman" panose="02020603050405020304" pitchFamily="18" charset="0"/>
+                <a:cs typeface="Times New Roman" panose="02020603050405020304" pitchFamily="18" charset="0"/>
+              </a:rPr>
+              <a:t>nghệ</a:t>
+            </a:r>
+            <a:r>
+              <a:rPr lang="en-US" dirty="0">
+                <a:latin typeface="Times New Roman" panose="02020603050405020304" pitchFamily="18" charset="0"/>
+                <a:cs typeface="Times New Roman" panose="02020603050405020304" pitchFamily="18" charset="0"/>
+              </a:rPr>
+              <a:t> AI, </a:t>
+            </a:r>
+            <a:r>
+              <a:rPr lang="en-US" dirty="0" err="1">
+                <a:latin typeface="Times New Roman" panose="02020603050405020304" pitchFamily="18" charset="0"/>
+                <a:cs typeface="Times New Roman" panose="02020603050405020304" pitchFamily="18" charset="0"/>
+              </a:rPr>
+              <a:t>đặt</a:t>
+            </a:r>
+            <a:r>
+              <a:rPr lang="en-US" dirty="0">
+                <a:latin typeface="Times New Roman" panose="02020603050405020304" pitchFamily="18" charset="0"/>
+                <a:cs typeface="Times New Roman" panose="02020603050405020304" pitchFamily="18" charset="0"/>
+              </a:rPr>
+              <a:t> camera </a:t>
+            </a:r>
+            <a:r>
+              <a:rPr lang="en-US" dirty="0" err="1">
+                <a:latin typeface="Times New Roman" panose="02020603050405020304" pitchFamily="18" charset="0"/>
+                <a:cs typeface="Times New Roman" panose="02020603050405020304" pitchFamily="18" charset="0"/>
+              </a:rPr>
+              <a:t>quản</a:t>
+            </a:r>
+            <a:r>
+              <a:rPr lang="en-US" dirty="0">
+                <a:latin typeface="Times New Roman" panose="02020603050405020304" pitchFamily="18" charset="0"/>
+                <a:cs typeface="Times New Roman" panose="02020603050405020304" pitchFamily="18" charset="0"/>
+              </a:rPr>
+              <a:t> </a:t>
+            </a:r>
+            <a:r>
+              <a:rPr lang="en-US" dirty="0" err="1">
+                <a:latin typeface="Times New Roman" panose="02020603050405020304" pitchFamily="18" charset="0"/>
+                <a:cs typeface="Times New Roman" panose="02020603050405020304" pitchFamily="18" charset="0"/>
+              </a:rPr>
+              <a:t>lý</a:t>
+            </a:r>
+            <a:r>
+              <a:rPr lang="en-US" dirty="0">
+                <a:latin typeface="Times New Roman" panose="02020603050405020304" pitchFamily="18" charset="0"/>
+                <a:cs typeface="Times New Roman" panose="02020603050405020304" pitchFamily="18" charset="0"/>
+              </a:rPr>
+              <a:t> </a:t>
+            </a:r>
+            <a:r>
+              <a:rPr lang="en-US" dirty="0" err="1">
+                <a:latin typeface="Times New Roman" panose="02020603050405020304" pitchFamily="18" charset="0"/>
+                <a:cs typeface="Times New Roman" panose="02020603050405020304" pitchFamily="18" charset="0"/>
+              </a:rPr>
+              <a:t>từng</a:t>
+            </a:r>
+            <a:r>
+              <a:rPr lang="en-US" dirty="0">
+                <a:latin typeface="Times New Roman" panose="02020603050405020304" pitchFamily="18" charset="0"/>
+                <a:cs typeface="Times New Roman" panose="02020603050405020304" pitchFamily="18" charset="0"/>
+              </a:rPr>
+              <a:t> </a:t>
+            </a:r>
+            <a:r>
+              <a:rPr lang="en-US" dirty="0" err="1">
+                <a:latin typeface="Times New Roman" panose="02020603050405020304" pitchFamily="18" charset="0"/>
+                <a:cs typeface="Times New Roman" panose="02020603050405020304" pitchFamily="18" charset="0"/>
+              </a:rPr>
+              <a:t>điểm</a:t>
+            </a:r>
+            <a:r>
+              <a:rPr lang="en-US" dirty="0">
+                <a:latin typeface="Times New Roman" panose="02020603050405020304" pitchFamily="18" charset="0"/>
+                <a:cs typeface="Times New Roman" panose="02020603050405020304" pitchFamily="18" charset="0"/>
+              </a:rPr>
+              <a:t>. </a:t>
+            </a:r>
+            <a:r>
+              <a:rPr lang="en-US" dirty="0" err="1">
+                <a:latin typeface="Times New Roman" panose="02020603050405020304" pitchFamily="18" charset="0"/>
+                <a:cs typeface="Times New Roman" panose="02020603050405020304" pitchFamily="18" charset="0"/>
+              </a:rPr>
+              <a:t>Một</a:t>
+            </a:r>
+            <a:r>
+              <a:rPr lang="en-US" dirty="0">
+                <a:latin typeface="Times New Roman" panose="02020603050405020304" pitchFamily="18" charset="0"/>
+                <a:cs typeface="Times New Roman" panose="02020603050405020304" pitchFamily="18" charset="0"/>
+              </a:rPr>
+              <a:t> camera </a:t>
+            </a:r>
+            <a:r>
+              <a:rPr lang="en-US" dirty="0" err="1">
+                <a:latin typeface="Times New Roman" panose="02020603050405020304" pitchFamily="18" charset="0"/>
+                <a:cs typeface="Times New Roman" panose="02020603050405020304" pitchFamily="18" charset="0"/>
+              </a:rPr>
+              <a:t>quản</a:t>
+            </a:r>
+            <a:r>
+              <a:rPr lang="en-US" dirty="0">
+                <a:latin typeface="Times New Roman" panose="02020603050405020304" pitchFamily="18" charset="0"/>
+                <a:cs typeface="Times New Roman" panose="02020603050405020304" pitchFamily="18" charset="0"/>
+              </a:rPr>
+              <a:t> </a:t>
+            </a:r>
+            <a:r>
+              <a:rPr lang="en-US" dirty="0" err="1">
+                <a:latin typeface="Times New Roman" panose="02020603050405020304" pitchFamily="18" charset="0"/>
+                <a:cs typeface="Times New Roman" panose="02020603050405020304" pitchFamily="18" charset="0"/>
+              </a:rPr>
+              <a:t>lý</a:t>
+            </a:r>
+            <a:r>
+              <a:rPr lang="en-US" dirty="0">
+                <a:latin typeface="Times New Roman" panose="02020603050405020304" pitchFamily="18" charset="0"/>
+                <a:cs typeface="Times New Roman" panose="02020603050405020304" pitchFamily="18" charset="0"/>
+              </a:rPr>
+              <a:t> 3 - 4 </a:t>
+            </a:r>
+            <a:r>
+              <a:rPr lang="en-US" dirty="0" err="1">
+                <a:latin typeface="Times New Roman" panose="02020603050405020304" pitchFamily="18" charset="0"/>
+                <a:cs typeface="Times New Roman" panose="02020603050405020304" pitchFamily="18" charset="0"/>
+              </a:rPr>
+              <a:t>chỗ</a:t>
+            </a:r>
+            <a:r>
+              <a:rPr lang="en-US" dirty="0">
+                <a:latin typeface="Times New Roman" panose="02020603050405020304" pitchFamily="18" charset="0"/>
+                <a:cs typeface="Times New Roman" panose="02020603050405020304" pitchFamily="18" charset="0"/>
+              </a:rPr>
+              <a:t> </a:t>
+            </a:r>
+            <a:r>
+              <a:rPr lang="en-US" dirty="0" err="1">
+                <a:latin typeface="Times New Roman" panose="02020603050405020304" pitchFamily="18" charset="0"/>
+                <a:cs typeface="Times New Roman" panose="02020603050405020304" pitchFamily="18" charset="0"/>
+              </a:rPr>
+              <a:t>đỗ</a:t>
+            </a:r>
+            <a:r>
+              <a:rPr lang="en-US" dirty="0">
+                <a:latin typeface="Times New Roman" panose="02020603050405020304" pitchFamily="18" charset="0"/>
+                <a:cs typeface="Times New Roman" panose="02020603050405020304" pitchFamily="18" charset="0"/>
+              </a:rPr>
+              <a:t> </a:t>
+            </a:r>
+            <a:r>
+              <a:rPr lang="en-US" dirty="0" err="1">
+                <a:latin typeface="Times New Roman" panose="02020603050405020304" pitchFamily="18" charset="0"/>
+                <a:cs typeface="Times New Roman" panose="02020603050405020304" pitchFamily="18" charset="0"/>
+              </a:rPr>
+              <a:t>xe</a:t>
+            </a:r>
+            <a:r>
+              <a:rPr lang="en-US" dirty="0">
+                <a:latin typeface="Times New Roman" panose="02020603050405020304" pitchFamily="18" charset="0"/>
+                <a:cs typeface="Times New Roman" panose="02020603050405020304" pitchFamily="18" charset="0"/>
+              </a:rPr>
+              <a:t>.</a:t>
+            </a:r>
+          </a:p>
+          <a:p>
+            <a:pPr marL="285750" indent="-285750" algn="just">
+              <a:lnSpc>
+                <a:spcPct val="150000"/>
+              </a:lnSpc>
+              <a:buFont typeface="Wingdings" panose="05000000000000000000" pitchFamily="2" charset="2"/>
+              <a:buChar char="§"/>
+            </a:pPr>
+            <a:r>
+              <a:rPr lang="en-US" dirty="0">
+                <a:latin typeface="Times New Roman" panose="02020603050405020304" pitchFamily="18" charset="0"/>
+                <a:cs typeface="Times New Roman" panose="02020603050405020304" pitchFamily="18" charset="0"/>
+              </a:rPr>
+              <a:t>Cho </a:t>
+            </a:r>
+            <a:r>
+              <a:rPr lang="en-US" dirty="0" err="1">
+                <a:latin typeface="Times New Roman" panose="02020603050405020304" pitchFamily="18" charset="0"/>
+                <a:cs typeface="Times New Roman" panose="02020603050405020304" pitchFamily="18" charset="0"/>
+              </a:rPr>
+              <a:t>đặt</a:t>
+            </a:r>
+            <a:r>
+              <a:rPr lang="en-US" dirty="0">
+                <a:latin typeface="Times New Roman" panose="02020603050405020304" pitchFamily="18" charset="0"/>
+                <a:cs typeface="Times New Roman" panose="02020603050405020304" pitchFamily="18" charset="0"/>
+              </a:rPr>
+              <a:t> </a:t>
+            </a:r>
+            <a:r>
+              <a:rPr lang="en-US" dirty="0" err="1">
+                <a:latin typeface="Times New Roman" panose="02020603050405020304" pitchFamily="18" charset="0"/>
+                <a:cs typeface="Times New Roman" panose="02020603050405020304" pitchFamily="18" charset="0"/>
+              </a:rPr>
+              <a:t>chỗ</a:t>
+            </a:r>
+            <a:r>
+              <a:rPr lang="en-US" dirty="0">
+                <a:latin typeface="Times New Roman" panose="02020603050405020304" pitchFamily="18" charset="0"/>
+                <a:cs typeface="Times New Roman" panose="02020603050405020304" pitchFamily="18" charset="0"/>
+              </a:rPr>
+              <a:t> </a:t>
+            </a:r>
+            <a:r>
+              <a:rPr lang="en-US" dirty="0" err="1">
+                <a:latin typeface="Times New Roman" panose="02020603050405020304" pitchFamily="18" charset="0"/>
+                <a:cs typeface="Times New Roman" panose="02020603050405020304" pitchFamily="18" charset="0"/>
+              </a:rPr>
+              <a:t>trên</a:t>
+            </a:r>
+            <a:r>
+              <a:rPr lang="en-US" dirty="0">
+                <a:latin typeface="Times New Roman" panose="02020603050405020304" pitchFamily="18" charset="0"/>
+                <a:cs typeface="Times New Roman" panose="02020603050405020304" pitchFamily="18" charset="0"/>
+              </a:rPr>
+              <a:t> web </a:t>
+            </a:r>
+            <a:r>
+              <a:rPr lang="en-US" dirty="0" err="1">
+                <a:latin typeface="Times New Roman" panose="02020603050405020304" pitchFamily="18" charset="0"/>
+                <a:cs typeface="Times New Roman" panose="02020603050405020304" pitchFamily="18" charset="0"/>
+              </a:rPr>
+              <a:t>hoặc</a:t>
+            </a:r>
+            <a:r>
+              <a:rPr lang="en-US" dirty="0">
+                <a:latin typeface="Times New Roman" panose="02020603050405020304" pitchFamily="18" charset="0"/>
+                <a:cs typeface="Times New Roman" panose="02020603050405020304" pitchFamily="18" charset="0"/>
+              </a:rPr>
+              <a:t> app </a:t>
+            </a:r>
+            <a:r>
+              <a:rPr lang="en-US" dirty="0" err="1">
+                <a:latin typeface="Times New Roman" panose="02020603050405020304" pitchFamily="18" charset="0"/>
+                <a:cs typeface="Times New Roman" panose="02020603050405020304" pitchFamily="18" charset="0"/>
+              </a:rPr>
+              <a:t>theo</a:t>
+            </a:r>
+            <a:r>
+              <a:rPr lang="en-US" dirty="0">
+                <a:latin typeface="Times New Roman" panose="02020603050405020304" pitchFamily="18" charset="0"/>
+                <a:cs typeface="Times New Roman" panose="02020603050405020304" pitchFamily="18" charset="0"/>
+              </a:rPr>
+              <a:t> </a:t>
+            </a:r>
+            <a:r>
+              <a:rPr lang="en-US" dirty="0" err="1">
+                <a:latin typeface="Times New Roman" panose="02020603050405020304" pitchFamily="18" charset="0"/>
+                <a:cs typeface="Times New Roman" panose="02020603050405020304" pitchFamily="18" charset="0"/>
+              </a:rPr>
+              <a:t>thời</a:t>
+            </a:r>
+            <a:r>
+              <a:rPr lang="en-US" dirty="0">
+                <a:latin typeface="Times New Roman" panose="02020603050405020304" pitchFamily="18" charset="0"/>
+                <a:cs typeface="Times New Roman" panose="02020603050405020304" pitchFamily="18" charset="0"/>
+              </a:rPr>
+              <a:t> </a:t>
+            </a:r>
+            <a:r>
+              <a:rPr lang="en-US" dirty="0" err="1">
+                <a:latin typeface="Times New Roman" panose="02020603050405020304" pitchFamily="18" charset="0"/>
+                <a:cs typeface="Times New Roman" panose="02020603050405020304" pitchFamily="18" charset="0"/>
+              </a:rPr>
+              <a:t>gian</a:t>
+            </a:r>
+            <a:r>
+              <a:rPr lang="en-US" dirty="0">
+                <a:latin typeface="Times New Roman" panose="02020603050405020304" pitchFamily="18" charset="0"/>
+                <a:cs typeface="Times New Roman" panose="02020603050405020304" pitchFamily="18" charset="0"/>
+              </a:rPr>
+              <a:t>. </a:t>
+            </a:r>
+            <a:r>
+              <a:rPr lang="en-US" dirty="0" err="1">
+                <a:latin typeface="Times New Roman" panose="02020603050405020304" pitchFamily="18" charset="0"/>
+                <a:cs typeface="Times New Roman" panose="02020603050405020304" pitchFamily="18" charset="0"/>
+              </a:rPr>
+              <a:t>Quá</a:t>
+            </a:r>
+            <a:r>
+              <a:rPr lang="en-US" dirty="0">
+                <a:latin typeface="Times New Roman" panose="02020603050405020304" pitchFamily="18" charset="0"/>
+                <a:cs typeface="Times New Roman" panose="02020603050405020304" pitchFamily="18" charset="0"/>
+              </a:rPr>
+              <a:t> </a:t>
+            </a:r>
+            <a:r>
+              <a:rPr lang="en-US" dirty="0" err="1">
+                <a:latin typeface="Times New Roman" panose="02020603050405020304" pitchFamily="18" charset="0"/>
+                <a:cs typeface="Times New Roman" panose="02020603050405020304" pitchFamily="18" charset="0"/>
+              </a:rPr>
+              <a:t>thời</a:t>
+            </a:r>
+            <a:r>
+              <a:rPr lang="en-US" dirty="0">
+                <a:latin typeface="Times New Roman" panose="02020603050405020304" pitchFamily="18" charset="0"/>
+                <a:cs typeface="Times New Roman" panose="02020603050405020304" pitchFamily="18" charset="0"/>
+              </a:rPr>
+              <a:t>  </a:t>
+            </a:r>
+            <a:r>
+              <a:rPr lang="en-US" dirty="0" err="1">
+                <a:latin typeface="Times New Roman" panose="02020603050405020304" pitchFamily="18" charset="0"/>
+                <a:cs typeface="Times New Roman" panose="02020603050405020304" pitchFamily="18" charset="0"/>
+              </a:rPr>
+              <a:t>gian</a:t>
+            </a:r>
+            <a:r>
+              <a:rPr lang="en-US" dirty="0">
+                <a:latin typeface="Times New Roman" panose="02020603050405020304" pitchFamily="18" charset="0"/>
+                <a:cs typeface="Times New Roman" panose="02020603050405020304" pitchFamily="18" charset="0"/>
+              </a:rPr>
+              <a:t> </a:t>
+            </a:r>
+            <a:r>
+              <a:rPr lang="en-US" dirty="0" err="1">
+                <a:latin typeface="Times New Roman" panose="02020603050405020304" pitchFamily="18" charset="0"/>
+                <a:cs typeface="Times New Roman" panose="02020603050405020304" pitchFamily="18" charset="0"/>
+              </a:rPr>
+              <a:t>sẽ</a:t>
+            </a:r>
+            <a:r>
+              <a:rPr lang="en-US" dirty="0">
+                <a:latin typeface="Times New Roman" panose="02020603050405020304" pitchFamily="18" charset="0"/>
+                <a:cs typeface="Times New Roman" panose="02020603050405020304" pitchFamily="18" charset="0"/>
+              </a:rPr>
+              <a:t> </a:t>
+            </a:r>
+            <a:r>
+              <a:rPr lang="en-US" dirty="0" err="1">
+                <a:latin typeface="Times New Roman" panose="02020603050405020304" pitchFamily="18" charset="0"/>
+                <a:cs typeface="Times New Roman" panose="02020603050405020304" pitchFamily="18" charset="0"/>
+              </a:rPr>
+              <a:t>bị</a:t>
+            </a:r>
+            <a:r>
+              <a:rPr lang="en-US" dirty="0">
+                <a:latin typeface="Times New Roman" panose="02020603050405020304" pitchFamily="18" charset="0"/>
+                <a:cs typeface="Times New Roman" panose="02020603050405020304" pitchFamily="18" charset="0"/>
+              </a:rPr>
+              <a:t> </a:t>
+            </a:r>
+            <a:r>
+              <a:rPr lang="en-US" dirty="0" err="1">
+                <a:latin typeface="Times New Roman" panose="02020603050405020304" pitchFamily="18" charset="0"/>
+                <a:cs typeface="Times New Roman" panose="02020603050405020304" pitchFamily="18" charset="0"/>
+              </a:rPr>
+              <a:t>hủy</a:t>
+            </a:r>
+            <a:r>
+              <a:rPr lang="en-US" dirty="0">
+                <a:latin typeface="Times New Roman" panose="02020603050405020304" pitchFamily="18" charset="0"/>
+                <a:cs typeface="Times New Roman" panose="02020603050405020304" pitchFamily="18" charset="0"/>
+              </a:rPr>
+              <a:t> </a:t>
+            </a:r>
+            <a:r>
+              <a:rPr lang="en-US" dirty="0" err="1">
+                <a:latin typeface="Times New Roman" panose="02020603050405020304" pitchFamily="18" charset="0"/>
+                <a:cs typeface="Times New Roman" panose="02020603050405020304" pitchFamily="18" charset="0"/>
+              </a:rPr>
+              <a:t>chỗ</a:t>
+            </a:r>
+            <a:r>
+              <a:rPr lang="en-US" dirty="0">
+                <a:latin typeface="Times New Roman" panose="02020603050405020304" pitchFamily="18" charset="0"/>
+                <a:cs typeface="Times New Roman" panose="02020603050405020304" pitchFamily="18" charset="0"/>
+              </a:rPr>
+              <a:t>.</a:t>
+            </a:r>
+          </a:p>
+        </p:txBody>
+      </p:sp>
+      <p:sp>
+        <p:nvSpPr>
+          <p:cNvPr id="5" name="TextBox 4">
+            <a:extLst>
+              <a:ext uri="{FF2B5EF4-FFF2-40B4-BE49-F238E27FC236}">
+                <a16:creationId xmlns:a16="http://schemas.microsoft.com/office/drawing/2014/main" id="{CF62ED6D-6409-4A89-87D5-27559EEF4BD5}"/>
+              </a:ext>
+            </a:extLst>
+          </p:cNvPr>
+          <p:cNvSpPr txBox="1"/>
+          <p:nvPr/>
+        </p:nvSpPr>
+        <p:spPr>
+          <a:xfrm>
+            <a:off x="775854" y="1163685"/>
+            <a:ext cx="2429164" cy="3870227"/>
+          </a:xfrm>
+          <a:prstGeom prst="rect">
+            <a:avLst/>
+          </a:prstGeom>
+          <a:noFill/>
+        </p:spPr>
+        <p:txBody>
+          <a:bodyPr wrap="square" rtlCol="0">
+            <a:spAutoFit/>
+          </a:bodyPr>
+          <a:lstStyle/>
+          <a:p>
+            <a:pPr algn="ctr">
+              <a:lnSpc>
+                <a:spcPct val="200000"/>
+              </a:lnSpc>
+            </a:pPr>
+            <a:r>
+              <a:rPr lang="en-US" sz="3200" dirty="0" err="1">
+                <a:latin typeface="Bahnschrift" panose="020B0502040204020203" pitchFamily="34" charset="0"/>
+                <a:cs typeface="Times New Roman" panose="02020603050405020304" pitchFamily="18" charset="0"/>
+              </a:rPr>
+              <a:t>Làm</a:t>
+            </a:r>
+            <a:r>
+              <a:rPr lang="en-US" sz="3200" dirty="0">
+                <a:latin typeface="Bahnschrift" panose="020B0502040204020203" pitchFamily="34" charset="0"/>
+                <a:cs typeface="Times New Roman" panose="02020603050405020304" pitchFamily="18" charset="0"/>
+              </a:rPr>
+              <a:t> </a:t>
+            </a:r>
+            <a:r>
+              <a:rPr lang="en-US" sz="3200" dirty="0" err="1">
+                <a:latin typeface="Bahnschrift" panose="020B0502040204020203" pitchFamily="34" charset="0"/>
+                <a:cs typeface="Times New Roman" panose="02020603050405020304" pitchFamily="18" charset="0"/>
+              </a:rPr>
+              <a:t>thế</a:t>
+            </a:r>
+            <a:r>
+              <a:rPr lang="en-US" sz="3200" dirty="0">
+                <a:latin typeface="Bahnschrift" panose="020B0502040204020203" pitchFamily="34" charset="0"/>
+                <a:cs typeface="Times New Roman" panose="02020603050405020304" pitchFamily="18" charset="0"/>
+              </a:rPr>
+              <a:t> </a:t>
+            </a:r>
+            <a:r>
+              <a:rPr lang="en-US" sz="3200" dirty="0" err="1">
+                <a:latin typeface="Bahnschrift" panose="020B0502040204020203" pitchFamily="34" charset="0"/>
+                <a:cs typeface="Times New Roman" panose="02020603050405020304" pitchFamily="18" charset="0"/>
+              </a:rPr>
+              <a:t>nào</a:t>
+            </a:r>
+            <a:r>
+              <a:rPr lang="en-US" sz="3200" dirty="0">
+                <a:latin typeface="Bahnschrift" panose="020B0502040204020203" pitchFamily="34" charset="0"/>
+                <a:cs typeface="Times New Roman" panose="02020603050405020304" pitchFamily="18" charset="0"/>
+              </a:rPr>
+              <a:t> </a:t>
+            </a:r>
+            <a:r>
+              <a:rPr lang="en-US" sz="3200" dirty="0" err="1">
+                <a:latin typeface="Bahnschrift" panose="020B0502040204020203" pitchFamily="34" charset="0"/>
+                <a:cs typeface="Times New Roman" panose="02020603050405020304" pitchFamily="18" charset="0"/>
+              </a:rPr>
+              <a:t>xây</a:t>
+            </a:r>
+            <a:r>
+              <a:rPr lang="en-US" sz="3200" dirty="0">
+                <a:latin typeface="Bahnschrift" panose="020B0502040204020203" pitchFamily="34" charset="0"/>
+                <a:cs typeface="Times New Roman" panose="02020603050405020304" pitchFamily="18" charset="0"/>
+              </a:rPr>
+              <a:t> </a:t>
+            </a:r>
+            <a:r>
+              <a:rPr lang="en-US" sz="3200" dirty="0" err="1">
+                <a:latin typeface="Bahnschrift" panose="020B0502040204020203" pitchFamily="34" charset="0"/>
+                <a:cs typeface="Times New Roman" panose="02020603050405020304" pitchFamily="18" charset="0"/>
+              </a:rPr>
+              <a:t>dựng</a:t>
+            </a:r>
+            <a:r>
+              <a:rPr lang="en-US" sz="3200" dirty="0">
+                <a:latin typeface="Bahnschrift" panose="020B0502040204020203" pitchFamily="34" charset="0"/>
+                <a:cs typeface="Times New Roman" panose="02020603050405020304" pitchFamily="18" charset="0"/>
+              </a:rPr>
+              <a:t> </a:t>
+            </a:r>
+            <a:r>
+              <a:rPr lang="en-US" sz="3200" dirty="0" err="1">
+                <a:latin typeface="Bahnschrift" panose="020B0502040204020203" pitchFamily="34" charset="0"/>
+                <a:cs typeface="Times New Roman" panose="02020603050405020304" pitchFamily="18" charset="0"/>
+              </a:rPr>
+              <a:t>bãi</a:t>
+            </a:r>
+            <a:r>
+              <a:rPr lang="en-US" sz="3200" dirty="0">
+                <a:latin typeface="Bahnschrift" panose="020B0502040204020203" pitchFamily="34" charset="0"/>
+                <a:cs typeface="Times New Roman" panose="02020603050405020304" pitchFamily="18" charset="0"/>
+              </a:rPr>
+              <a:t> </a:t>
+            </a:r>
+            <a:r>
+              <a:rPr lang="en-US" sz="3200" dirty="0" err="1">
+                <a:latin typeface="Bahnschrift" panose="020B0502040204020203" pitchFamily="34" charset="0"/>
+                <a:cs typeface="Times New Roman" panose="02020603050405020304" pitchFamily="18" charset="0"/>
+              </a:rPr>
+              <a:t>xe</a:t>
+            </a:r>
+            <a:r>
+              <a:rPr lang="en-US" sz="3200" dirty="0">
+                <a:latin typeface="Bahnschrift" panose="020B0502040204020203" pitchFamily="34" charset="0"/>
+                <a:cs typeface="Times New Roman" panose="02020603050405020304" pitchFamily="18" charset="0"/>
+              </a:rPr>
+              <a:t> </a:t>
+            </a:r>
+            <a:r>
+              <a:rPr lang="en-US" sz="3200" dirty="0" err="1">
+                <a:latin typeface="Bahnschrift" panose="020B0502040204020203" pitchFamily="34" charset="0"/>
+                <a:cs typeface="Times New Roman" panose="02020603050405020304" pitchFamily="18" charset="0"/>
+              </a:rPr>
+              <a:t>thông</a:t>
+            </a:r>
+            <a:r>
+              <a:rPr lang="en-US" sz="3200" dirty="0">
+                <a:latin typeface="Bahnschrift" panose="020B0502040204020203" pitchFamily="34" charset="0"/>
+                <a:cs typeface="Times New Roman" panose="02020603050405020304" pitchFamily="18" charset="0"/>
+              </a:rPr>
+              <a:t> </a:t>
+            </a:r>
+            <a:r>
+              <a:rPr lang="en-US" sz="3200" dirty="0" err="1">
+                <a:latin typeface="Bahnschrift" panose="020B0502040204020203" pitchFamily="34" charset="0"/>
+                <a:cs typeface="Times New Roman" panose="02020603050405020304" pitchFamily="18" charset="0"/>
+              </a:rPr>
+              <a:t>minh</a:t>
+            </a:r>
+            <a:endParaRPr lang="en-US" sz="3200" dirty="0">
+              <a:latin typeface="Bahnschrift" panose="020B0502040204020203" pitchFamily="34" charset="0"/>
+              <a:cs typeface="Times New Roman" panose="02020603050405020304" pitchFamily="18" charset="0"/>
+            </a:endParaRPr>
+          </a:p>
+        </p:txBody>
+      </p:sp>
+      <p:pic>
+        <p:nvPicPr>
+          <p:cNvPr id="7" name="Picture 6">
+            <a:extLst>
+              <a:ext uri="{FF2B5EF4-FFF2-40B4-BE49-F238E27FC236}">
+                <a16:creationId xmlns:a16="http://schemas.microsoft.com/office/drawing/2014/main" id="{0C112F55-A782-4A51-886E-B6BD09059000}"/>
+              </a:ext>
+            </a:extLst>
+          </p:cNvPr>
+          <p:cNvPicPr>
+            <a:picLocks noChangeAspect="1"/>
+          </p:cNvPicPr>
+          <p:nvPr/>
+        </p:nvPicPr>
+        <p:blipFill>
+          <a:blip r:embed="rId2"/>
+          <a:stretch>
+            <a:fillRect/>
+          </a:stretch>
+        </p:blipFill>
+        <p:spPr>
+          <a:xfrm>
+            <a:off x="8906308" y="0"/>
+            <a:ext cx="3190875" cy="981075"/>
+          </a:xfrm>
+          <a:prstGeom prst="rect">
+            <a:avLst/>
+          </a:prstGeom>
+        </p:spPr>
+      </p:pic>
+      <p:pic>
+        <p:nvPicPr>
+          <p:cNvPr id="11" name="Picture 10">
+            <a:extLst>
+              <a:ext uri="{FF2B5EF4-FFF2-40B4-BE49-F238E27FC236}">
+                <a16:creationId xmlns:a16="http://schemas.microsoft.com/office/drawing/2014/main" id="{187A5006-0FF4-461F-AB85-6C6A293A9E61}"/>
+              </a:ext>
+            </a:extLst>
+          </p:cNvPr>
+          <p:cNvPicPr>
+            <a:picLocks noChangeAspect="1"/>
+          </p:cNvPicPr>
+          <p:nvPr/>
+        </p:nvPicPr>
+        <p:blipFill rotWithShape="1">
+          <a:blip r:embed="rId3"/>
+          <a:srcRect t="7044" b="33412"/>
+          <a:stretch/>
+        </p:blipFill>
+        <p:spPr>
+          <a:xfrm>
+            <a:off x="0" y="6534726"/>
+            <a:ext cx="12192000" cy="323274"/>
+          </a:xfrm>
+          <a:prstGeom prst="rect">
+            <a:avLst/>
+          </a:prstGeom>
+        </p:spPr>
+      </p:pic>
+    </p:spTree>
+    <p:extLst>
+      <p:ext uri="{BB962C8B-B14F-4D97-AF65-F5344CB8AC3E}">
+        <p14:creationId xmlns:p14="http://schemas.microsoft.com/office/powerpoint/2010/main" val="2661805216"/>
+      </p:ext>
+    </p:extLst>
+  </p:cSld>
+  <p:clrMapOvr>
+    <a:masterClrMapping/>
+  </p:clrMapOvr>
+</p:sld>
+</file>
+
+<file path=ppt/slides/slide8.xml><?xml version="1.0" encoding="utf-8"?>
+<p:sld xmlns:a="http://schemas.openxmlformats.org/drawingml/2006/main" xmlns:r="http://schemas.openxmlformats.org/officeDocument/2006/relationships" xmlns:p="http://schemas.openxmlformats.org/presentationml/2006/main">
+  <p:cSld>
+    <p:spTree>
+      <p:nvGrpSpPr>
+        <p:cNvPr id="1" name=""/>
+        <p:cNvGrpSpPr/>
+        <p:nvPr/>
+      </p:nvGrpSpPr>
+      <p:grpSpPr>
+        <a:xfrm>
+          <a:off x="0" y="0"/>
+          <a:ext cx="0" cy="0"/>
+          <a:chOff x="0" y="0"/>
+          <a:chExt cx="0" cy="0"/>
+        </a:xfrm>
+      </p:grpSpPr>
+      <p:pic>
+        <p:nvPicPr>
+          <p:cNvPr id="3" name="Picture 2">
+            <a:extLst>
+              <a:ext uri="{FF2B5EF4-FFF2-40B4-BE49-F238E27FC236}">
+                <a16:creationId xmlns:a16="http://schemas.microsoft.com/office/drawing/2014/main" id="{8EF39049-8233-452F-89D9-097B7509E296}"/>
+              </a:ext>
+            </a:extLst>
+          </p:cNvPr>
+          <p:cNvPicPr>
+            <a:picLocks noChangeAspect="1"/>
+          </p:cNvPicPr>
+          <p:nvPr/>
+        </p:nvPicPr>
+        <p:blipFill rotWithShape="1">
+          <a:blip r:embed="rId2"/>
+          <a:srcRect t="7044" b="33412"/>
+          <a:stretch/>
+        </p:blipFill>
+        <p:spPr>
+          <a:xfrm>
+            <a:off x="0" y="6534726"/>
+            <a:ext cx="12192000" cy="323274"/>
+          </a:xfrm>
+          <a:prstGeom prst="rect">
+            <a:avLst/>
+          </a:prstGeom>
+        </p:spPr>
+      </p:pic>
+      <p:pic>
+        <p:nvPicPr>
+          <p:cNvPr id="5" name="Picture 4">
+            <a:extLst>
+              <a:ext uri="{FF2B5EF4-FFF2-40B4-BE49-F238E27FC236}">
+                <a16:creationId xmlns:a16="http://schemas.microsoft.com/office/drawing/2014/main" id="{ACDDBF2E-0337-451D-9014-19CCFBB0695E}"/>
+              </a:ext>
+            </a:extLst>
+          </p:cNvPr>
+          <p:cNvPicPr>
+            <a:picLocks noChangeAspect="1"/>
+          </p:cNvPicPr>
+          <p:nvPr/>
+        </p:nvPicPr>
+        <p:blipFill>
+          <a:blip r:embed="rId3"/>
+          <a:stretch>
+            <a:fillRect/>
+          </a:stretch>
+        </p:blipFill>
+        <p:spPr>
+          <a:xfrm>
+            <a:off x="8878599" y="84425"/>
+            <a:ext cx="3190875" cy="981075"/>
+          </a:xfrm>
+          <a:prstGeom prst="rect">
+            <a:avLst/>
+          </a:prstGeom>
+        </p:spPr>
+      </p:pic>
+      <p:sp>
+        <p:nvSpPr>
+          <p:cNvPr id="6" name="TextBox 5">
+            <a:extLst>
+              <a:ext uri="{FF2B5EF4-FFF2-40B4-BE49-F238E27FC236}">
+                <a16:creationId xmlns:a16="http://schemas.microsoft.com/office/drawing/2014/main" id="{4C775936-D10E-43B0-831A-731616ED444D}"/>
+              </a:ext>
+            </a:extLst>
+          </p:cNvPr>
+          <p:cNvSpPr txBox="1"/>
+          <p:nvPr/>
+        </p:nvSpPr>
+        <p:spPr>
+          <a:xfrm>
+            <a:off x="443345" y="1357186"/>
+            <a:ext cx="3094181" cy="3583545"/>
+          </a:xfrm>
+          <a:prstGeom prst="rect">
+            <a:avLst/>
+          </a:prstGeom>
+          <a:noFill/>
+        </p:spPr>
+        <p:txBody>
+          <a:bodyPr wrap="square" rtlCol="0">
+            <a:spAutoFit/>
+          </a:bodyPr>
+          <a:lstStyle/>
+          <a:p>
+            <a:pPr algn="ctr">
+              <a:lnSpc>
+                <a:spcPct val="200000"/>
+              </a:lnSpc>
+            </a:pPr>
+            <a:r>
+              <a:rPr lang="en-US" sz="4000" dirty="0" err="1">
+                <a:latin typeface="Bahnschrift" panose="020B0502040204020203" pitchFamily="34" charset="0"/>
+                <a:cs typeface="Times New Roman" panose="02020603050405020304" pitchFamily="18" charset="0"/>
+              </a:rPr>
+              <a:t>Lợi</a:t>
+            </a:r>
+            <a:r>
+              <a:rPr lang="en-US" sz="4000" dirty="0">
+                <a:latin typeface="Bahnschrift" panose="020B0502040204020203" pitchFamily="34" charset="0"/>
+                <a:cs typeface="Times New Roman" panose="02020603050405020304" pitchFamily="18" charset="0"/>
+              </a:rPr>
+              <a:t> </a:t>
+            </a:r>
+            <a:r>
+              <a:rPr lang="en-US" sz="4000" dirty="0" err="1">
+                <a:latin typeface="Bahnschrift" panose="020B0502040204020203" pitchFamily="34" charset="0"/>
+                <a:cs typeface="Times New Roman" panose="02020603050405020304" pitchFamily="18" charset="0"/>
+              </a:rPr>
+              <a:t>ích</a:t>
+            </a:r>
+            <a:r>
+              <a:rPr lang="en-US" sz="4000" dirty="0">
+                <a:latin typeface="Bahnschrift" panose="020B0502040204020203" pitchFamily="34" charset="0"/>
+                <a:cs typeface="Times New Roman" panose="02020603050405020304" pitchFamily="18" charset="0"/>
+              </a:rPr>
+              <a:t> </a:t>
+            </a:r>
+            <a:r>
+              <a:rPr lang="en-US" sz="4000" dirty="0" err="1">
+                <a:latin typeface="Bahnschrift" panose="020B0502040204020203" pitchFamily="34" charset="0"/>
+                <a:cs typeface="Times New Roman" panose="02020603050405020304" pitchFamily="18" charset="0"/>
+              </a:rPr>
+              <a:t>khi</a:t>
+            </a:r>
+            <a:r>
+              <a:rPr lang="en-US" sz="4000" dirty="0">
+                <a:latin typeface="Bahnschrift" panose="020B0502040204020203" pitchFamily="34" charset="0"/>
+                <a:cs typeface="Times New Roman" panose="02020603050405020304" pitchFamily="18" charset="0"/>
+              </a:rPr>
+              <a:t> </a:t>
+            </a:r>
+            <a:r>
+              <a:rPr lang="en-US" sz="4000" dirty="0" err="1">
+                <a:latin typeface="Bahnschrift" panose="020B0502040204020203" pitchFamily="34" charset="0"/>
+                <a:cs typeface="Times New Roman" panose="02020603050405020304" pitchFamily="18" charset="0"/>
+              </a:rPr>
+              <a:t>có</a:t>
+            </a:r>
+            <a:r>
+              <a:rPr lang="en-US" sz="4000" dirty="0">
+                <a:latin typeface="Bahnschrift" panose="020B0502040204020203" pitchFamily="34" charset="0"/>
+                <a:cs typeface="Times New Roman" panose="02020603050405020304" pitchFamily="18" charset="0"/>
+              </a:rPr>
+              <a:t> </a:t>
+            </a:r>
+            <a:r>
+              <a:rPr lang="en-US" sz="4000" dirty="0" err="1">
+                <a:latin typeface="Bahnschrift" panose="020B0502040204020203" pitchFamily="34" charset="0"/>
+                <a:cs typeface="Times New Roman" panose="02020603050405020304" pitchFamily="18" charset="0"/>
+              </a:rPr>
+              <a:t>bãi</a:t>
+            </a:r>
+            <a:r>
+              <a:rPr lang="en-US" sz="4000" dirty="0">
+                <a:latin typeface="Bahnschrift" panose="020B0502040204020203" pitchFamily="34" charset="0"/>
+                <a:cs typeface="Times New Roman" panose="02020603050405020304" pitchFamily="18" charset="0"/>
+              </a:rPr>
+              <a:t> </a:t>
+            </a:r>
+            <a:r>
+              <a:rPr lang="en-US" sz="4000" dirty="0" err="1">
+                <a:latin typeface="Bahnschrift" panose="020B0502040204020203" pitchFamily="34" charset="0"/>
+                <a:cs typeface="Times New Roman" panose="02020603050405020304" pitchFamily="18" charset="0"/>
+              </a:rPr>
+              <a:t>giữ</a:t>
+            </a:r>
+            <a:r>
+              <a:rPr lang="en-US" sz="4000" dirty="0">
+                <a:latin typeface="Bahnschrift" panose="020B0502040204020203" pitchFamily="34" charset="0"/>
+                <a:cs typeface="Times New Roman" panose="02020603050405020304" pitchFamily="18" charset="0"/>
+              </a:rPr>
+              <a:t> </a:t>
+            </a:r>
+            <a:r>
+              <a:rPr lang="en-US" sz="4000" dirty="0" err="1">
+                <a:latin typeface="Bahnschrift" panose="020B0502040204020203" pitchFamily="34" charset="0"/>
+                <a:cs typeface="Times New Roman" panose="02020603050405020304" pitchFamily="18" charset="0"/>
+              </a:rPr>
+              <a:t>xe</a:t>
+            </a:r>
+            <a:r>
+              <a:rPr lang="en-US" sz="4000" dirty="0">
+                <a:latin typeface="Bahnschrift" panose="020B0502040204020203" pitchFamily="34" charset="0"/>
+                <a:cs typeface="Times New Roman" panose="02020603050405020304" pitchFamily="18" charset="0"/>
+              </a:rPr>
+              <a:t> </a:t>
+            </a:r>
+            <a:r>
+              <a:rPr lang="en-US" sz="4000" dirty="0" err="1">
+                <a:latin typeface="Bahnschrift" panose="020B0502040204020203" pitchFamily="34" charset="0"/>
+                <a:cs typeface="Times New Roman" panose="02020603050405020304" pitchFamily="18" charset="0"/>
+              </a:rPr>
+              <a:t>thông</a:t>
+            </a:r>
+            <a:r>
+              <a:rPr lang="en-US" sz="4000" dirty="0">
+                <a:latin typeface="Bahnschrift" panose="020B0502040204020203" pitchFamily="34" charset="0"/>
+                <a:cs typeface="Times New Roman" panose="02020603050405020304" pitchFamily="18" charset="0"/>
+              </a:rPr>
+              <a:t> </a:t>
+            </a:r>
+            <a:r>
+              <a:rPr lang="en-US" sz="4000" dirty="0" err="1">
+                <a:latin typeface="Bahnschrift" panose="020B0502040204020203" pitchFamily="34" charset="0"/>
+                <a:cs typeface="Times New Roman" panose="02020603050405020304" pitchFamily="18" charset="0"/>
+              </a:rPr>
+              <a:t>minh</a:t>
+            </a:r>
+            <a:endParaRPr lang="en-US" sz="4000" dirty="0">
+              <a:latin typeface="Bahnschrift" panose="020B0502040204020203" pitchFamily="34" charset="0"/>
+              <a:cs typeface="Times New Roman" panose="02020603050405020304" pitchFamily="18" charset="0"/>
+            </a:endParaRPr>
+          </a:p>
+        </p:txBody>
+      </p:sp>
+      <p:sp>
+        <p:nvSpPr>
+          <p:cNvPr id="7" name="TextBox 6">
+            <a:extLst>
+              <a:ext uri="{FF2B5EF4-FFF2-40B4-BE49-F238E27FC236}">
+                <a16:creationId xmlns:a16="http://schemas.microsoft.com/office/drawing/2014/main" id="{A446DF67-21D0-498B-8381-272699EF0F8A}"/>
+              </a:ext>
+            </a:extLst>
+          </p:cNvPr>
+          <p:cNvSpPr txBox="1"/>
+          <p:nvPr/>
+        </p:nvSpPr>
+        <p:spPr>
+          <a:xfrm>
+            <a:off x="3980872" y="1807210"/>
+            <a:ext cx="6096000" cy="1704569"/>
+          </a:xfrm>
+          <a:prstGeom prst="rect">
+            <a:avLst/>
+          </a:prstGeom>
+          <a:noFill/>
+        </p:spPr>
+        <p:txBody>
+          <a:bodyPr wrap="square">
+            <a:spAutoFit/>
+          </a:bodyPr>
+          <a:lstStyle/>
+          <a:p>
+            <a:pPr marL="285750" indent="-285750" algn="just">
+              <a:lnSpc>
+                <a:spcPct val="150000"/>
+              </a:lnSpc>
+              <a:buFont typeface="Wingdings" panose="05000000000000000000" pitchFamily="2" charset="2"/>
+              <a:buChar char="§"/>
+            </a:pPr>
+            <a:r>
+              <a:rPr lang="en-US" dirty="0" err="1">
+                <a:latin typeface="Times New Roman" panose="02020603050405020304" pitchFamily="18" charset="0"/>
+                <a:cs typeface="Times New Roman" panose="02020603050405020304" pitchFamily="18" charset="0"/>
+              </a:rPr>
+              <a:t>Không</a:t>
+            </a:r>
+            <a:r>
+              <a:rPr lang="en-US" dirty="0">
+                <a:latin typeface="Times New Roman" panose="02020603050405020304" pitchFamily="18" charset="0"/>
+                <a:cs typeface="Times New Roman" panose="02020603050405020304" pitchFamily="18" charset="0"/>
+              </a:rPr>
+              <a:t> </a:t>
+            </a:r>
+            <a:r>
+              <a:rPr lang="en-US" dirty="0" err="1">
+                <a:latin typeface="Times New Roman" panose="02020603050405020304" pitchFamily="18" charset="0"/>
+                <a:cs typeface="Times New Roman" panose="02020603050405020304" pitchFamily="18" charset="0"/>
+              </a:rPr>
+              <a:t>tốn</a:t>
+            </a:r>
+            <a:r>
+              <a:rPr lang="en-US" dirty="0">
+                <a:latin typeface="Times New Roman" panose="02020603050405020304" pitchFamily="18" charset="0"/>
+                <a:cs typeface="Times New Roman" panose="02020603050405020304" pitchFamily="18" charset="0"/>
+              </a:rPr>
+              <a:t> </a:t>
+            </a:r>
+            <a:r>
+              <a:rPr lang="en-US" dirty="0" err="1">
+                <a:latin typeface="Times New Roman" panose="02020603050405020304" pitchFamily="18" charset="0"/>
+                <a:cs typeface="Times New Roman" panose="02020603050405020304" pitchFamily="18" charset="0"/>
+              </a:rPr>
+              <a:t>thời</a:t>
+            </a:r>
+            <a:r>
+              <a:rPr lang="en-US" dirty="0">
+                <a:latin typeface="Times New Roman" panose="02020603050405020304" pitchFamily="18" charset="0"/>
+                <a:cs typeface="Times New Roman" panose="02020603050405020304" pitchFamily="18" charset="0"/>
+              </a:rPr>
+              <a:t> </a:t>
+            </a:r>
+            <a:r>
+              <a:rPr lang="en-US" dirty="0" err="1">
+                <a:latin typeface="Times New Roman" panose="02020603050405020304" pitchFamily="18" charset="0"/>
+                <a:cs typeface="Times New Roman" panose="02020603050405020304" pitchFamily="18" charset="0"/>
+              </a:rPr>
+              <a:t>gian</a:t>
+            </a:r>
+            <a:r>
+              <a:rPr lang="en-US" dirty="0">
+                <a:latin typeface="Times New Roman" panose="02020603050405020304" pitchFamily="18" charset="0"/>
+                <a:cs typeface="Times New Roman" panose="02020603050405020304" pitchFamily="18" charset="0"/>
+              </a:rPr>
+              <a:t> </a:t>
+            </a:r>
+            <a:r>
+              <a:rPr lang="en-US" dirty="0" err="1">
+                <a:latin typeface="Times New Roman" panose="02020603050405020304" pitchFamily="18" charset="0"/>
+                <a:cs typeface="Times New Roman" panose="02020603050405020304" pitchFamily="18" charset="0"/>
+              </a:rPr>
+              <a:t>tìm</a:t>
+            </a:r>
+            <a:r>
+              <a:rPr lang="en-US" dirty="0">
+                <a:latin typeface="Times New Roman" panose="02020603050405020304" pitchFamily="18" charset="0"/>
+                <a:cs typeface="Times New Roman" panose="02020603050405020304" pitchFamily="18" charset="0"/>
+              </a:rPr>
+              <a:t> </a:t>
+            </a:r>
+            <a:r>
+              <a:rPr lang="en-US" dirty="0" err="1">
+                <a:latin typeface="Times New Roman" panose="02020603050405020304" pitchFamily="18" charset="0"/>
+                <a:cs typeface="Times New Roman" panose="02020603050405020304" pitchFamily="18" charset="0"/>
+              </a:rPr>
+              <a:t>không</a:t>
+            </a:r>
+            <a:r>
+              <a:rPr lang="en-US" dirty="0">
+                <a:latin typeface="Times New Roman" panose="02020603050405020304" pitchFamily="18" charset="0"/>
+                <a:cs typeface="Times New Roman" panose="02020603050405020304" pitchFamily="18" charset="0"/>
+              </a:rPr>
+              <a:t> </a:t>
+            </a:r>
+            <a:r>
+              <a:rPr lang="en-US" dirty="0" err="1">
+                <a:latin typeface="Times New Roman" panose="02020603050405020304" pitchFamily="18" charset="0"/>
+                <a:cs typeface="Times New Roman" panose="02020603050405020304" pitchFamily="18" charset="0"/>
+              </a:rPr>
+              <a:t>gian</a:t>
+            </a:r>
+            <a:r>
+              <a:rPr lang="en-US" dirty="0">
+                <a:latin typeface="Times New Roman" panose="02020603050405020304" pitchFamily="18" charset="0"/>
+                <a:cs typeface="Times New Roman" panose="02020603050405020304" pitchFamily="18" charset="0"/>
+              </a:rPr>
+              <a:t> </a:t>
+            </a:r>
+            <a:r>
+              <a:rPr lang="en-US" dirty="0" err="1">
+                <a:latin typeface="Times New Roman" panose="02020603050405020304" pitchFamily="18" charset="0"/>
+                <a:cs typeface="Times New Roman" panose="02020603050405020304" pitchFamily="18" charset="0"/>
+              </a:rPr>
+              <a:t>đậu</a:t>
+            </a:r>
+            <a:r>
+              <a:rPr lang="en-US" dirty="0">
+                <a:latin typeface="Times New Roman" panose="02020603050405020304" pitchFamily="18" charset="0"/>
+                <a:cs typeface="Times New Roman" panose="02020603050405020304" pitchFamily="18" charset="0"/>
+              </a:rPr>
+              <a:t> </a:t>
+            </a:r>
+            <a:r>
+              <a:rPr lang="en-US" dirty="0" err="1">
+                <a:latin typeface="Times New Roman" panose="02020603050405020304" pitchFamily="18" charset="0"/>
+                <a:cs typeface="Times New Roman" panose="02020603050405020304" pitchFamily="18" charset="0"/>
+              </a:rPr>
+              <a:t>xe</a:t>
+            </a:r>
+            <a:endParaRPr lang="en-US" dirty="0">
+              <a:latin typeface="Times New Roman" panose="02020603050405020304" pitchFamily="18" charset="0"/>
+              <a:cs typeface="Times New Roman" panose="02020603050405020304" pitchFamily="18" charset="0"/>
+            </a:endParaRPr>
+          </a:p>
+          <a:p>
+            <a:pPr marL="285750" indent="-285750" algn="just">
+              <a:lnSpc>
+                <a:spcPct val="150000"/>
+              </a:lnSpc>
+              <a:buFont typeface="Wingdings" panose="05000000000000000000" pitchFamily="2" charset="2"/>
+              <a:buChar char="§"/>
+            </a:pPr>
+            <a:r>
+              <a:rPr lang="en-US" dirty="0" err="1">
+                <a:latin typeface="Times New Roman" panose="02020603050405020304" pitchFamily="18" charset="0"/>
+                <a:cs typeface="Times New Roman" panose="02020603050405020304" pitchFamily="18" charset="0"/>
+              </a:rPr>
+              <a:t>Quản</a:t>
+            </a:r>
+            <a:r>
+              <a:rPr lang="en-US" dirty="0">
+                <a:latin typeface="Times New Roman" panose="02020603050405020304" pitchFamily="18" charset="0"/>
+                <a:cs typeface="Times New Roman" panose="02020603050405020304" pitchFamily="18" charset="0"/>
+              </a:rPr>
+              <a:t> </a:t>
+            </a:r>
+            <a:r>
+              <a:rPr lang="en-US" dirty="0" err="1">
+                <a:latin typeface="Times New Roman" panose="02020603050405020304" pitchFamily="18" charset="0"/>
+                <a:cs typeface="Times New Roman" panose="02020603050405020304" pitchFamily="18" charset="0"/>
+              </a:rPr>
+              <a:t>lý</a:t>
+            </a:r>
+            <a:r>
+              <a:rPr lang="en-US" dirty="0">
+                <a:latin typeface="Times New Roman" panose="02020603050405020304" pitchFamily="18" charset="0"/>
+                <a:cs typeface="Times New Roman" panose="02020603050405020304" pitchFamily="18" charset="0"/>
+              </a:rPr>
+              <a:t> </a:t>
+            </a:r>
+            <a:r>
+              <a:rPr lang="en-US" dirty="0" err="1">
+                <a:latin typeface="Times New Roman" panose="02020603050405020304" pitchFamily="18" charset="0"/>
+                <a:cs typeface="Times New Roman" panose="02020603050405020304" pitchFamily="18" charset="0"/>
+              </a:rPr>
+              <a:t>người</a:t>
+            </a:r>
+            <a:r>
+              <a:rPr lang="en-US" dirty="0">
+                <a:latin typeface="Times New Roman" panose="02020603050405020304" pitchFamily="18" charset="0"/>
+                <a:cs typeface="Times New Roman" panose="02020603050405020304" pitchFamily="18" charset="0"/>
+              </a:rPr>
+              <a:t> </a:t>
+            </a:r>
+            <a:r>
+              <a:rPr lang="en-US" dirty="0" err="1">
+                <a:latin typeface="Times New Roman" panose="02020603050405020304" pitchFamily="18" charset="0"/>
+                <a:cs typeface="Times New Roman" panose="02020603050405020304" pitchFamily="18" charset="0"/>
+              </a:rPr>
+              <a:t>đỗ</a:t>
+            </a:r>
+            <a:r>
+              <a:rPr lang="en-US" dirty="0">
+                <a:latin typeface="Times New Roman" panose="02020603050405020304" pitchFamily="18" charset="0"/>
+                <a:cs typeface="Times New Roman" panose="02020603050405020304" pitchFamily="18" charset="0"/>
+              </a:rPr>
+              <a:t> </a:t>
+            </a:r>
+            <a:r>
+              <a:rPr lang="en-US" dirty="0" err="1">
+                <a:latin typeface="Times New Roman" panose="02020603050405020304" pitchFamily="18" charset="0"/>
+                <a:cs typeface="Times New Roman" panose="02020603050405020304" pitchFamily="18" charset="0"/>
+              </a:rPr>
+              <a:t>xe</a:t>
+            </a:r>
+            <a:r>
+              <a:rPr lang="en-US" dirty="0">
+                <a:latin typeface="Times New Roman" panose="02020603050405020304" pitchFamily="18" charset="0"/>
+                <a:cs typeface="Times New Roman" panose="02020603050405020304" pitchFamily="18" charset="0"/>
+              </a:rPr>
+              <a:t> </a:t>
+            </a:r>
+            <a:r>
+              <a:rPr lang="en-US" dirty="0" err="1">
+                <a:latin typeface="Times New Roman" panose="02020603050405020304" pitchFamily="18" charset="0"/>
+                <a:cs typeface="Times New Roman" panose="02020603050405020304" pitchFamily="18" charset="0"/>
+              </a:rPr>
+              <a:t>sai</a:t>
+            </a:r>
+            <a:r>
+              <a:rPr lang="en-US" dirty="0">
+                <a:latin typeface="Times New Roman" panose="02020603050405020304" pitchFamily="18" charset="0"/>
+                <a:cs typeface="Times New Roman" panose="02020603050405020304" pitchFamily="18" charset="0"/>
+              </a:rPr>
+              <a:t> </a:t>
+            </a:r>
+            <a:r>
+              <a:rPr lang="en-US" dirty="0" err="1">
+                <a:latin typeface="Times New Roman" panose="02020603050405020304" pitchFamily="18" charset="0"/>
+                <a:cs typeface="Times New Roman" panose="02020603050405020304" pitchFamily="18" charset="0"/>
+              </a:rPr>
+              <a:t>vị</a:t>
+            </a:r>
+            <a:r>
+              <a:rPr lang="en-US" dirty="0">
+                <a:latin typeface="Times New Roman" panose="02020603050405020304" pitchFamily="18" charset="0"/>
+                <a:cs typeface="Times New Roman" panose="02020603050405020304" pitchFamily="18" charset="0"/>
+              </a:rPr>
+              <a:t> </a:t>
+            </a:r>
+            <a:r>
+              <a:rPr lang="en-US" dirty="0" err="1">
+                <a:latin typeface="Times New Roman" panose="02020603050405020304" pitchFamily="18" charset="0"/>
+                <a:cs typeface="Times New Roman" panose="02020603050405020304" pitchFamily="18" charset="0"/>
+              </a:rPr>
+              <a:t>trí</a:t>
+            </a:r>
+            <a:r>
+              <a:rPr lang="en-US" dirty="0">
+                <a:latin typeface="Times New Roman" panose="02020603050405020304" pitchFamily="18" charset="0"/>
+                <a:cs typeface="Times New Roman" panose="02020603050405020304" pitchFamily="18" charset="0"/>
+              </a:rPr>
+              <a:t> </a:t>
+            </a:r>
+            <a:r>
+              <a:rPr lang="en-US" dirty="0" err="1">
+                <a:latin typeface="Times New Roman" panose="02020603050405020304" pitchFamily="18" charset="0"/>
+                <a:cs typeface="Times New Roman" panose="02020603050405020304" pitchFamily="18" charset="0"/>
+              </a:rPr>
+              <a:t>đã</a:t>
+            </a:r>
+            <a:r>
+              <a:rPr lang="en-US" dirty="0">
+                <a:latin typeface="Times New Roman" panose="02020603050405020304" pitchFamily="18" charset="0"/>
+                <a:cs typeface="Times New Roman" panose="02020603050405020304" pitchFamily="18" charset="0"/>
+              </a:rPr>
+              <a:t> </a:t>
+            </a:r>
+            <a:r>
+              <a:rPr lang="en-US" dirty="0" err="1">
+                <a:latin typeface="Times New Roman" panose="02020603050405020304" pitchFamily="18" charset="0"/>
+                <a:cs typeface="Times New Roman" panose="02020603050405020304" pitchFamily="18" charset="0"/>
+              </a:rPr>
+              <a:t>đặt</a:t>
+            </a:r>
+            <a:endParaRPr lang="en-US" dirty="0">
+              <a:latin typeface="Times New Roman" panose="02020603050405020304" pitchFamily="18" charset="0"/>
+              <a:cs typeface="Times New Roman" panose="02020603050405020304" pitchFamily="18" charset="0"/>
+            </a:endParaRPr>
+          </a:p>
+          <a:p>
+            <a:pPr marL="285750" indent="-285750" algn="just">
+              <a:lnSpc>
+                <a:spcPct val="150000"/>
+              </a:lnSpc>
+              <a:buFont typeface="Wingdings" panose="05000000000000000000" pitchFamily="2" charset="2"/>
+              <a:buChar char="§"/>
+            </a:pPr>
+            <a:r>
+              <a:rPr lang="en-US" dirty="0" err="1">
+                <a:latin typeface="Times New Roman" panose="02020603050405020304" pitchFamily="18" charset="0"/>
+                <a:cs typeface="Times New Roman" panose="02020603050405020304" pitchFamily="18" charset="0"/>
+              </a:rPr>
+              <a:t>Không</a:t>
+            </a:r>
+            <a:r>
+              <a:rPr lang="en-US" dirty="0">
+                <a:latin typeface="Times New Roman" panose="02020603050405020304" pitchFamily="18" charset="0"/>
+                <a:cs typeface="Times New Roman" panose="02020603050405020304" pitchFamily="18" charset="0"/>
+              </a:rPr>
+              <a:t> </a:t>
+            </a:r>
+            <a:r>
+              <a:rPr lang="en-US" dirty="0" err="1">
+                <a:latin typeface="Times New Roman" panose="02020603050405020304" pitchFamily="18" charset="0"/>
+                <a:cs typeface="Times New Roman" panose="02020603050405020304" pitchFamily="18" charset="0"/>
+              </a:rPr>
+              <a:t>cần</a:t>
+            </a:r>
+            <a:r>
+              <a:rPr lang="en-US" dirty="0">
+                <a:latin typeface="Times New Roman" panose="02020603050405020304" pitchFamily="18" charset="0"/>
+                <a:cs typeface="Times New Roman" panose="02020603050405020304" pitchFamily="18" charset="0"/>
+              </a:rPr>
+              <a:t> </a:t>
+            </a:r>
+            <a:r>
+              <a:rPr lang="en-US" dirty="0" err="1">
+                <a:latin typeface="Times New Roman" panose="02020603050405020304" pitchFamily="18" charset="0"/>
+                <a:cs typeface="Times New Roman" panose="02020603050405020304" pitchFamily="18" charset="0"/>
+              </a:rPr>
+              <a:t>nhân</a:t>
+            </a:r>
+            <a:r>
+              <a:rPr lang="en-US" dirty="0">
+                <a:latin typeface="Times New Roman" panose="02020603050405020304" pitchFamily="18" charset="0"/>
+                <a:cs typeface="Times New Roman" panose="02020603050405020304" pitchFamily="18" charset="0"/>
+              </a:rPr>
+              <a:t> </a:t>
+            </a:r>
+            <a:r>
+              <a:rPr lang="en-US" dirty="0" err="1">
+                <a:latin typeface="Times New Roman" panose="02020603050405020304" pitchFamily="18" charset="0"/>
+                <a:cs typeface="Times New Roman" panose="02020603050405020304" pitchFamily="18" charset="0"/>
+              </a:rPr>
+              <a:t>viên</a:t>
+            </a:r>
+            <a:r>
+              <a:rPr lang="en-US" dirty="0">
+                <a:latin typeface="Times New Roman" panose="02020603050405020304" pitchFamily="18" charset="0"/>
+                <a:cs typeface="Times New Roman" panose="02020603050405020304" pitchFamily="18" charset="0"/>
+              </a:rPr>
+              <a:t> </a:t>
+            </a:r>
+            <a:r>
+              <a:rPr lang="en-US" dirty="0" err="1">
+                <a:latin typeface="Times New Roman" panose="02020603050405020304" pitchFamily="18" charset="0"/>
+                <a:cs typeface="Times New Roman" panose="02020603050405020304" pitchFamily="18" charset="0"/>
+              </a:rPr>
+              <a:t>quét</a:t>
+            </a:r>
+            <a:r>
+              <a:rPr lang="en-US" dirty="0">
+                <a:latin typeface="Times New Roman" panose="02020603050405020304" pitchFamily="18" charset="0"/>
+                <a:cs typeface="Times New Roman" panose="02020603050405020304" pitchFamily="18" charset="0"/>
+              </a:rPr>
+              <a:t> </a:t>
+            </a:r>
+            <a:r>
+              <a:rPr lang="en-US" dirty="0" err="1">
+                <a:latin typeface="Times New Roman" panose="02020603050405020304" pitchFamily="18" charset="0"/>
+                <a:cs typeface="Times New Roman" panose="02020603050405020304" pitchFamily="18" charset="0"/>
+              </a:rPr>
+              <a:t>thẻ</a:t>
+            </a:r>
+            <a:endParaRPr lang="en-US" dirty="0">
+              <a:latin typeface="Times New Roman" panose="02020603050405020304" pitchFamily="18" charset="0"/>
+              <a:cs typeface="Times New Roman" panose="02020603050405020304" pitchFamily="18" charset="0"/>
+            </a:endParaRPr>
+          </a:p>
+          <a:p>
+            <a:pPr marL="285750" indent="-285750" algn="just">
+              <a:lnSpc>
+                <a:spcPct val="150000"/>
+              </a:lnSpc>
+              <a:buFont typeface="Wingdings" panose="05000000000000000000" pitchFamily="2" charset="2"/>
+              <a:buChar char="§"/>
+            </a:pPr>
+            <a:r>
+              <a:rPr lang="en-US" dirty="0" err="1">
+                <a:latin typeface="Times New Roman" panose="02020603050405020304" pitchFamily="18" charset="0"/>
+                <a:cs typeface="Times New Roman" panose="02020603050405020304" pitchFamily="18" charset="0"/>
+              </a:rPr>
+              <a:t>Có</a:t>
+            </a:r>
+            <a:r>
+              <a:rPr lang="en-US" dirty="0">
+                <a:latin typeface="Times New Roman" panose="02020603050405020304" pitchFamily="18" charset="0"/>
+                <a:cs typeface="Times New Roman" panose="02020603050405020304" pitchFamily="18" charset="0"/>
+              </a:rPr>
+              <a:t> </a:t>
+            </a:r>
+            <a:r>
+              <a:rPr lang="en-US" dirty="0" err="1">
+                <a:latin typeface="Times New Roman" panose="02020603050405020304" pitchFamily="18" charset="0"/>
+                <a:cs typeface="Times New Roman" panose="02020603050405020304" pitchFamily="18" charset="0"/>
+              </a:rPr>
+              <a:t>thể</a:t>
+            </a:r>
+            <a:r>
+              <a:rPr lang="en-US" dirty="0">
+                <a:latin typeface="Times New Roman" panose="02020603050405020304" pitchFamily="18" charset="0"/>
+                <a:cs typeface="Times New Roman" panose="02020603050405020304" pitchFamily="18" charset="0"/>
+              </a:rPr>
+              <a:t> </a:t>
+            </a:r>
+            <a:r>
+              <a:rPr lang="en-US" dirty="0" err="1">
+                <a:latin typeface="Times New Roman" panose="02020603050405020304" pitchFamily="18" charset="0"/>
+                <a:cs typeface="Times New Roman" panose="02020603050405020304" pitchFamily="18" charset="0"/>
+              </a:rPr>
+              <a:t>thanh</a:t>
+            </a:r>
+            <a:r>
+              <a:rPr lang="en-US" dirty="0">
+                <a:latin typeface="Times New Roman" panose="02020603050405020304" pitchFamily="18" charset="0"/>
+                <a:cs typeface="Times New Roman" panose="02020603050405020304" pitchFamily="18" charset="0"/>
+              </a:rPr>
+              <a:t> </a:t>
+            </a:r>
+            <a:r>
+              <a:rPr lang="en-US" dirty="0" err="1">
+                <a:latin typeface="Times New Roman" panose="02020603050405020304" pitchFamily="18" charset="0"/>
+                <a:cs typeface="Times New Roman" panose="02020603050405020304" pitchFamily="18" charset="0"/>
+              </a:rPr>
+              <a:t>toán</a:t>
+            </a:r>
+            <a:r>
+              <a:rPr lang="en-US" dirty="0">
+                <a:latin typeface="Times New Roman" panose="02020603050405020304" pitchFamily="18" charset="0"/>
+                <a:cs typeface="Times New Roman" panose="02020603050405020304" pitchFamily="18" charset="0"/>
+              </a:rPr>
+              <a:t> qua </a:t>
+            </a:r>
+            <a:r>
+              <a:rPr lang="en-US" dirty="0" err="1">
+                <a:latin typeface="Times New Roman" panose="02020603050405020304" pitchFamily="18" charset="0"/>
+                <a:cs typeface="Times New Roman" panose="02020603050405020304" pitchFamily="18" charset="0"/>
+              </a:rPr>
+              <a:t>ngân</a:t>
+            </a:r>
+            <a:r>
+              <a:rPr lang="en-US" dirty="0">
+                <a:latin typeface="Times New Roman" panose="02020603050405020304" pitchFamily="18" charset="0"/>
+                <a:cs typeface="Times New Roman" panose="02020603050405020304" pitchFamily="18" charset="0"/>
+              </a:rPr>
+              <a:t> </a:t>
+            </a:r>
+            <a:r>
+              <a:rPr lang="en-US" dirty="0" err="1">
+                <a:latin typeface="Times New Roman" panose="02020603050405020304" pitchFamily="18" charset="0"/>
+                <a:cs typeface="Times New Roman" panose="02020603050405020304" pitchFamily="18" charset="0"/>
+              </a:rPr>
+              <a:t>hàng</a:t>
+            </a:r>
+            <a:r>
+              <a:rPr lang="en-US" dirty="0">
+                <a:latin typeface="Times New Roman" panose="02020603050405020304" pitchFamily="18" charset="0"/>
+                <a:cs typeface="Times New Roman" panose="02020603050405020304" pitchFamily="18" charset="0"/>
+              </a:rPr>
+              <a:t> </a:t>
+            </a:r>
+            <a:r>
+              <a:rPr lang="en-US" dirty="0" err="1">
+                <a:latin typeface="Times New Roman" panose="02020603050405020304" pitchFamily="18" charset="0"/>
+                <a:cs typeface="Times New Roman" panose="02020603050405020304" pitchFamily="18" charset="0"/>
+              </a:rPr>
+              <a:t>nếu</a:t>
+            </a:r>
+            <a:r>
+              <a:rPr lang="en-US" dirty="0">
+                <a:latin typeface="Times New Roman" panose="02020603050405020304" pitchFamily="18" charset="0"/>
+                <a:cs typeface="Times New Roman" panose="02020603050405020304" pitchFamily="18" charset="0"/>
+              </a:rPr>
+              <a:t> </a:t>
+            </a:r>
+            <a:r>
+              <a:rPr lang="en-US" dirty="0" err="1">
+                <a:latin typeface="Times New Roman" panose="02020603050405020304" pitchFamily="18" charset="0"/>
+                <a:cs typeface="Times New Roman" panose="02020603050405020304" pitchFamily="18" charset="0"/>
+              </a:rPr>
+              <a:t>đặt</a:t>
+            </a:r>
+            <a:r>
+              <a:rPr lang="en-US" dirty="0">
+                <a:latin typeface="Times New Roman" panose="02020603050405020304" pitchFamily="18" charset="0"/>
+                <a:cs typeface="Times New Roman" panose="02020603050405020304" pitchFamily="18" charset="0"/>
+              </a:rPr>
+              <a:t> </a:t>
+            </a:r>
+            <a:r>
+              <a:rPr lang="en-US" dirty="0" err="1">
+                <a:latin typeface="Times New Roman" panose="02020603050405020304" pitchFamily="18" charset="0"/>
+                <a:cs typeface="Times New Roman" panose="02020603050405020304" pitchFamily="18" charset="0"/>
+              </a:rPr>
+              <a:t>chỗ</a:t>
+            </a:r>
+            <a:r>
+              <a:rPr lang="en-US" dirty="0">
+                <a:latin typeface="Times New Roman" panose="02020603050405020304" pitchFamily="18" charset="0"/>
+                <a:cs typeface="Times New Roman" panose="02020603050405020304" pitchFamily="18" charset="0"/>
+              </a:rPr>
+              <a:t> </a:t>
+            </a:r>
+            <a:r>
+              <a:rPr lang="en-US" dirty="0" err="1">
+                <a:latin typeface="Times New Roman" panose="02020603050405020304" pitchFamily="18" charset="0"/>
+                <a:cs typeface="Times New Roman" panose="02020603050405020304" pitchFamily="18" charset="0"/>
+              </a:rPr>
+              <a:t>trước</a:t>
+            </a:r>
+            <a:endParaRPr lang="en-US" dirty="0">
+              <a:latin typeface="Times New Roman" panose="02020603050405020304" pitchFamily="18" charset="0"/>
+              <a:cs typeface="Times New Roman" panose="02020603050405020304" pitchFamily="18" charset="0"/>
+            </a:endParaRPr>
+          </a:p>
+        </p:txBody>
+      </p:sp>
+    </p:spTree>
+    <p:extLst>
+      <p:ext uri="{BB962C8B-B14F-4D97-AF65-F5344CB8AC3E}">
+        <p14:creationId xmlns:p14="http://schemas.microsoft.com/office/powerpoint/2010/main" val="2706108566"/>
+      </p:ext>
+    </p:extLst>
+  </p:cSld>
+  <p:clrMapOvr>
+    <a:masterClrMapping/>
+  </p:clrMapOvr>
+</p:sld>
+</file>
+
+<file path=ppt/slides/slide9.xml><?xml version="1.0" encoding="utf-8"?>
+<p:sld xmlns:a="http://schemas.openxmlformats.org/drawingml/2006/main" xmlns:r="http://schemas.openxmlformats.org/officeDocument/2006/relationships" xmlns:p="http://schemas.openxmlformats.org/presentationml/2006/main">
+  <p:cSld>
+    <p:spTree>
+      <p:nvGrpSpPr>
+        <p:cNvPr id="1" name=""/>
+        <p:cNvGrpSpPr/>
+        <p:nvPr/>
+      </p:nvGrpSpPr>
+      <p:grpSpPr>
+        <a:xfrm>
+          <a:off x="0" y="0"/>
+          <a:ext cx="0" cy="0"/>
+          <a:chOff x="0" y="0"/>
+          <a:chExt cx="0" cy="0"/>
+        </a:xfrm>
+      </p:grpSpPr>
+      <p:sp>
+        <p:nvSpPr>
+          <p:cNvPr id="3" name="TextBox 2">
+            <a:extLst>
+              <a:ext uri="{FF2B5EF4-FFF2-40B4-BE49-F238E27FC236}">
+                <a16:creationId xmlns:a16="http://schemas.microsoft.com/office/drawing/2014/main" id="{B4875610-6B30-4805-982D-714DC780D03F}"/>
+              </a:ext>
+            </a:extLst>
+          </p:cNvPr>
+          <p:cNvSpPr txBox="1"/>
+          <p:nvPr/>
+        </p:nvSpPr>
+        <p:spPr>
+          <a:xfrm>
+            <a:off x="434108" y="2307667"/>
+            <a:ext cx="3094181" cy="1121333"/>
+          </a:xfrm>
+          <a:prstGeom prst="rect">
+            <a:avLst/>
+          </a:prstGeom>
+          <a:noFill/>
+        </p:spPr>
+        <p:txBody>
+          <a:bodyPr wrap="square" rtlCol="0">
+            <a:spAutoFit/>
+          </a:bodyPr>
+          <a:lstStyle/>
+          <a:p>
+            <a:pPr algn="ctr">
+              <a:lnSpc>
+                <a:spcPct val="200000"/>
+              </a:lnSpc>
+            </a:pPr>
+            <a:r>
+              <a:rPr lang="en-US" sz="4000" dirty="0" err="1">
+                <a:latin typeface="Bahnschrift" panose="020B0502040204020203" pitchFamily="34" charset="0"/>
+                <a:cs typeface="Times New Roman" panose="02020603050405020304" pitchFamily="18" charset="0"/>
+              </a:rPr>
+              <a:t>Ứng</a:t>
+            </a:r>
+            <a:r>
+              <a:rPr lang="en-US" sz="4000" dirty="0">
+                <a:latin typeface="Bahnschrift" panose="020B0502040204020203" pitchFamily="34" charset="0"/>
+                <a:cs typeface="Times New Roman" panose="02020603050405020304" pitchFamily="18" charset="0"/>
+              </a:rPr>
+              <a:t> </a:t>
+            </a:r>
+            <a:r>
+              <a:rPr lang="en-US" sz="4000" dirty="0" err="1">
+                <a:latin typeface="Bahnschrift" panose="020B0502040204020203" pitchFamily="34" charset="0"/>
+                <a:cs typeface="Times New Roman" panose="02020603050405020304" pitchFamily="18" charset="0"/>
+              </a:rPr>
+              <a:t>dụng</a:t>
+            </a:r>
+            <a:endParaRPr lang="en-US" sz="4000" dirty="0">
+              <a:latin typeface="Bahnschrift" panose="020B0502040204020203" pitchFamily="34" charset="0"/>
+              <a:cs typeface="Times New Roman" panose="02020603050405020304" pitchFamily="18" charset="0"/>
+            </a:endParaRPr>
+          </a:p>
+        </p:txBody>
+      </p:sp>
+      <p:pic>
+        <p:nvPicPr>
+          <p:cNvPr id="4" name="Picture 3">
+            <a:extLst>
+              <a:ext uri="{FF2B5EF4-FFF2-40B4-BE49-F238E27FC236}">
+                <a16:creationId xmlns:a16="http://schemas.microsoft.com/office/drawing/2014/main" id="{3D526A09-9253-4ABD-B7F6-254D22741F5E}"/>
+              </a:ext>
+            </a:extLst>
+          </p:cNvPr>
+          <p:cNvPicPr>
+            <a:picLocks noChangeAspect="1"/>
+          </p:cNvPicPr>
+          <p:nvPr/>
+        </p:nvPicPr>
+        <p:blipFill>
+          <a:blip r:embed="rId2"/>
+          <a:stretch>
+            <a:fillRect/>
+          </a:stretch>
+        </p:blipFill>
+        <p:spPr>
+          <a:xfrm>
+            <a:off x="8878599" y="84425"/>
+            <a:ext cx="3190875" cy="981075"/>
+          </a:xfrm>
+          <a:prstGeom prst="rect">
+            <a:avLst/>
+          </a:prstGeom>
+        </p:spPr>
+      </p:pic>
+      <p:pic>
+        <p:nvPicPr>
+          <p:cNvPr id="6" name="Picture 5">
+            <a:extLst>
+              <a:ext uri="{FF2B5EF4-FFF2-40B4-BE49-F238E27FC236}">
+                <a16:creationId xmlns:a16="http://schemas.microsoft.com/office/drawing/2014/main" id="{6B29160E-98BD-4C9B-ABC1-6A68BD389B86}"/>
+              </a:ext>
+            </a:extLst>
+          </p:cNvPr>
+          <p:cNvPicPr>
+            <a:picLocks noChangeAspect="1"/>
+          </p:cNvPicPr>
+          <p:nvPr/>
+        </p:nvPicPr>
+        <p:blipFill>
+          <a:blip r:embed="rId3"/>
+          <a:stretch>
+            <a:fillRect/>
+          </a:stretch>
+        </p:blipFill>
+        <p:spPr>
+          <a:xfrm>
+            <a:off x="0" y="6534150"/>
+            <a:ext cx="12192000" cy="323850"/>
+          </a:xfrm>
+          <a:prstGeom prst="rect">
+            <a:avLst/>
+          </a:prstGeom>
+        </p:spPr>
+      </p:pic>
+      <p:sp>
+        <p:nvSpPr>
+          <p:cNvPr id="11" name="TextBox 10">
+            <a:extLst>
+              <a:ext uri="{FF2B5EF4-FFF2-40B4-BE49-F238E27FC236}">
+                <a16:creationId xmlns:a16="http://schemas.microsoft.com/office/drawing/2014/main" id="{4E0F606A-F819-4D73-AE2C-9C6804ABA2B9}"/>
+              </a:ext>
+            </a:extLst>
+          </p:cNvPr>
+          <p:cNvSpPr txBox="1"/>
+          <p:nvPr/>
+        </p:nvSpPr>
+        <p:spPr>
+          <a:xfrm>
+            <a:off x="3980872" y="1866218"/>
+            <a:ext cx="6096000" cy="1289071"/>
+          </a:xfrm>
+          <a:prstGeom prst="rect">
+            <a:avLst/>
+          </a:prstGeom>
+          <a:noFill/>
+        </p:spPr>
+        <p:txBody>
+          <a:bodyPr wrap="square">
+            <a:spAutoFit/>
+          </a:bodyPr>
+          <a:lstStyle/>
+          <a:p>
+            <a:pPr marL="285750" indent="-285750" algn="just">
+              <a:lnSpc>
+                <a:spcPct val="150000"/>
+              </a:lnSpc>
+              <a:buFont typeface="Wingdings" panose="05000000000000000000" pitchFamily="2" charset="2"/>
+              <a:buChar char="§"/>
+            </a:pPr>
+            <a:r>
+              <a:rPr lang="en-US" dirty="0" err="1">
+                <a:latin typeface="Times New Roman" panose="02020603050405020304" pitchFamily="18" charset="0"/>
+                <a:cs typeface="Times New Roman" panose="02020603050405020304" pitchFamily="18" charset="0"/>
+              </a:rPr>
+              <a:t>Ứng</a:t>
+            </a:r>
+            <a:r>
+              <a:rPr lang="en-US" dirty="0">
+                <a:latin typeface="Times New Roman" panose="02020603050405020304" pitchFamily="18" charset="0"/>
+                <a:cs typeface="Times New Roman" panose="02020603050405020304" pitchFamily="18" charset="0"/>
+              </a:rPr>
+              <a:t> </a:t>
+            </a:r>
+            <a:r>
+              <a:rPr lang="en-US" dirty="0" err="1">
+                <a:latin typeface="Times New Roman" panose="02020603050405020304" pitchFamily="18" charset="0"/>
+                <a:cs typeface="Times New Roman" panose="02020603050405020304" pitchFamily="18" charset="0"/>
+              </a:rPr>
+              <a:t>dụng</a:t>
+            </a:r>
+            <a:r>
+              <a:rPr lang="en-US" dirty="0">
+                <a:latin typeface="Times New Roman" panose="02020603050405020304" pitchFamily="18" charset="0"/>
+                <a:cs typeface="Times New Roman" panose="02020603050405020304" pitchFamily="18" charset="0"/>
+              </a:rPr>
+              <a:t> </a:t>
+            </a:r>
+            <a:r>
+              <a:rPr lang="en-US" dirty="0" err="1">
+                <a:latin typeface="Times New Roman" panose="02020603050405020304" pitchFamily="18" charset="0"/>
+                <a:cs typeface="Times New Roman" panose="02020603050405020304" pitchFamily="18" charset="0"/>
+              </a:rPr>
+              <a:t>vào</a:t>
+            </a:r>
+            <a:r>
+              <a:rPr lang="en-US" dirty="0">
+                <a:latin typeface="Times New Roman" panose="02020603050405020304" pitchFamily="18" charset="0"/>
+                <a:cs typeface="Times New Roman" panose="02020603050405020304" pitchFamily="18" charset="0"/>
+              </a:rPr>
+              <a:t> </a:t>
+            </a:r>
+            <a:r>
+              <a:rPr lang="en-US" dirty="0" err="1">
+                <a:latin typeface="Times New Roman" panose="02020603050405020304" pitchFamily="18" charset="0"/>
+                <a:cs typeface="Times New Roman" panose="02020603050405020304" pitchFamily="18" charset="0"/>
+              </a:rPr>
+              <a:t>bãi</a:t>
+            </a:r>
+            <a:r>
+              <a:rPr lang="en-US" dirty="0">
+                <a:latin typeface="Times New Roman" panose="02020603050405020304" pitchFamily="18" charset="0"/>
+                <a:cs typeface="Times New Roman" panose="02020603050405020304" pitchFamily="18" charset="0"/>
+              </a:rPr>
+              <a:t> </a:t>
+            </a:r>
+            <a:r>
+              <a:rPr lang="en-US" dirty="0" err="1">
+                <a:latin typeface="Times New Roman" panose="02020603050405020304" pitchFamily="18" charset="0"/>
+                <a:cs typeface="Times New Roman" panose="02020603050405020304" pitchFamily="18" charset="0"/>
+              </a:rPr>
+              <a:t>giữ</a:t>
+            </a:r>
+            <a:r>
+              <a:rPr lang="en-US" dirty="0">
+                <a:latin typeface="Times New Roman" panose="02020603050405020304" pitchFamily="18" charset="0"/>
+                <a:cs typeface="Times New Roman" panose="02020603050405020304" pitchFamily="18" charset="0"/>
+              </a:rPr>
+              <a:t> </a:t>
+            </a:r>
+            <a:r>
+              <a:rPr lang="en-US" dirty="0" err="1">
+                <a:latin typeface="Times New Roman" panose="02020603050405020304" pitchFamily="18" charset="0"/>
+                <a:cs typeface="Times New Roman" panose="02020603050405020304" pitchFamily="18" charset="0"/>
+              </a:rPr>
+              <a:t>xe</a:t>
+            </a:r>
+            <a:r>
+              <a:rPr lang="en-US" dirty="0">
+                <a:latin typeface="Times New Roman" panose="02020603050405020304" pitchFamily="18" charset="0"/>
+                <a:cs typeface="Times New Roman" panose="02020603050405020304" pitchFamily="18" charset="0"/>
+              </a:rPr>
+              <a:t> </a:t>
+            </a:r>
+            <a:r>
+              <a:rPr lang="en-US" dirty="0" err="1">
+                <a:latin typeface="Times New Roman" panose="02020603050405020304" pitchFamily="18" charset="0"/>
+                <a:cs typeface="Times New Roman" panose="02020603050405020304" pitchFamily="18" charset="0"/>
+              </a:rPr>
+              <a:t>trường</a:t>
+            </a:r>
+            <a:endParaRPr lang="en-US" dirty="0">
+              <a:latin typeface="Times New Roman" panose="02020603050405020304" pitchFamily="18" charset="0"/>
+              <a:cs typeface="Times New Roman" panose="02020603050405020304" pitchFamily="18" charset="0"/>
+            </a:endParaRPr>
+          </a:p>
+          <a:p>
+            <a:pPr marL="285750" indent="-285750" algn="just">
+              <a:lnSpc>
+                <a:spcPct val="150000"/>
+              </a:lnSpc>
+              <a:buFont typeface="Wingdings" panose="05000000000000000000" pitchFamily="2" charset="2"/>
+              <a:buChar char="§"/>
+            </a:pPr>
+            <a:r>
+              <a:rPr lang="en-US" dirty="0" err="1">
+                <a:latin typeface="Times New Roman" panose="02020603050405020304" pitchFamily="18" charset="0"/>
+                <a:cs typeface="Times New Roman" panose="02020603050405020304" pitchFamily="18" charset="0"/>
+              </a:rPr>
+              <a:t>Phát</a:t>
+            </a:r>
+            <a:r>
+              <a:rPr lang="en-US" dirty="0">
+                <a:latin typeface="Times New Roman" panose="02020603050405020304" pitchFamily="18" charset="0"/>
+                <a:cs typeface="Times New Roman" panose="02020603050405020304" pitchFamily="18" charset="0"/>
+              </a:rPr>
+              <a:t> </a:t>
+            </a:r>
+            <a:r>
+              <a:rPr lang="en-US" dirty="0" err="1">
+                <a:latin typeface="Times New Roman" panose="02020603050405020304" pitchFamily="18" charset="0"/>
+                <a:cs typeface="Times New Roman" panose="02020603050405020304" pitchFamily="18" charset="0"/>
+              </a:rPr>
+              <a:t>triển</a:t>
+            </a:r>
+            <a:r>
+              <a:rPr lang="en-US" dirty="0">
+                <a:latin typeface="Times New Roman" panose="02020603050405020304" pitchFamily="18" charset="0"/>
+                <a:cs typeface="Times New Roman" panose="02020603050405020304" pitchFamily="18" charset="0"/>
+              </a:rPr>
+              <a:t> </a:t>
+            </a:r>
+            <a:r>
+              <a:rPr lang="en-US" dirty="0" err="1">
+                <a:latin typeface="Times New Roman" panose="02020603050405020304" pitchFamily="18" charset="0"/>
+                <a:cs typeface="Times New Roman" panose="02020603050405020304" pitchFamily="18" charset="0"/>
+              </a:rPr>
+              <a:t>ứng</a:t>
+            </a:r>
+            <a:r>
+              <a:rPr lang="en-US" dirty="0">
+                <a:latin typeface="Times New Roman" panose="02020603050405020304" pitchFamily="18" charset="0"/>
+                <a:cs typeface="Times New Roman" panose="02020603050405020304" pitchFamily="18" charset="0"/>
+              </a:rPr>
+              <a:t> </a:t>
+            </a:r>
+            <a:r>
+              <a:rPr lang="en-US" dirty="0" err="1">
+                <a:latin typeface="Times New Roman" panose="02020603050405020304" pitchFamily="18" charset="0"/>
+                <a:cs typeface="Times New Roman" panose="02020603050405020304" pitchFamily="18" charset="0"/>
+              </a:rPr>
+              <a:t>dụng</a:t>
+            </a:r>
+            <a:r>
+              <a:rPr lang="en-US" dirty="0">
+                <a:latin typeface="Times New Roman" panose="02020603050405020304" pitchFamily="18" charset="0"/>
+                <a:cs typeface="Times New Roman" panose="02020603050405020304" pitchFamily="18" charset="0"/>
+              </a:rPr>
+              <a:t> </a:t>
+            </a:r>
+            <a:r>
+              <a:rPr lang="en-US" dirty="0" err="1">
+                <a:latin typeface="Times New Roman" panose="02020603050405020304" pitchFamily="18" charset="0"/>
+                <a:cs typeface="Times New Roman" panose="02020603050405020304" pitchFamily="18" charset="0"/>
+              </a:rPr>
+              <a:t>vào</a:t>
+            </a:r>
+            <a:r>
+              <a:rPr lang="en-US" dirty="0">
+                <a:latin typeface="Times New Roman" panose="02020603050405020304" pitchFamily="18" charset="0"/>
+                <a:cs typeface="Times New Roman" panose="02020603050405020304" pitchFamily="18" charset="0"/>
+              </a:rPr>
+              <a:t> </a:t>
+            </a:r>
+            <a:r>
+              <a:rPr lang="en-US" dirty="0" err="1">
+                <a:latin typeface="Times New Roman" panose="02020603050405020304" pitchFamily="18" charset="0"/>
+                <a:cs typeface="Times New Roman" panose="02020603050405020304" pitchFamily="18" charset="0"/>
+              </a:rPr>
+              <a:t>bãi</a:t>
+            </a:r>
+            <a:r>
+              <a:rPr lang="en-US" dirty="0">
+                <a:latin typeface="Times New Roman" panose="02020603050405020304" pitchFamily="18" charset="0"/>
+                <a:cs typeface="Times New Roman" panose="02020603050405020304" pitchFamily="18" charset="0"/>
+              </a:rPr>
+              <a:t> </a:t>
+            </a:r>
+            <a:r>
+              <a:rPr lang="en-US" dirty="0" err="1">
+                <a:latin typeface="Times New Roman" panose="02020603050405020304" pitchFamily="18" charset="0"/>
+                <a:cs typeface="Times New Roman" panose="02020603050405020304" pitchFamily="18" charset="0"/>
+              </a:rPr>
+              <a:t>giữ</a:t>
+            </a:r>
+            <a:r>
+              <a:rPr lang="en-US" dirty="0">
+                <a:latin typeface="Times New Roman" panose="02020603050405020304" pitchFamily="18" charset="0"/>
+                <a:cs typeface="Times New Roman" panose="02020603050405020304" pitchFamily="18" charset="0"/>
+              </a:rPr>
+              <a:t> </a:t>
+            </a:r>
+            <a:r>
+              <a:rPr lang="en-US" dirty="0" err="1">
+                <a:latin typeface="Times New Roman" panose="02020603050405020304" pitchFamily="18" charset="0"/>
+                <a:cs typeface="Times New Roman" panose="02020603050405020304" pitchFamily="18" charset="0"/>
+              </a:rPr>
+              <a:t>xe</a:t>
+            </a:r>
+            <a:r>
+              <a:rPr lang="en-US" dirty="0">
+                <a:latin typeface="Times New Roman" panose="02020603050405020304" pitchFamily="18" charset="0"/>
+                <a:cs typeface="Times New Roman" panose="02020603050405020304" pitchFamily="18" charset="0"/>
+              </a:rPr>
+              <a:t> </a:t>
+            </a:r>
+            <a:r>
+              <a:rPr lang="en-US" dirty="0" err="1">
+                <a:latin typeface="Times New Roman" panose="02020603050405020304" pitchFamily="18" charset="0"/>
+                <a:cs typeface="Times New Roman" panose="02020603050405020304" pitchFamily="18" charset="0"/>
+              </a:rPr>
+              <a:t>nhỏ</a:t>
+            </a:r>
+            <a:r>
+              <a:rPr lang="en-US" dirty="0">
+                <a:latin typeface="Times New Roman" panose="02020603050405020304" pitchFamily="18" charset="0"/>
+                <a:cs typeface="Times New Roman" panose="02020603050405020304" pitchFamily="18" charset="0"/>
+              </a:rPr>
+              <a:t> </a:t>
+            </a:r>
+            <a:r>
+              <a:rPr lang="en-US" dirty="0" err="1">
+                <a:latin typeface="Times New Roman" panose="02020603050405020304" pitchFamily="18" charset="0"/>
+                <a:cs typeface="Times New Roman" panose="02020603050405020304" pitchFamily="18" charset="0"/>
+              </a:rPr>
+              <a:t>tại</a:t>
+            </a:r>
+            <a:r>
+              <a:rPr lang="en-US" dirty="0">
+                <a:latin typeface="Times New Roman" panose="02020603050405020304" pitchFamily="18" charset="0"/>
+                <a:cs typeface="Times New Roman" panose="02020603050405020304" pitchFamily="18" charset="0"/>
+              </a:rPr>
+              <a:t> </a:t>
+            </a:r>
+            <a:r>
+              <a:rPr lang="en-US" dirty="0" err="1">
+                <a:latin typeface="Times New Roman" panose="02020603050405020304" pitchFamily="18" charset="0"/>
+                <a:cs typeface="Times New Roman" panose="02020603050405020304" pitchFamily="18" charset="0"/>
+              </a:rPr>
+              <a:t>các</a:t>
+            </a:r>
+            <a:r>
+              <a:rPr lang="en-US" dirty="0">
+                <a:latin typeface="Times New Roman" panose="02020603050405020304" pitchFamily="18" charset="0"/>
+                <a:cs typeface="Times New Roman" panose="02020603050405020304" pitchFamily="18" charset="0"/>
+              </a:rPr>
+              <a:t> </a:t>
+            </a:r>
+            <a:r>
+              <a:rPr lang="en-US" dirty="0" err="1">
+                <a:latin typeface="Times New Roman" panose="02020603050405020304" pitchFamily="18" charset="0"/>
+                <a:cs typeface="Times New Roman" panose="02020603050405020304" pitchFamily="18" charset="0"/>
+              </a:rPr>
+              <a:t>trường</a:t>
+            </a:r>
+            <a:r>
+              <a:rPr lang="en-US" dirty="0">
+                <a:latin typeface="Times New Roman" panose="02020603050405020304" pitchFamily="18" charset="0"/>
+                <a:cs typeface="Times New Roman" panose="02020603050405020304" pitchFamily="18" charset="0"/>
+              </a:rPr>
+              <a:t> </a:t>
+            </a:r>
+            <a:r>
+              <a:rPr lang="en-US" dirty="0" err="1">
+                <a:latin typeface="Times New Roman" panose="02020603050405020304" pitchFamily="18" charset="0"/>
+                <a:cs typeface="Times New Roman" panose="02020603050405020304" pitchFamily="18" charset="0"/>
+              </a:rPr>
+              <a:t>học</a:t>
+            </a:r>
+            <a:r>
+              <a:rPr lang="en-US" dirty="0">
+                <a:latin typeface="Times New Roman" panose="02020603050405020304" pitchFamily="18" charset="0"/>
+                <a:cs typeface="Times New Roman" panose="02020603050405020304" pitchFamily="18" charset="0"/>
+              </a:rPr>
+              <a:t> </a:t>
+            </a:r>
+            <a:r>
+              <a:rPr lang="en-US" dirty="0" err="1">
+                <a:latin typeface="Times New Roman" panose="02020603050405020304" pitchFamily="18" charset="0"/>
+                <a:cs typeface="Times New Roman" panose="02020603050405020304" pitchFamily="18" charset="0"/>
+              </a:rPr>
+              <a:t>khác</a:t>
+            </a:r>
+            <a:endParaRPr lang="en-US" dirty="0">
+              <a:latin typeface="Times New Roman" panose="02020603050405020304" pitchFamily="18" charset="0"/>
+              <a:cs typeface="Times New Roman" panose="02020603050405020304" pitchFamily="18" charset="0"/>
+            </a:endParaRPr>
+          </a:p>
+        </p:txBody>
+      </p:sp>
+    </p:spTree>
+    <p:extLst>
+      <p:ext uri="{BB962C8B-B14F-4D97-AF65-F5344CB8AC3E}">
+        <p14:creationId xmlns:p14="http://schemas.microsoft.com/office/powerpoint/2010/main" val="1072074462"/>
+      </p:ext>
+    </p:extLst>
+  </p:cSld>
+  <p:clrMapOvr>
+    <a:masterClrMapping/>
+  </p:clrMapOvr>
 </p:sld>
 </file>
 
